--- a/science/circuit17.pptx
+++ b/science/circuit17.pptx
@@ -1821,7 +1821,7 @@
           </a:ln>
           <a:extLst>
             <a:ext uri="{C572A759-6A51-4108-AA02-DFA0A04FC94B}">
-              <ma14:wrappingTextBoxFlag xmlns="" xmlns:ma14="http://schemas.microsoft.com/office/mac/drawingml/2011/main" val="1"/>
+              <ma14:wrappingTextBoxFlag xmlns:ma14="http://schemas.microsoft.com/office/mac/drawingml/2011/main" xmlns="" val="1"/>
             </a:ext>
           </a:extLst>
         </p:spPr>
@@ -1864,7 +1864,7 @@
           </a:ln>
           <a:extLst>
             <a:ext uri="{C572A759-6A51-4108-AA02-DFA0A04FC94B}">
-              <ma14:wrappingTextBoxFlag xmlns="" xmlns:ma14="http://schemas.microsoft.com/office/mac/drawingml/2011/main" val="1"/>
+              <ma14:wrappingTextBoxFlag xmlns:ma14="http://schemas.microsoft.com/office/mac/drawingml/2011/main" xmlns="" val="1"/>
             </a:ext>
           </a:extLst>
         </p:spPr>
@@ -4576,790 +4576,6 @@
           </a:p>
         </p:txBody>
       </p:sp>
-      <p:grpSp>
-        <p:nvGrpSpPr>
-          <p:cNvPr id="11" name="Group 10">
-            <a:extLst>
-              <a:ext uri="{FF2B5EF4-FFF2-40B4-BE49-F238E27FC236}">
-                <a16:creationId xmlns:a16="http://schemas.microsoft.com/office/drawing/2014/main" id="{94258EE4-B8DB-E045-8F4B-21159AC7A805}"/>
-              </a:ext>
-            </a:extLst>
-          </p:cNvPr>
-          <p:cNvGrpSpPr/>
-          <p:nvPr/>
-        </p:nvGrpSpPr>
-        <p:grpSpPr>
-          <a:xfrm>
-            <a:off x="1043809" y="4819166"/>
-            <a:ext cx="715494" cy="966152"/>
-            <a:chOff x="1155064" y="908720"/>
-            <a:chExt cx="715494" cy="966152"/>
-          </a:xfrm>
-        </p:grpSpPr>
-        <p:sp>
-          <p:nvSpPr>
-            <p:cNvPr id="2" name="Oval 1">
-              <a:extLst>
-                <a:ext uri="{FF2B5EF4-FFF2-40B4-BE49-F238E27FC236}">
-                  <a16:creationId xmlns:a16="http://schemas.microsoft.com/office/drawing/2014/main" id="{1E4C5E72-18D4-ED4B-A2ED-9278F8C12E3D}"/>
-                </a:ext>
-              </a:extLst>
-            </p:cNvPr>
-            <p:cNvSpPr/>
-            <p:nvPr/>
-          </p:nvSpPr>
-          <p:spPr>
-            <a:xfrm>
-              <a:off x="1321918" y="1169583"/>
-              <a:ext cx="548640" cy="548640"/>
-            </a:xfrm>
-            <a:prstGeom prst="ellipse">
-              <a:avLst/>
-            </a:prstGeom>
-            <a:solidFill>
-              <a:srgbClr val="FFFFFF"/>
-            </a:solidFill>
-            <a:ln w="25400" cap="flat">
-              <a:solidFill>
-                <a:schemeClr val="tx1"/>
-              </a:solidFill>
-              <a:prstDash val="solid"/>
-              <a:bevel/>
-            </a:ln>
-            <a:effectLst>
-              <a:outerShdw blurRad="38100" dist="23000" dir="5400000" rotWithShape="0">
-                <a:srgbClr val="000000">
-                  <a:alpha val="35000"/>
-                </a:srgbClr>
-              </a:outerShdw>
-            </a:effectLst>
-          </p:spPr>
-          <p:style>
-            <a:lnRef idx="0">
-              <a:scrgbClr r="0" g="0" b="0"/>
-            </a:lnRef>
-            <a:fillRef idx="0">
-              <a:scrgbClr r="0" g="0" b="0"/>
-            </a:fillRef>
-            <a:effectRef idx="0">
-              <a:scrgbClr r="0" g="0" b="0"/>
-            </a:effectRef>
-            <a:fontRef idx="none"/>
-          </p:style>
-          <p:txBody>
-            <a:bodyPr rot="0" spcFirstLastPara="1" vertOverflow="overflow" horzOverflow="overflow" vert="horz" wrap="square" lIns="45719" tIns="45719" rIns="45719" bIns="45719" numCol="1" spcCol="38100" rtlCol="0" anchor="ctr">
-              <a:spAutoFit/>
-            </a:bodyPr>
-            <a:lstStyle/>
-            <a:p>
-              <a:pPr marL="0" marR="0" indent="0" algn="l" defTabSz="457200" rtl="0" fontAlgn="auto" latinLnBrk="1" hangingPunct="0">
-                <a:lnSpc>
-                  <a:spcPct val="100000"/>
-                </a:lnSpc>
-                <a:spcBef>
-                  <a:spcPts val="0"/>
-                </a:spcBef>
-                <a:spcAft>
-                  <a:spcPts val="0"/>
-                </a:spcAft>
-                <a:buClrTx/>
-                <a:buSzTx/>
-                <a:buFontTx/>
-                <a:buNone/>
-                <a:tabLst/>
-              </a:pPr>
-              <a:endParaRPr kumimoji="0" lang="en-US" sz="1800" b="0" i="0" u="none" strike="noStrike" cap="none" spc="0" normalizeH="0" baseline="0">
-                <a:ln>
-                  <a:noFill/>
-                </a:ln>
-                <a:solidFill>
-                  <a:srgbClr val="000000"/>
-                </a:solidFill>
-                <a:effectLst/>
-                <a:uFillTx/>
-                <a:latin typeface="Calibri"/>
-                <a:ea typeface="Calibri"/>
-                <a:cs typeface="Calibri"/>
-                <a:sym typeface="Calibri"/>
-              </a:endParaRPr>
-            </a:p>
-          </p:txBody>
-        </p:sp>
-        <p:cxnSp>
-          <p:nvCxnSpPr>
-            <p:cNvPr id="4" name="Straight Arrow Connector 3">
-              <a:extLst>
-                <a:ext uri="{FF2B5EF4-FFF2-40B4-BE49-F238E27FC236}">
-                  <a16:creationId xmlns:a16="http://schemas.microsoft.com/office/drawing/2014/main" id="{5197C6D8-1648-1542-800A-594462B26315}"/>
-                </a:ext>
-              </a:extLst>
-            </p:cNvPr>
-            <p:cNvCxnSpPr>
-              <a:cxnSpLocks/>
-            </p:cNvCxnSpPr>
-            <p:nvPr/>
-          </p:nvCxnSpPr>
-          <p:spPr>
-            <a:xfrm flipH="1">
-              <a:off x="1669307" y="1441771"/>
-              <a:ext cx="137160" cy="0"/>
-            </a:xfrm>
-            <a:prstGeom prst="straightConnector1">
-              <a:avLst/>
-            </a:prstGeom>
-            <a:noFill/>
-            <a:ln w="25400" cap="flat">
-              <a:solidFill>
-                <a:schemeClr val="tx1"/>
-              </a:solidFill>
-              <a:prstDash val="solid"/>
-              <a:bevel/>
-              <a:tailEnd type="triangle"/>
-            </a:ln>
-            <a:effectLst>
-              <a:outerShdw blurRad="38100" dist="20000" dir="5400000" rotWithShape="0">
-                <a:srgbClr val="000000">
-                  <a:alpha val="38000"/>
-                </a:srgbClr>
-              </a:outerShdw>
-            </a:effectLst>
-          </p:spPr>
-          <p:style>
-            <a:lnRef idx="0">
-              <a:scrgbClr r="0" g="0" b="0"/>
-            </a:lnRef>
-            <a:fillRef idx="0">
-              <a:scrgbClr r="0" g="0" b="0"/>
-            </a:fillRef>
-            <a:effectRef idx="0">
-              <a:scrgbClr r="0" g="0" b="0"/>
-            </a:effectRef>
-            <a:fontRef idx="none"/>
-          </p:style>
-        </p:cxnSp>
-        <p:cxnSp>
-          <p:nvCxnSpPr>
-            <p:cNvPr id="6" name="Straight Connector 5">
-              <a:extLst>
-                <a:ext uri="{FF2B5EF4-FFF2-40B4-BE49-F238E27FC236}">
-                  <a16:creationId xmlns:a16="http://schemas.microsoft.com/office/drawing/2014/main" id="{44B111FB-139D-C34B-A8EA-F0E6C56913FA}"/>
-                </a:ext>
-              </a:extLst>
-            </p:cNvPr>
-            <p:cNvCxnSpPr/>
-            <p:nvPr/>
-          </p:nvCxnSpPr>
-          <p:spPr>
-            <a:xfrm>
-              <a:off x="1806467" y="1436811"/>
-              <a:ext cx="0" cy="438061"/>
-            </a:xfrm>
-            <a:prstGeom prst="line">
-              <a:avLst/>
-            </a:prstGeom>
-            <a:noFill/>
-            <a:ln w="25400" cap="flat">
-              <a:solidFill>
-                <a:schemeClr val="tx1"/>
-              </a:solidFill>
-              <a:prstDash val="solid"/>
-              <a:bevel/>
-            </a:ln>
-            <a:effectLst>
-              <a:outerShdw blurRad="38100" dist="20000" dir="5400000" rotWithShape="0">
-                <a:srgbClr val="000000">
-                  <a:alpha val="38000"/>
-                </a:srgbClr>
-              </a:outerShdw>
-            </a:effectLst>
-          </p:spPr>
-          <p:style>
-            <a:lnRef idx="0">
-              <a:scrgbClr r="0" g="0" b="0"/>
-            </a:lnRef>
-            <a:fillRef idx="0">
-              <a:scrgbClr r="0" g="0" b="0"/>
-            </a:fillRef>
-            <a:effectRef idx="0">
-              <a:scrgbClr r="0" g="0" b="0"/>
-            </a:effectRef>
-            <a:fontRef idx="none"/>
-          </p:style>
-        </p:cxnSp>
-        <p:cxnSp>
-          <p:nvCxnSpPr>
-            <p:cNvPr id="51" name="Straight Connector 50">
-              <a:extLst>
-                <a:ext uri="{FF2B5EF4-FFF2-40B4-BE49-F238E27FC236}">
-                  <a16:creationId xmlns:a16="http://schemas.microsoft.com/office/drawing/2014/main" id="{09D7C65D-24C9-DE45-B236-0A1AEF2B7162}"/>
-                </a:ext>
-              </a:extLst>
-            </p:cNvPr>
-            <p:cNvCxnSpPr/>
-            <p:nvPr/>
-          </p:nvCxnSpPr>
-          <p:spPr>
-            <a:xfrm>
-              <a:off x="1516567" y="1274844"/>
-              <a:ext cx="0" cy="274320"/>
-            </a:xfrm>
-            <a:prstGeom prst="line">
-              <a:avLst/>
-            </a:prstGeom>
-            <a:noFill/>
-            <a:ln w="25400" cap="flat">
-              <a:solidFill>
-                <a:schemeClr val="tx1"/>
-              </a:solidFill>
-              <a:prstDash val="solid"/>
-              <a:bevel/>
-            </a:ln>
-            <a:effectLst>
-              <a:outerShdw blurRad="38100" dist="20000" dir="5400000" rotWithShape="0">
-                <a:srgbClr val="000000">
-                  <a:alpha val="38000"/>
-                </a:srgbClr>
-              </a:outerShdw>
-            </a:effectLst>
-          </p:spPr>
-          <p:style>
-            <a:lnRef idx="0">
-              <a:scrgbClr r="0" g="0" b="0"/>
-            </a:lnRef>
-            <a:fillRef idx="0">
-              <a:scrgbClr r="0" g="0" b="0"/>
-            </a:fillRef>
-            <a:effectRef idx="0">
-              <a:scrgbClr r="0" g="0" b="0"/>
-            </a:effectRef>
-            <a:fontRef idx="none"/>
-          </p:style>
-        </p:cxnSp>
-        <p:cxnSp>
-          <p:nvCxnSpPr>
-            <p:cNvPr id="52" name="Straight Connector 51">
-              <a:extLst>
-                <a:ext uri="{FF2B5EF4-FFF2-40B4-BE49-F238E27FC236}">
-                  <a16:creationId xmlns:a16="http://schemas.microsoft.com/office/drawing/2014/main" id="{C00B16CB-6508-9E4F-A340-48F4FD3FC023}"/>
-                </a:ext>
-              </a:extLst>
-            </p:cNvPr>
-            <p:cNvCxnSpPr/>
-            <p:nvPr/>
-          </p:nvCxnSpPr>
-          <p:spPr>
-            <a:xfrm>
-              <a:off x="1647701" y="1289018"/>
-              <a:ext cx="0" cy="274320"/>
-            </a:xfrm>
-            <a:prstGeom prst="line">
-              <a:avLst/>
-            </a:prstGeom>
-            <a:noFill/>
-            <a:ln w="25400" cap="flat">
-              <a:solidFill>
-                <a:schemeClr val="tx1"/>
-              </a:solidFill>
-              <a:prstDash val="sysDash"/>
-              <a:bevel/>
-            </a:ln>
-            <a:effectLst>
-              <a:outerShdw blurRad="38100" dist="20000" dir="5400000" rotWithShape="0">
-                <a:srgbClr val="000000">
-                  <a:alpha val="38000"/>
-                </a:srgbClr>
-              </a:outerShdw>
-            </a:effectLst>
-          </p:spPr>
-          <p:style>
-            <a:lnRef idx="0">
-              <a:scrgbClr r="0" g="0" b="0"/>
-            </a:lnRef>
-            <a:fillRef idx="0">
-              <a:scrgbClr r="0" g="0" b="0"/>
-            </a:fillRef>
-            <a:effectRef idx="0">
-              <a:scrgbClr r="0" g="0" b="0"/>
-            </a:effectRef>
-            <a:fontRef idx="none"/>
-          </p:style>
-        </p:cxnSp>
-        <p:cxnSp>
-          <p:nvCxnSpPr>
-            <p:cNvPr id="54" name="Straight Connector 53">
-              <a:extLst>
-                <a:ext uri="{FF2B5EF4-FFF2-40B4-BE49-F238E27FC236}">
-                  <a16:creationId xmlns:a16="http://schemas.microsoft.com/office/drawing/2014/main" id="{A8A162C7-3FEC-7A40-A994-DD92682383FB}"/>
-                </a:ext>
-              </a:extLst>
-            </p:cNvPr>
-            <p:cNvCxnSpPr/>
-            <p:nvPr/>
-          </p:nvCxnSpPr>
-          <p:spPr>
-            <a:xfrm>
-              <a:off x="1155064" y="1538531"/>
-              <a:ext cx="365760" cy="0"/>
-            </a:xfrm>
-            <a:prstGeom prst="line">
-              <a:avLst/>
-            </a:prstGeom>
-            <a:noFill/>
-            <a:ln w="25400" cap="flat">
-              <a:solidFill>
-                <a:schemeClr val="tx1"/>
-              </a:solidFill>
-              <a:prstDash val="solid"/>
-              <a:bevel/>
-            </a:ln>
-            <a:effectLst>
-              <a:outerShdw blurRad="38100" dist="20000" dir="5400000" rotWithShape="0">
-                <a:srgbClr val="000000">
-                  <a:alpha val="38000"/>
-                </a:srgbClr>
-              </a:outerShdw>
-            </a:effectLst>
-          </p:spPr>
-          <p:style>
-            <a:lnRef idx="0">
-              <a:scrgbClr r="0" g="0" b="0"/>
-            </a:lnRef>
-            <a:fillRef idx="0">
-              <a:scrgbClr r="0" g="0" b="0"/>
-            </a:fillRef>
-            <a:effectRef idx="0">
-              <a:scrgbClr r="0" g="0" b="0"/>
-            </a:effectRef>
-            <a:fontRef idx="none"/>
-          </p:style>
-        </p:cxnSp>
-        <p:cxnSp>
-          <p:nvCxnSpPr>
-            <p:cNvPr id="55" name="Straight Arrow Connector 54">
-              <a:extLst>
-                <a:ext uri="{FF2B5EF4-FFF2-40B4-BE49-F238E27FC236}">
-                  <a16:creationId xmlns:a16="http://schemas.microsoft.com/office/drawing/2014/main" id="{FAF362B1-9E94-D849-9594-3C3890FFD888}"/>
-                </a:ext>
-              </a:extLst>
-            </p:cNvPr>
-            <p:cNvCxnSpPr>
-              <a:cxnSpLocks/>
-            </p:cNvCxnSpPr>
-            <p:nvPr/>
-          </p:nvCxnSpPr>
-          <p:spPr>
-            <a:xfrm flipH="1">
-              <a:off x="1662216" y="1338987"/>
-              <a:ext cx="137160" cy="0"/>
-            </a:xfrm>
-            <a:prstGeom prst="straightConnector1">
-              <a:avLst/>
-            </a:prstGeom>
-            <a:noFill/>
-            <a:ln w="25400" cap="flat">
-              <a:solidFill>
-                <a:schemeClr val="tx1"/>
-              </a:solidFill>
-              <a:prstDash val="solid"/>
-              <a:bevel/>
-              <a:headEnd type="none"/>
-              <a:tailEnd type="none"/>
-            </a:ln>
-            <a:effectLst>
-              <a:outerShdw blurRad="38100" dist="20000" dir="5400000" rotWithShape="0">
-                <a:srgbClr val="000000">
-                  <a:alpha val="38000"/>
-                </a:srgbClr>
-              </a:outerShdw>
-            </a:effectLst>
-          </p:spPr>
-          <p:style>
-            <a:lnRef idx="0">
-              <a:scrgbClr r="0" g="0" b="0"/>
-            </a:lnRef>
-            <a:fillRef idx="0">
-              <a:scrgbClr r="0" g="0" b="0"/>
-            </a:fillRef>
-            <a:effectRef idx="0">
-              <a:scrgbClr r="0" g="0" b="0"/>
-            </a:effectRef>
-            <a:fontRef idx="none"/>
-          </p:style>
-        </p:cxnSp>
-        <p:cxnSp>
-          <p:nvCxnSpPr>
-            <p:cNvPr id="56" name="Straight Arrow Connector 55">
-              <a:extLst>
-                <a:ext uri="{FF2B5EF4-FFF2-40B4-BE49-F238E27FC236}">
-                  <a16:creationId xmlns:a16="http://schemas.microsoft.com/office/drawing/2014/main" id="{234A8F57-A36E-2543-90A0-1507B5B34892}"/>
-                </a:ext>
-              </a:extLst>
-            </p:cNvPr>
-            <p:cNvCxnSpPr>
-              <a:cxnSpLocks/>
-            </p:cNvCxnSpPr>
-            <p:nvPr/>
-          </p:nvCxnSpPr>
-          <p:spPr>
-            <a:xfrm flipH="1">
-              <a:off x="1644494" y="1533919"/>
-              <a:ext cx="137160" cy="0"/>
-            </a:xfrm>
-            <a:prstGeom prst="straightConnector1">
-              <a:avLst/>
-            </a:prstGeom>
-            <a:noFill/>
-            <a:ln w="25400" cap="flat">
-              <a:solidFill>
-                <a:schemeClr val="tx1"/>
-              </a:solidFill>
-              <a:prstDash val="solid"/>
-              <a:bevel/>
-              <a:headEnd type="none"/>
-              <a:tailEnd type="none"/>
-            </a:ln>
-            <a:effectLst>
-              <a:outerShdw blurRad="38100" dist="20000" dir="5400000" rotWithShape="0">
-                <a:srgbClr val="000000">
-                  <a:alpha val="38000"/>
-                </a:srgbClr>
-              </a:outerShdw>
-            </a:effectLst>
-          </p:spPr>
-          <p:style>
-            <a:lnRef idx="0">
-              <a:scrgbClr r="0" g="0" b="0"/>
-            </a:lnRef>
-            <a:fillRef idx="0">
-              <a:scrgbClr r="0" g="0" b="0"/>
-            </a:fillRef>
-            <a:effectRef idx="0">
-              <a:scrgbClr r="0" g="0" b="0"/>
-            </a:effectRef>
-            <a:fontRef idx="none"/>
-          </p:style>
-        </p:cxnSp>
-        <p:cxnSp>
-          <p:nvCxnSpPr>
-            <p:cNvPr id="57" name="Straight Connector 56">
-              <a:extLst>
-                <a:ext uri="{FF2B5EF4-FFF2-40B4-BE49-F238E27FC236}">
-                  <a16:creationId xmlns:a16="http://schemas.microsoft.com/office/drawing/2014/main" id="{08D7F040-3DC5-5148-8AB4-BF25C590050E}"/>
-                </a:ext>
-              </a:extLst>
-            </p:cNvPr>
-            <p:cNvCxnSpPr/>
-            <p:nvPr/>
-          </p:nvCxnSpPr>
-          <p:spPr>
-            <a:xfrm>
-              <a:off x="1799375" y="908720"/>
-              <a:ext cx="0" cy="438061"/>
-            </a:xfrm>
-            <a:prstGeom prst="line">
-              <a:avLst/>
-            </a:prstGeom>
-            <a:noFill/>
-            <a:ln w="25400" cap="flat">
-              <a:solidFill>
-                <a:schemeClr val="tx1"/>
-              </a:solidFill>
-              <a:prstDash val="solid"/>
-              <a:bevel/>
-            </a:ln>
-            <a:effectLst>
-              <a:outerShdw blurRad="38100" dist="20000" dir="5400000" rotWithShape="0">
-                <a:srgbClr val="000000">
-                  <a:alpha val="38000"/>
-                </a:srgbClr>
-              </a:outerShdw>
-            </a:effectLst>
-          </p:spPr>
-          <p:style>
-            <a:lnRef idx="0">
-              <a:scrgbClr r="0" g="0" b="0"/>
-            </a:lnRef>
-            <a:fillRef idx="0">
-              <a:scrgbClr r="0" g="0" b="0"/>
-            </a:fillRef>
-            <a:effectRef idx="0">
-              <a:scrgbClr r="0" g="0" b="0"/>
-            </a:effectRef>
-            <a:fontRef idx="none"/>
-          </p:style>
-        </p:cxnSp>
-      </p:grpSp>
-      <p:sp>
-        <p:nvSpPr>
-          <p:cNvPr id="59" name="Freeform 12">
-            <a:extLst>
-              <a:ext uri="{FF2B5EF4-FFF2-40B4-BE49-F238E27FC236}">
-                <a16:creationId xmlns:a16="http://schemas.microsoft.com/office/drawing/2014/main" id="{3C6178BD-FC5A-2543-B856-10E5A2A92AB4}"/>
-              </a:ext>
-            </a:extLst>
-          </p:cNvPr>
-          <p:cNvSpPr>
-            <a:spLocks/>
-          </p:cNvSpPr>
-          <p:nvPr/>
-        </p:nvSpPr>
-        <p:spPr bwMode="auto">
-          <a:xfrm flipH="1">
-            <a:off x="980576" y="5457053"/>
-            <a:ext cx="182880" cy="548640"/>
-          </a:xfrm>
-          <a:custGeom>
-            <a:avLst/>
-            <a:gdLst/>
-            <a:ahLst/>
-            <a:cxnLst>
-              <a:cxn ang="0">
-                <a:pos x="96" y="0"/>
-              </a:cxn>
-              <a:cxn ang="0">
-                <a:pos x="96" y="192"/>
-              </a:cxn>
-              <a:cxn ang="0">
-                <a:pos x="192" y="240"/>
-              </a:cxn>
-              <a:cxn ang="0">
-                <a:pos x="0" y="336"/>
-              </a:cxn>
-              <a:cxn ang="0">
-                <a:pos x="192" y="432"/>
-              </a:cxn>
-              <a:cxn ang="0">
-                <a:pos x="0" y="528"/>
-              </a:cxn>
-              <a:cxn ang="0">
-                <a:pos x="192" y="624"/>
-              </a:cxn>
-              <a:cxn ang="0">
-                <a:pos x="0" y="720"/>
-              </a:cxn>
-              <a:cxn ang="0">
-                <a:pos x="96" y="768"/>
-              </a:cxn>
-              <a:cxn ang="0">
-                <a:pos x="96" y="960"/>
-              </a:cxn>
-            </a:cxnLst>
-            <a:rect l="0" t="0" r="r" b="b"/>
-            <a:pathLst>
-              <a:path w="192" h="960">
-                <a:moveTo>
-                  <a:pt x="96" y="0"/>
-                </a:moveTo>
-                <a:lnTo>
-                  <a:pt x="96" y="192"/>
-                </a:lnTo>
-                <a:lnTo>
-                  <a:pt x="192" y="240"/>
-                </a:lnTo>
-                <a:lnTo>
-                  <a:pt x="0" y="336"/>
-                </a:lnTo>
-                <a:lnTo>
-                  <a:pt x="192" y="432"/>
-                </a:lnTo>
-                <a:lnTo>
-                  <a:pt x="0" y="528"/>
-                </a:lnTo>
-                <a:lnTo>
-                  <a:pt x="192" y="624"/>
-                </a:lnTo>
-                <a:lnTo>
-                  <a:pt x="0" y="720"/>
-                </a:lnTo>
-                <a:lnTo>
-                  <a:pt x="96" y="768"/>
-                </a:lnTo>
-                <a:lnTo>
-                  <a:pt x="96" y="960"/>
-                </a:lnTo>
-              </a:path>
-            </a:pathLst>
-          </a:custGeom>
-          <a:noFill/>
-          <a:ln w="25400" cmpd="sng">
-            <a:solidFill>
-              <a:schemeClr val="tx1"/>
-            </a:solidFill>
-            <a:round/>
-            <a:headEnd/>
-            <a:tailEnd/>
-          </a:ln>
-          <a:effectLst/>
-        </p:spPr>
-        <p:txBody>
-          <a:bodyPr>
-            <a:prstTxWarp prst="textNoShape">
-              <a:avLst/>
-            </a:prstTxWarp>
-          </a:bodyPr>
-          <a:lstStyle/>
-          <a:p>
-            <a:endParaRPr lang="en-US" sz="1200"/>
-          </a:p>
-        </p:txBody>
-      </p:sp>
-      <p:sp>
-        <p:nvSpPr>
-          <p:cNvPr id="60" name="Freeform 12">
-            <a:extLst>
-              <a:ext uri="{FF2B5EF4-FFF2-40B4-BE49-F238E27FC236}">
-                <a16:creationId xmlns:a16="http://schemas.microsoft.com/office/drawing/2014/main" id="{F026CE8D-7CC0-6946-BA83-B803EB0E7C81}"/>
-              </a:ext>
-            </a:extLst>
-          </p:cNvPr>
-          <p:cNvSpPr>
-            <a:spLocks/>
-          </p:cNvSpPr>
-          <p:nvPr/>
-        </p:nvSpPr>
-        <p:spPr bwMode="auto">
-          <a:xfrm flipH="1">
-            <a:off x="980576" y="4918573"/>
-            <a:ext cx="182880" cy="548640"/>
-          </a:xfrm>
-          <a:custGeom>
-            <a:avLst/>
-            <a:gdLst/>
-            <a:ahLst/>
-            <a:cxnLst>
-              <a:cxn ang="0">
-                <a:pos x="96" y="0"/>
-              </a:cxn>
-              <a:cxn ang="0">
-                <a:pos x="96" y="192"/>
-              </a:cxn>
-              <a:cxn ang="0">
-                <a:pos x="192" y="240"/>
-              </a:cxn>
-              <a:cxn ang="0">
-                <a:pos x="0" y="336"/>
-              </a:cxn>
-              <a:cxn ang="0">
-                <a:pos x="192" y="432"/>
-              </a:cxn>
-              <a:cxn ang="0">
-                <a:pos x="0" y="528"/>
-              </a:cxn>
-              <a:cxn ang="0">
-                <a:pos x="192" y="624"/>
-              </a:cxn>
-              <a:cxn ang="0">
-                <a:pos x="0" y="720"/>
-              </a:cxn>
-              <a:cxn ang="0">
-                <a:pos x="96" y="768"/>
-              </a:cxn>
-              <a:cxn ang="0">
-                <a:pos x="96" y="960"/>
-              </a:cxn>
-            </a:cxnLst>
-            <a:rect l="0" t="0" r="r" b="b"/>
-            <a:pathLst>
-              <a:path w="192" h="960">
-                <a:moveTo>
-                  <a:pt x="96" y="0"/>
-                </a:moveTo>
-                <a:lnTo>
-                  <a:pt x="96" y="192"/>
-                </a:lnTo>
-                <a:lnTo>
-                  <a:pt x="192" y="240"/>
-                </a:lnTo>
-                <a:lnTo>
-                  <a:pt x="0" y="336"/>
-                </a:lnTo>
-                <a:lnTo>
-                  <a:pt x="192" y="432"/>
-                </a:lnTo>
-                <a:lnTo>
-                  <a:pt x="0" y="528"/>
-                </a:lnTo>
-                <a:lnTo>
-                  <a:pt x="192" y="624"/>
-                </a:lnTo>
-                <a:lnTo>
-                  <a:pt x="0" y="720"/>
-                </a:lnTo>
-                <a:lnTo>
-                  <a:pt x="96" y="768"/>
-                </a:lnTo>
-                <a:lnTo>
-                  <a:pt x="96" y="960"/>
-                </a:lnTo>
-              </a:path>
-            </a:pathLst>
-          </a:custGeom>
-          <a:noFill/>
-          <a:ln w="25400" cmpd="sng">
-            <a:solidFill>
-              <a:schemeClr val="tx1"/>
-            </a:solidFill>
-            <a:round/>
-            <a:headEnd/>
-            <a:tailEnd/>
-          </a:ln>
-          <a:effectLst/>
-        </p:spPr>
-        <p:txBody>
-          <a:bodyPr>
-            <a:prstTxWarp prst="textNoShape">
-              <a:avLst/>
-            </a:prstTxWarp>
-          </a:bodyPr>
-          <a:lstStyle/>
-          <a:p>
-            <a:endParaRPr lang="en-US" sz="1200"/>
-          </a:p>
-        </p:txBody>
-      </p:sp>
-      <p:cxnSp>
-        <p:nvCxnSpPr>
-          <p:cNvPr id="61" name="Straight Connector 60">
-            <a:extLst>
-              <a:ext uri="{FF2B5EF4-FFF2-40B4-BE49-F238E27FC236}">
-                <a16:creationId xmlns:a16="http://schemas.microsoft.com/office/drawing/2014/main" id="{A59241FD-9002-B748-987F-4F2F0A89520A}"/>
-              </a:ext>
-            </a:extLst>
-          </p:cNvPr>
-          <p:cNvCxnSpPr>
-            <a:cxnSpLocks/>
-          </p:cNvCxnSpPr>
-          <p:nvPr/>
-        </p:nvCxnSpPr>
-        <p:spPr>
-          <a:xfrm>
-            <a:off x="633429" y="5448806"/>
-            <a:ext cx="457200" cy="0"/>
-          </a:xfrm>
-          <a:prstGeom prst="line">
-            <a:avLst/>
-          </a:prstGeom>
-          <a:ln>
-            <a:solidFill>
-              <a:schemeClr val="tx1"/>
-            </a:solidFill>
-          </a:ln>
-        </p:spPr>
-        <p:style>
-          <a:lnRef idx="2">
-            <a:schemeClr val="accent1"/>
-          </a:lnRef>
-          <a:fillRef idx="0">
-            <a:schemeClr val="accent1"/>
-          </a:fillRef>
-          <a:effectRef idx="1">
-            <a:schemeClr val="accent1"/>
-          </a:effectRef>
-          <a:fontRef idx="minor">
-            <a:schemeClr val="tx1"/>
-          </a:fontRef>
-        </p:style>
-      </p:cxnSp>
       <p:sp>
         <p:nvSpPr>
           <p:cNvPr id="62" name="TextBox 61">
@@ -5395,2304 +4611,8 @@
           </a:p>
         </p:txBody>
       </p:sp>
-      <p:grpSp>
-        <p:nvGrpSpPr>
-          <p:cNvPr id="63" name="Group 210">
-            <a:extLst>
-              <a:ext uri="{FF2B5EF4-FFF2-40B4-BE49-F238E27FC236}">
-                <a16:creationId xmlns:a16="http://schemas.microsoft.com/office/drawing/2014/main" id="{CE7C7E9B-F0B2-B146-A63F-85160E213384}"/>
-              </a:ext>
-            </a:extLst>
-          </p:cNvPr>
-          <p:cNvGrpSpPr>
-            <a:grpSpLocks/>
-          </p:cNvGrpSpPr>
-          <p:nvPr/>
-        </p:nvGrpSpPr>
-        <p:grpSpPr bwMode="auto">
-          <a:xfrm>
-            <a:off x="2024173" y="5721460"/>
-            <a:ext cx="274320" cy="548640"/>
-            <a:chOff x="3216" y="1728"/>
-            <a:chExt cx="192" cy="480"/>
-          </a:xfrm>
-        </p:grpSpPr>
-        <p:sp>
-          <p:nvSpPr>
-            <p:cNvPr id="64" name="Line 8">
-              <a:extLst>
-                <a:ext uri="{FF2B5EF4-FFF2-40B4-BE49-F238E27FC236}">
-                  <a16:creationId xmlns:a16="http://schemas.microsoft.com/office/drawing/2014/main" id="{AB05D286-D416-3F4F-9908-67663F2553AD}"/>
-                </a:ext>
-              </a:extLst>
-            </p:cNvPr>
-            <p:cNvSpPr>
-              <a:spLocks noChangeAspect="1" noChangeShapeType="1"/>
-            </p:cNvSpPr>
-            <p:nvPr/>
-          </p:nvSpPr>
-          <p:spPr bwMode="auto">
-            <a:xfrm>
-              <a:off x="3312" y="1728"/>
-              <a:ext cx="0" cy="216"/>
-            </a:xfrm>
-            <a:prstGeom prst="line">
-              <a:avLst/>
-            </a:prstGeom>
-            <a:noFill/>
-            <a:ln w="25400">
-              <a:solidFill>
-                <a:schemeClr val="tx1"/>
-              </a:solidFill>
-              <a:round/>
-              <a:headEnd/>
-              <a:tailEnd/>
-            </a:ln>
-            <a:effectLst/>
-          </p:spPr>
-          <p:txBody>
-            <a:bodyPr>
-              <a:prstTxWarp prst="textNoShape">
-                <a:avLst/>
-              </a:prstTxWarp>
-            </a:bodyPr>
-            <a:lstStyle/>
-            <a:p>
-              <a:endParaRPr lang="en-US" sz="1200"/>
-            </a:p>
-          </p:txBody>
-        </p:sp>
-        <p:sp>
-          <p:nvSpPr>
-            <p:cNvPr id="65" name="Line 9">
-              <a:extLst>
-                <a:ext uri="{FF2B5EF4-FFF2-40B4-BE49-F238E27FC236}">
-                  <a16:creationId xmlns:a16="http://schemas.microsoft.com/office/drawing/2014/main" id="{20E371DC-631F-4B44-BB2F-6E0FAC04F7F2}"/>
-                </a:ext>
-              </a:extLst>
-            </p:cNvPr>
-            <p:cNvSpPr>
-              <a:spLocks noChangeAspect="1" noChangeShapeType="1"/>
-            </p:cNvSpPr>
-            <p:nvPr/>
-          </p:nvSpPr>
-          <p:spPr bwMode="auto">
-            <a:xfrm>
-              <a:off x="3312" y="1992"/>
-              <a:ext cx="0" cy="216"/>
-            </a:xfrm>
-            <a:prstGeom prst="line">
-              <a:avLst/>
-            </a:prstGeom>
-            <a:noFill/>
-            <a:ln w="25400">
-              <a:solidFill>
-                <a:schemeClr val="tx1"/>
-              </a:solidFill>
-              <a:round/>
-              <a:headEnd/>
-              <a:tailEnd/>
-            </a:ln>
-            <a:effectLst/>
-          </p:spPr>
-          <p:txBody>
-            <a:bodyPr>
-              <a:prstTxWarp prst="textNoShape">
-                <a:avLst/>
-              </a:prstTxWarp>
-            </a:bodyPr>
-            <a:lstStyle/>
-            <a:p>
-              <a:endParaRPr lang="en-US" sz="1200"/>
-            </a:p>
-          </p:txBody>
-        </p:sp>
-        <p:sp>
-          <p:nvSpPr>
-            <p:cNvPr id="66" name="Line 10">
-              <a:extLst>
-                <a:ext uri="{FF2B5EF4-FFF2-40B4-BE49-F238E27FC236}">
-                  <a16:creationId xmlns:a16="http://schemas.microsoft.com/office/drawing/2014/main" id="{75480980-C7C1-C545-8467-FD20AE98CB48}"/>
-                </a:ext>
-              </a:extLst>
-            </p:cNvPr>
-            <p:cNvSpPr>
-              <a:spLocks noChangeAspect="1" noChangeShapeType="1"/>
-            </p:cNvSpPr>
-            <p:nvPr/>
-          </p:nvSpPr>
-          <p:spPr bwMode="auto">
-            <a:xfrm>
-              <a:off x="3216" y="1944"/>
-              <a:ext cx="192" cy="0"/>
-            </a:xfrm>
-            <a:prstGeom prst="line">
-              <a:avLst/>
-            </a:prstGeom>
-            <a:noFill/>
-            <a:ln w="25400">
-              <a:solidFill>
-                <a:schemeClr val="tx1"/>
-              </a:solidFill>
-              <a:round/>
-              <a:headEnd/>
-              <a:tailEnd/>
-            </a:ln>
-            <a:effectLst/>
-          </p:spPr>
-          <p:txBody>
-            <a:bodyPr>
-              <a:prstTxWarp prst="textNoShape">
-                <a:avLst/>
-              </a:prstTxWarp>
-            </a:bodyPr>
-            <a:lstStyle/>
-            <a:p>
-              <a:endParaRPr lang="en-US" sz="1200"/>
-            </a:p>
-          </p:txBody>
-        </p:sp>
-        <p:sp>
-          <p:nvSpPr>
-            <p:cNvPr id="67" name="Line 11">
-              <a:extLst>
-                <a:ext uri="{FF2B5EF4-FFF2-40B4-BE49-F238E27FC236}">
-                  <a16:creationId xmlns:a16="http://schemas.microsoft.com/office/drawing/2014/main" id="{6CAC20C8-9584-0B40-900A-667F2EB1FAC6}"/>
-                </a:ext>
-              </a:extLst>
-            </p:cNvPr>
-            <p:cNvSpPr>
-              <a:spLocks noChangeAspect="1" noChangeShapeType="1"/>
-            </p:cNvSpPr>
-            <p:nvPr/>
-          </p:nvSpPr>
-          <p:spPr bwMode="auto">
-            <a:xfrm>
-              <a:off x="3216" y="1992"/>
-              <a:ext cx="192" cy="0"/>
-            </a:xfrm>
-            <a:prstGeom prst="line">
-              <a:avLst/>
-            </a:prstGeom>
-            <a:noFill/>
-            <a:ln w="25400">
-              <a:solidFill>
-                <a:schemeClr val="tx1"/>
-              </a:solidFill>
-              <a:round/>
-              <a:headEnd/>
-              <a:tailEnd/>
-            </a:ln>
-            <a:effectLst/>
-          </p:spPr>
-          <p:txBody>
-            <a:bodyPr>
-              <a:prstTxWarp prst="textNoShape">
-                <a:avLst/>
-              </a:prstTxWarp>
-            </a:bodyPr>
-            <a:lstStyle/>
-            <a:p>
-              <a:endParaRPr lang="en-US" sz="1200"/>
-            </a:p>
-          </p:txBody>
-        </p:sp>
-      </p:grpSp>
-      <p:grpSp>
-        <p:nvGrpSpPr>
-          <p:cNvPr id="68" name="Group 210">
-            <a:extLst>
-              <a:ext uri="{FF2B5EF4-FFF2-40B4-BE49-F238E27FC236}">
-                <a16:creationId xmlns:a16="http://schemas.microsoft.com/office/drawing/2014/main" id="{C82FBEF4-497F-4448-B7CF-0B9B88771BF3}"/>
-              </a:ext>
-            </a:extLst>
-          </p:cNvPr>
-          <p:cNvGrpSpPr>
-            <a:grpSpLocks/>
-          </p:cNvGrpSpPr>
-          <p:nvPr/>
-        </p:nvGrpSpPr>
-        <p:grpSpPr bwMode="auto">
-          <a:xfrm rot="5400000">
-            <a:off x="459160" y="5171821"/>
-            <a:ext cx="274320" cy="548640"/>
-            <a:chOff x="3216" y="1728"/>
-            <a:chExt cx="192" cy="480"/>
-          </a:xfrm>
-        </p:grpSpPr>
-        <p:sp>
-          <p:nvSpPr>
-            <p:cNvPr id="69" name="Line 8">
-              <a:extLst>
-                <a:ext uri="{FF2B5EF4-FFF2-40B4-BE49-F238E27FC236}">
-                  <a16:creationId xmlns:a16="http://schemas.microsoft.com/office/drawing/2014/main" id="{9E3DEB7F-079E-6A48-B43D-04C5661C8BEF}"/>
-                </a:ext>
-              </a:extLst>
-            </p:cNvPr>
-            <p:cNvSpPr>
-              <a:spLocks noChangeAspect="1" noChangeShapeType="1"/>
-            </p:cNvSpPr>
-            <p:nvPr/>
-          </p:nvSpPr>
-          <p:spPr bwMode="auto">
-            <a:xfrm>
-              <a:off x="3312" y="1728"/>
-              <a:ext cx="0" cy="200"/>
-            </a:xfrm>
-            <a:prstGeom prst="line">
-              <a:avLst/>
-            </a:prstGeom>
-            <a:noFill/>
-            <a:ln w="25400">
-              <a:solidFill>
-                <a:schemeClr val="tx1"/>
-              </a:solidFill>
-              <a:round/>
-              <a:headEnd/>
-              <a:tailEnd/>
-            </a:ln>
-            <a:effectLst/>
-          </p:spPr>
-          <p:txBody>
-            <a:bodyPr>
-              <a:prstTxWarp prst="textNoShape">
-                <a:avLst/>
-              </a:prstTxWarp>
-            </a:bodyPr>
-            <a:lstStyle/>
-            <a:p>
-              <a:endParaRPr lang="en-US" sz="1200"/>
-            </a:p>
-          </p:txBody>
-        </p:sp>
-        <p:sp>
-          <p:nvSpPr>
-            <p:cNvPr id="70" name="Line 9">
-              <a:extLst>
-                <a:ext uri="{FF2B5EF4-FFF2-40B4-BE49-F238E27FC236}">
-                  <a16:creationId xmlns:a16="http://schemas.microsoft.com/office/drawing/2014/main" id="{63AA36F2-0518-6947-A5B1-73026AFDEA31}"/>
-                </a:ext>
-              </a:extLst>
-            </p:cNvPr>
-            <p:cNvSpPr>
-              <a:spLocks noChangeAspect="1" noChangeShapeType="1"/>
-            </p:cNvSpPr>
-            <p:nvPr/>
-          </p:nvSpPr>
-          <p:spPr bwMode="auto">
-            <a:xfrm>
-              <a:off x="3312" y="1992"/>
-              <a:ext cx="0" cy="216"/>
-            </a:xfrm>
-            <a:prstGeom prst="line">
-              <a:avLst/>
-            </a:prstGeom>
-            <a:noFill/>
-            <a:ln w="25400">
-              <a:solidFill>
-                <a:schemeClr val="tx1"/>
-              </a:solidFill>
-              <a:round/>
-              <a:headEnd/>
-              <a:tailEnd/>
-            </a:ln>
-            <a:effectLst/>
-          </p:spPr>
-          <p:txBody>
-            <a:bodyPr>
-              <a:prstTxWarp prst="textNoShape">
-                <a:avLst/>
-              </a:prstTxWarp>
-            </a:bodyPr>
-            <a:lstStyle/>
-            <a:p>
-              <a:endParaRPr lang="en-US" sz="1200"/>
-            </a:p>
-          </p:txBody>
-        </p:sp>
-        <p:sp>
-          <p:nvSpPr>
-            <p:cNvPr id="71" name="Line 10">
-              <a:extLst>
-                <a:ext uri="{FF2B5EF4-FFF2-40B4-BE49-F238E27FC236}">
-                  <a16:creationId xmlns:a16="http://schemas.microsoft.com/office/drawing/2014/main" id="{1C7984D6-BBAB-974D-801C-D719BB95FEA3}"/>
-                </a:ext>
-              </a:extLst>
-            </p:cNvPr>
-            <p:cNvSpPr>
-              <a:spLocks noChangeAspect="1" noChangeShapeType="1"/>
-            </p:cNvSpPr>
-            <p:nvPr/>
-          </p:nvSpPr>
-          <p:spPr bwMode="auto">
-            <a:xfrm>
-              <a:off x="3216" y="1944"/>
-              <a:ext cx="192" cy="0"/>
-            </a:xfrm>
-            <a:prstGeom prst="line">
-              <a:avLst/>
-            </a:prstGeom>
-            <a:noFill/>
-            <a:ln w="25400">
-              <a:solidFill>
-                <a:schemeClr val="tx1"/>
-              </a:solidFill>
-              <a:round/>
-              <a:headEnd/>
-              <a:tailEnd/>
-            </a:ln>
-            <a:effectLst/>
-          </p:spPr>
-          <p:txBody>
-            <a:bodyPr>
-              <a:prstTxWarp prst="textNoShape">
-                <a:avLst/>
-              </a:prstTxWarp>
-            </a:bodyPr>
-            <a:lstStyle/>
-            <a:p>
-              <a:endParaRPr lang="en-US" sz="1200"/>
-            </a:p>
-          </p:txBody>
-        </p:sp>
-        <p:sp>
-          <p:nvSpPr>
-            <p:cNvPr id="72" name="Line 11">
-              <a:extLst>
-                <a:ext uri="{FF2B5EF4-FFF2-40B4-BE49-F238E27FC236}">
-                  <a16:creationId xmlns:a16="http://schemas.microsoft.com/office/drawing/2014/main" id="{A1DE5BBD-8BD1-C74C-869C-30089FD4A8FC}"/>
-                </a:ext>
-              </a:extLst>
-            </p:cNvPr>
-            <p:cNvSpPr>
-              <a:spLocks noChangeAspect="1" noChangeShapeType="1"/>
-            </p:cNvSpPr>
-            <p:nvPr/>
-          </p:nvSpPr>
-          <p:spPr bwMode="auto">
-            <a:xfrm>
-              <a:off x="3216" y="1992"/>
-              <a:ext cx="192" cy="0"/>
-            </a:xfrm>
-            <a:prstGeom prst="line">
-              <a:avLst/>
-            </a:prstGeom>
-            <a:noFill/>
-            <a:ln w="25400">
-              <a:solidFill>
-                <a:schemeClr val="tx1"/>
-              </a:solidFill>
-              <a:round/>
-              <a:headEnd/>
-              <a:tailEnd/>
-            </a:ln>
-            <a:effectLst/>
-          </p:spPr>
-          <p:txBody>
-            <a:bodyPr>
-              <a:prstTxWarp prst="textNoShape">
-                <a:avLst/>
-              </a:prstTxWarp>
-            </a:bodyPr>
-            <a:lstStyle/>
-            <a:p>
-              <a:endParaRPr lang="en-US" sz="1200"/>
-            </a:p>
-          </p:txBody>
-        </p:sp>
-      </p:grpSp>
-      <p:sp>
-        <p:nvSpPr>
-          <p:cNvPr id="73" name="TextBox 72">
-            <a:extLst>
-              <a:ext uri="{FF2B5EF4-FFF2-40B4-BE49-F238E27FC236}">
-                <a16:creationId xmlns:a16="http://schemas.microsoft.com/office/drawing/2014/main" id="{8A84E96A-D990-A64B-A960-D299923C09E9}"/>
-              </a:ext>
-            </a:extLst>
-          </p:cNvPr>
-          <p:cNvSpPr txBox="1"/>
-          <p:nvPr/>
-        </p:nvSpPr>
-        <p:spPr>
-          <a:xfrm>
-            <a:off x="1395258" y="4699053"/>
-            <a:ext cx="327334" cy="369332"/>
-          </a:xfrm>
-          <a:prstGeom prst="rect">
-            <a:avLst/>
-          </a:prstGeom>
-          <a:noFill/>
-        </p:spPr>
-        <p:txBody>
-          <a:bodyPr wrap="none" rtlCol="0">
-            <a:spAutoFit/>
-          </a:bodyPr>
-          <a:lstStyle/>
-          <a:p>
-            <a:r>
-              <a:rPr lang="en-US" dirty="0"/>
-              <a:t>D</a:t>
-            </a:r>
-            <a:endParaRPr lang="en-US" baseline="-25000" dirty="0"/>
-          </a:p>
-        </p:txBody>
-      </p:sp>
-      <p:sp>
-        <p:nvSpPr>
-          <p:cNvPr id="74" name="Freeform 12">
-            <a:extLst>
-              <a:ext uri="{FF2B5EF4-FFF2-40B4-BE49-F238E27FC236}">
-                <a16:creationId xmlns:a16="http://schemas.microsoft.com/office/drawing/2014/main" id="{9D200DF7-86CF-454B-898A-94E8C5DE1398}"/>
-              </a:ext>
-            </a:extLst>
-          </p:cNvPr>
-          <p:cNvSpPr>
-            <a:spLocks/>
-          </p:cNvSpPr>
-          <p:nvPr/>
-        </p:nvSpPr>
-        <p:spPr bwMode="auto">
-          <a:xfrm flipH="1">
-            <a:off x="1599769" y="4159198"/>
-            <a:ext cx="182880" cy="731520"/>
-          </a:xfrm>
-          <a:custGeom>
-            <a:avLst/>
-            <a:gdLst/>
-            <a:ahLst/>
-            <a:cxnLst>
-              <a:cxn ang="0">
-                <a:pos x="96" y="0"/>
-              </a:cxn>
-              <a:cxn ang="0">
-                <a:pos x="96" y="192"/>
-              </a:cxn>
-              <a:cxn ang="0">
-                <a:pos x="192" y="240"/>
-              </a:cxn>
-              <a:cxn ang="0">
-                <a:pos x="0" y="336"/>
-              </a:cxn>
-              <a:cxn ang="0">
-                <a:pos x="192" y="432"/>
-              </a:cxn>
-              <a:cxn ang="0">
-                <a:pos x="0" y="528"/>
-              </a:cxn>
-              <a:cxn ang="0">
-                <a:pos x="192" y="624"/>
-              </a:cxn>
-              <a:cxn ang="0">
-                <a:pos x="0" y="720"/>
-              </a:cxn>
-              <a:cxn ang="0">
-                <a:pos x="96" y="768"/>
-              </a:cxn>
-              <a:cxn ang="0">
-                <a:pos x="96" y="960"/>
-              </a:cxn>
-            </a:cxnLst>
-            <a:rect l="0" t="0" r="r" b="b"/>
-            <a:pathLst>
-              <a:path w="192" h="960">
-                <a:moveTo>
-                  <a:pt x="96" y="0"/>
-                </a:moveTo>
-                <a:lnTo>
-                  <a:pt x="96" y="192"/>
-                </a:lnTo>
-                <a:lnTo>
-                  <a:pt x="192" y="240"/>
-                </a:lnTo>
-                <a:lnTo>
-                  <a:pt x="0" y="336"/>
-                </a:lnTo>
-                <a:lnTo>
-                  <a:pt x="192" y="432"/>
-                </a:lnTo>
-                <a:lnTo>
-                  <a:pt x="0" y="528"/>
-                </a:lnTo>
-                <a:lnTo>
-                  <a:pt x="192" y="624"/>
-                </a:lnTo>
-                <a:lnTo>
-                  <a:pt x="0" y="720"/>
-                </a:lnTo>
-                <a:lnTo>
-                  <a:pt x="96" y="768"/>
-                </a:lnTo>
-                <a:lnTo>
-                  <a:pt x="96" y="960"/>
-                </a:lnTo>
-              </a:path>
-            </a:pathLst>
-          </a:custGeom>
-          <a:noFill/>
-          <a:ln w="25400" cmpd="sng">
-            <a:solidFill>
-              <a:schemeClr val="tx1"/>
-            </a:solidFill>
-            <a:round/>
-            <a:headEnd/>
-            <a:tailEnd/>
-          </a:ln>
-          <a:effectLst/>
-        </p:spPr>
-        <p:txBody>
-          <a:bodyPr>
-            <a:prstTxWarp prst="textNoShape">
-              <a:avLst/>
-            </a:prstTxWarp>
-          </a:bodyPr>
-          <a:lstStyle/>
-          <a:p>
-            <a:endParaRPr lang="en-US"/>
-          </a:p>
-        </p:txBody>
-      </p:sp>
-      <p:sp>
-        <p:nvSpPr>
-          <p:cNvPr id="76" name="Freeform 12">
-            <a:extLst>
-              <a:ext uri="{FF2B5EF4-FFF2-40B4-BE49-F238E27FC236}">
-                <a16:creationId xmlns:a16="http://schemas.microsoft.com/office/drawing/2014/main" id="{761CDD6B-F3D5-E048-B2C4-3DC8EA5492FD}"/>
-              </a:ext>
-            </a:extLst>
-          </p:cNvPr>
-          <p:cNvSpPr>
-            <a:spLocks/>
-          </p:cNvSpPr>
-          <p:nvPr/>
-        </p:nvSpPr>
-        <p:spPr bwMode="auto">
-          <a:xfrm flipH="1">
-            <a:off x="1607724" y="5672045"/>
-            <a:ext cx="182880" cy="731520"/>
-          </a:xfrm>
-          <a:custGeom>
-            <a:avLst/>
-            <a:gdLst/>
-            <a:ahLst/>
-            <a:cxnLst>
-              <a:cxn ang="0">
-                <a:pos x="96" y="0"/>
-              </a:cxn>
-              <a:cxn ang="0">
-                <a:pos x="96" y="192"/>
-              </a:cxn>
-              <a:cxn ang="0">
-                <a:pos x="192" y="240"/>
-              </a:cxn>
-              <a:cxn ang="0">
-                <a:pos x="0" y="336"/>
-              </a:cxn>
-              <a:cxn ang="0">
-                <a:pos x="192" y="432"/>
-              </a:cxn>
-              <a:cxn ang="0">
-                <a:pos x="0" y="528"/>
-              </a:cxn>
-              <a:cxn ang="0">
-                <a:pos x="192" y="624"/>
-              </a:cxn>
-              <a:cxn ang="0">
-                <a:pos x="0" y="720"/>
-              </a:cxn>
-              <a:cxn ang="0">
-                <a:pos x="96" y="768"/>
-              </a:cxn>
-              <a:cxn ang="0">
-                <a:pos x="96" y="960"/>
-              </a:cxn>
-            </a:cxnLst>
-            <a:rect l="0" t="0" r="r" b="b"/>
-            <a:pathLst>
-              <a:path w="192" h="960">
-                <a:moveTo>
-                  <a:pt x="96" y="0"/>
-                </a:moveTo>
-                <a:lnTo>
-                  <a:pt x="96" y="192"/>
-                </a:lnTo>
-                <a:lnTo>
-                  <a:pt x="192" y="240"/>
-                </a:lnTo>
-                <a:lnTo>
-                  <a:pt x="0" y="336"/>
-                </a:lnTo>
-                <a:lnTo>
-                  <a:pt x="192" y="432"/>
-                </a:lnTo>
-                <a:lnTo>
-                  <a:pt x="0" y="528"/>
-                </a:lnTo>
-                <a:lnTo>
-                  <a:pt x="192" y="624"/>
-                </a:lnTo>
-                <a:lnTo>
-                  <a:pt x="0" y="720"/>
-                </a:lnTo>
-                <a:lnTo>
-                  <a:pt x="96" y="768"/>
-                </a:lnTo>
-                <a:lnTo>
-                  <a:pt x="96" y="960"/>
-                </a:lnTo>
-              </a:path>
-            </a:pathLst>
-          </a:custGeom>
-          <a:noFill/>
-          <a:ln w="25400" cmpd="sng">
-            <a:solidFill>
-              <a:schemeClr val="tx1"/>
-            </a:solidFill>
-            <a:round/>
-            <a:headEnd/>
-            <a:tailEnd/>
-          </a:ln>
-          <a:effectLst/>
-        </p:spPr>
-        <p:txBody>
-          <a:bodyPr>
-            <a:prstTxWarp prst="textNoShape">
-              <a:avLst/>
-            </a:prstTxWarp>
-          </a:bodyPr>
-          <a:lstStyle/>
-          <a:p>
-            <a:endParaRPr lang="en-US"/>
-          </a:p>
-        </p:txBody>
-      </p:sp>
-      <p:grpSp>
-        <p:nvGrpSpPr>
-          <p:cNvPr id="77" name="Group 222">
-            <a:extLst>
-              <a:ext uri="{FF2B5EF4-FFF2-40B4-BE49-F238E27FC236}">
-                <a16:creationId xmlns:a16="http://schemas.microsoft.com/office/drawing/2014/main" id="{DE598383-0C97-ED4A-ACB5-06BBE300E3CB}"/>
-              </a:ext>
-            </a:extLst>
-          </p:cNvPr>
-          <p:cNvGrpSpPr>
-            <a:grpSpLocks/>
-          </p:cNvGrpSpPr>
-          <p:nvPr/>
-        </p:nvGrpSpPr>
-        <p:grpSpPr bwMode="auto">
-          <a:xfrm>
-            <a:off x="2009287" y="6139285"/>
-            <a:ext cx="304800" cy="381000"/>
-            <a:chOff x="4272" y="3072"/>
-            <a:chExt cx="192" cy="240"/>
-          </a:xfrm>
-        </p:grpSpPr>
-        <p:sp>
-          <p:nvSpPr>
-            <p:cNvPr id="78" name="Line 99">
-              <a:extLst>
-                <a:ext uri="{FF2B5EF4-FFF2-40B4-BE49-F238E27FC236}">
-                  <a16:creationId xmlns:a16="http://schemas.microsoft.com/office/drawing/2014/main" id="{FB655679-B3CD-0446-B741-3C9484EFFB2D}"/>
-                </a:ext>
-              </a:extLst>
-            </p:cNvPr>
-            <p:cNvSpPr>
-              <a:spLocks noChangeAspect="1" noChangeShapeType="1"/>
-            </p:cNvSpPr>
-            <p:nvPr/>
-          </p:nvSpPr>
-          <p:spPr bwMode="auto">
-            <a:xfrm>
-              <a:off x="4272" y="3216"/>
-              <a:ext cx="192" cy="0"/>
-            </a:xfrm>
-            <a:prstGeom prst="line">
-              <a:avLst/>
-            </a:prstGeom>
-            <a:noFill/>
-            <a:ln w="25400">
-              <a:solidFill>
-                <a:schemeClr val="tx1"/>
-              </a:solidFill>
-              <a:round/>
-              <a:headEnd/>
-              <a:tailEnd/>
-            </a:ln>
-          </p:spPr>
-          <p:txBody>
-            <a:bodyPr>
-              <a:prstTxWarp prst="textNoShape">
-                <a:avLst/>
-              </a:prstTxWarp>
-            </a:bodyPr>
-            <a:lstStyle/>
-            <a:p>
-              <a:endParaRPr lang="en-US"/>
-            </a:p>
-          </p:txBody>
-        </p:sp>
-        <p:sp>
-          <p:nvSpPr>
-            <p:cNvPr id="79" name="Line 100">
-              <a:extLst>
-                <a:ext uri="{FF2B5EF4-FFF2-40B4-BE49-F238E27FC236}">
-                  <a16:creationId xmlns:a16="http://schemas.microsoft.com/office/drawing/2014/main" id="{C7458B6D-CEA7-0E40-A47D-CA9FF165B9B7}"/>
-                </a:ext>
-              </a:extLst>
-            </p:cNvPr>
-            <p:cNvSpPr>
-              <a:spLocks noChangeAspect="1" noChangeShapeType="1"/>
-            </p:cNvSpPr>
-            <p:nvPr/>
-          </p:nvSpPr>
-          <p:spPr bwMode="auto">
-            <a:xfrm>
-              <a:off x="4368" y="3072"/>
-              <a:ext cx="0" cy="144"/>
-            </a:xfrm>
-            <a:prstGeom prst="line">
-              <a:avLst/>
-            </a:prstGeom>
-            <a:noFill/>
-            <a:ln w="25400">
-              <a:solidFill>
-                <a:schemeClr val="tx1"/>
-              </a:solidFill>
-              <a:round/>
-              <a:headEnd/>
-              <a:tailEnd/>
-            </a:ln>
-          </p:spPr>
-          <p:txBody>
-            <a:bodyPr>
-              <a:prstTxWarp prst="textNoShape">
-                <a:avLst/>
-              </a:prstTxWarp>
-            </a:bodyPr>
-            <a:lstStyle/>
-            <a:p>
-              <a:endParaRPr lang="en-US"/>
-            </a:p>
-          </p:txBody>
-        </p:sp>
-        <p:sp>
-          <p:nvSpPr>
-            <p:cNvPr id="80" name="Line 101">
-              <a:extLst>
-                <a:ext uri="{FF2B5EF4-FFF2-40B4-BE49-F238E27FC236}">
-                  <a16:creationId xmlns:a16="http://schemas.microsoft.com/office/drawing/2014/main" id="{01BDF25F-D7B3-CD4F-983F-3C01DF734C87}"/>
-                </a:ext>
-              </a:extLst>
-            </p:cNvPr>
-            <p:cNvSpPr>
-              <a:spLocks noChangeAspect="1" noChangeShapeType="1"/>
-            </p:cNvSpPr>
-            <p:nvPr/>
-          </p:nvSpPr>
-          <p:spPr bwMode="auto">
-            <a:xfrm>
-              <a:off x="4296" y="3240"/>
-              <a:ext cx="144" cy="0"/>
-            </a:xfrm>
-            <a:prstGeom prst="line">
-              <a:avLst/>
-            </a:prstGeom>
-            <a:noFill/>
-            <a:ln w="25400">
-              <a:solidFill>
-                <a:schemeClr val="tx1"/>
-              </a:solidFill>
-              <a:round/>
-              <a:headEnd/>
-              <a:tailEnd/>
-            </a:ln>
-          </p:spPr>
-          <p:txBody>
-            <a:bodyPr>
-              <a:prstTxWarp prst="textNoShape">
-                <a:avLst/>
-              </a:prstTxWarp>
-            </a:bodyPr>
-            <a:lstStyle/>
-            <a:p>
-              <a:endParaRPr lang="en-US"/>
-            </a:p>
-          </p:txBody>
-        </p:sp>
-        <p:sp>
-          <p:nvSpPr>
-            <p:cNvPr id="81" name="Line 102">
-              <a:extLst>
-                <a:ext uri="{FF2B5EF4-FFF2-40B4-BE49-F238E27FC236}">
-                  <a16:creationId xmlns:a16="http://schemas.microsoft.com/office/drawing/2014/main" id="{0A01FDE3-DCA4-C041-B811-488F75CDA8DF}"/>
-                </a:ext>
-              </a:extLst>
-            </p:cNvPr>
-            <p:cNvSpPr>
-              <a:spLocks noChangeAspect="1" noChangeShapeType="1"/>
-            </p:cNvSpPr>
-            <p:nvPr/>
-          </p:nvSpPr>
-          <p:spPr bwMode="auto">
-            <a:xfrm>
-              <a:off x="4320" y="3264"/>
-              <a:ext cx="96" cy="0"/>
-            </a:xfrm>
-            <a:prstGeom prst="line">
-              <a:avLst/>
-            </a:prstGeom>
-            <a:noFill/>
-            <a:ln w="25400">
-              <a:solidFill>
-                <a:schemeClr val="tx1"/>
-              </a:solidFill>
-              <a:round/>
-              <a:headEnd/>
-              <a:tailEnd/>
-            </a:ln>
-          </p:spPr>
-          <p:txBody>
-            <a:bodyPr>
-              <a:prstTxWarp prst="textNoShape">
-                <a:avLst/>
-              </a:prstTxWarp>
-            </a:bodyPr>
-            <a:lstStyle/>
-            <a:p>
-              <a:endParaRPr lang="en-US"/>
-            </a:p>
-          </p:txBody>
-        </p:sp>
-        <p:sp>
-          <p:nvSpPr>
-            <p:cNvPr id="82" name="Line 103">
-              <a:extLst>
-                <a:ext uri="{FF2B5EF4-FFF2-40B4-BE49-F238E27FC236}">
-                  <a16:creationId xmlns:a16="http://schemas.microsoft.com/office/drawing/2014/main" id="{40875CC5-36D1-7640-9A4A-BA1F5F1BFFE8}"/>
-                </a:ext>
-              </a:extLst>
-            </p:cNvPr>
-            <p:cNvSpPr>
-              <a:spLocks noChangeAspect="1" noChangeShapeType="1"/>
-            </p:cNvSpPr>
-            <p:nvPr/>
-          </p:nvSpPr>
-          <p:spPr bwMode="auto">
-            <a:xfrm>
-              <a:off x="4344" y="3288"/>
-              <a:ext cx="48" cy="0"/>
-            </a:xfrm>
-            <a:prstGeom prst="line">
-              <a:avLst/>
-            </a:prstGeom>
-            <a:noFill/>
-            <a:ln w="25400">
-              <a:solidFill>
-                <a:schemeClr val="tx1"/>
-              </a:solidFill>
-              <a:round/>
-              <a:headEnd/>
-              <a:tailEnd/>
-            </a:ln>
-          </p:spPr>
-          <p:txBody>
-            <a:bodyPr>
-              <a:prstTxWarp prst="textNoShape">
-                <a:avLst/>
-              </a:prstTxWarp>
-            </a:bodyPr>
-            <a:lstStyle/>
-            <a:p>
-              <a:endParaRPr lang="en-US"/>
-            </a:p>
-          </p:txBody>
-        </p:sp>
-        <p:sp>
-          <p:nvSpPr>
-            <p:cNvPr id="83" name="Line 104">
-              <a:extLst>
-                <a:ext uri="{FF2B5EF4-FFF2-40B4-BE49-F238E27FC236}">
-                  <a16:creationId xmlns:a16="http://schemas.microsoft.com/office/drawing/2014/main" id="{C501C4AC-3234-DB48-A637-BDF1D9211427}"/>
-                </a:ext>
-              </a:extLst>
-            </p:cNvPr>
-            <p:cNvSpPr>
-              <a:spLocks noChangeAspect="1" noChangeShapeType="1"/>
-            </p:cNvSpPr>
-            <p:nvPr/>
-          </p:nvSpPr>
-          <p:spPr bwMode="auto">
-            <a:xfrm flipH="1">
-              <a:off x="4365" y="3312"/>
-              <a:ext cx="5" cy="0"/>
-            </a:xfrm>
-            <a:prstGeom prst="line">
-              <a:avLst/>
-            </a:prstGeom>
-            <a:noFill/>
-            <a:ln w="25400">
-              <a:solidFill>
-                <a:schemeClr val="tx1"/>
-              </a:solidFill>
-              <a:round/>
-              <a:headEnd/>
-              <a:tailEnd/>
-            </a:ln>
-          </p:spPr>
-          <p:txBody>
-            <a:bodyPr>
-              <a:prstTxWarp prst="textNoShape">
-                <a:avLst/>
-              </a:prstTxWarp>
-            </a:bodyPr>
-            <a:lstStyle/>
-            <a:p>
-              <a:endParaRPr lang="en-US"/>
-            </a:p>
-          </p:txBody>
-        </p:sp>
-      </p:grpSp>
-      <p:grpSp>
-        <p:nvGrpSpPr>
-          <p:cNvPr id="84" name="Group 222">
-            <a:extLst>
-              <a:ext uri="{FF2B5EF4-FFF2-40B4-BE49-F238E27FC236}">
-                <a16:creationId xmlns:a16="http://schemas.microsoft.com/office/drawing/2014/main" id="{5A339066-107E-334C-975A-177362CF9785}"/>
-              </a:ext>
-            </a:extLst>
-          </p:cNvPr>
-          <p:cNvGrpSpPr>
-            <a:grpSpLocks/>
-          </p:cNvGrpSpPr>
-          <p:nvPr/>
-        </p:nvGrpSpPr>
-        <p:grpSpPr bwMode="auto">
-          <a:xfrm>
-            <a:off x="1548372" y="6291685"/>
-            <a:ext cx="304800" cy="381000"/>
-            <a:chOff x="4272" y="3072"/>
-            <a:chExt cx="192" cy="240"/>
-          </a:xfrm>
-        </p:grpSpPr>
-        <p:sp>
-          <p:nvSpPr>
-            <p:cNvPr id="85" name="Line 99">
-              <a:extLst>
-                <a:ext uri="{FF2B5EF4-FFF2-40B4-BE49-F238E27FC236}">
-                  <a16:creationId xmlns:a16="http://schemas.microsoft.com/office/drawing/2014/main" id="{7E3E362E-066E-4B4E-80B9-4BD4F7EA905C}"/>
-                </a:ext>
-              </a:extLst>
-            </p:cNvPr>
-            <p:cNvSpPr>
-              <a:spLocks noChangeAspect="1" noChangeShapeType="1"/>
-            </p:cNvSpPr>
-            <p:nvPr/>
-          </p:nvSpPr>
-          <p:spPr bwMode="auto">
-            <a:xfrm>
-              <a:off x="4272" y="3216"/>
-              <a:ext cx="192" cy="0"/>
-            </a:xfrm>
-            <a:prstGeom prst="line">
-              <a:avLst/>
-            </a:prstGeom>
-            <a:noFill/>
-            <a:ln w="25400">
-              <a:solidFill>
-                <a:schemeClr val="tx1"/>
-              </a:solidFill>
-              <a:round/>
-              <a:headEnd/>
-              <a:tailEnd/>
-            </a:ln>
-          </p:spPr>
-          <p:txBody>
-            <a:bodyPr>
-              <a:prstTxWarp prst="textNoShape">
-                <a:avLst/>
-              </a:prstTxWarp>
-            </a:bodyPr>
-            <a:lstStyle/>
-            <a:p>
-              <a:endParaRPr lang="en-US"/>
-            </a:p>
-          </p:txBody>
-        </p:sp>
-        <p:sp>
-          <p:nvSpPr>
-            <p:cNvPr id="86" name="Line 100">
-              <a:extLst>
-                <a:ext uri="{FF2B5EF4-FFF2-40B4-BE49-F238E27FC236}">
-                  <a16:creationId xmlns:a16="http://schemas.microsoft.com/office/drawing/2014/main" id="{65BC2ACE-F79C-454D-90E2-99A539D4574E}"/>
-                </a:ext>
-              </a:extLst>
-            </p:cNvPr>
-            <p:cNvSpPr>
-              <a:spLocks noChangeAspect="1" noChangeShapeType="1"/>
-            </p:cNvSpPr>
-            <p:nvPr/>
-          </p:nvSpPr>
-          <p:spPr bwMode="auto">
-            <a:xfrm>
-              <a:off x="4368" y="3072"/>
-              <a:ext cx="0" cy="144"/>
-            </a:xfrm>
-            <a:prstGeom prst="line">
-              <a:avLst/>
-            </a:prstGeom>
-            <a:noFill/>
-            <a:ln w="25400">
-              <a:solidFill>
-                <a:schemeClr val="tx1"/>
-              </a:solidFill>
-              <a:round/>
-              <a:headEnd/>
-              <a:tailEnd/>
-            </a:ln>
-          </p:spPr>
-          <p:txBody>
-            <a:bodyPr>
-              <a:prstTxWarp prst="textNoShape">
-                <a:avLst/>
-              </a:prstTxWarp>
-            </a:bodyPr>
-            <a:lstStyle/>
-            <a:p>
-              <a:endParaRPr lang="en-US"/>
-            </a:p>
-          </p:txBody>
-        </p:sp>
-        <p:sp>
-          <p:nvSpPr>
-            <p:cNvPr id="87" name="Line 101">
-              <a:extLst>
-                <a:ext uri="{FF2B5EF4-FFF2-40B4-BE49-F238E27FC236}">
-                  <a16:creationId xmlns:a16="http://schemas.microsoft.com/office/drawing/2014/main" id="{4CC49B99-E474-0E41-9B8E-704088898FA0}"/>
-                </a:ext>
-              </a:extLst>
-            </p:cNvPr>
-            <p:cNvSpPr>
-              <a:spLocks noChangeAspect="1" noChangeShapeType="1"/>
-            </p:cNvSpPr>
-            <p:nvPr/>
-          </p:nvSpPr>
-          <p:spPr bwMode="auto">
-            <a:xfrm>
-              <a:off x="4296" y="3240"/>
-              <a:ext cx="144" cy="0"/>
-            </a:xfrm>
-            <a:prstGeom prst="line">
-              <a:avLst/>
-            </a:prstGeom>
-            <a:noFill/>
-            <a:ln w="25400">
-              <a:solidFill>
-                <a:schemeClr val="tx1"/>
-              </a:solidFill>
-              <a:round/>
-              <a:headEnd/>
-              <a:tailEnd/>
-            </a:ln>
-          </p:spPr>
-          <p:txBody>
-            <a:bodyPr>
-              <a:prstTxWarp prst="textNoShape">
-                <a:avLst/>
-              </a:prstTxWarp>
-            </a:bodyPr>
-            <a:lstStyle/>
-            <a:p>
-              <a:endParaRPr lang="en-US"/>
-            </a:p>
-          </p:txBody>
-        </p:sp>
-        <p:sp>
-          <p:nvSpPr>
-            <p:cNvPr id="88" name="Line 102">
-              <a:extLst>
-                <a:ext uri="{FF2B5EF4-FFF2-40B4-BE49-F238E27FC236}">
-                  <a16:creationId xmlns:a16="http://schemas.microsoft.com/office/drawing/2014/main" id="{CF16907C-05B7-D74A-B9F7-E39CF5D2942B}"/>
-                </a:ext>
-              </a:extLst>
-            </p:cNvPr>
-            <p:cNvSpPr>
-              <a:spLocks noChangeAspect="1" noChangeShapeType="1"/>
-            </p:cNvSpPr>
-            <p:nvPr/>
-          </p:nvSpPr>
-          <p:spPr bwMode="auto">
-            <a:xfrm>
-              <a:off x="4320" y="3264"/>
-              <a:ext cx="96" cy="0"/>
-            </a:xfrm>
-            <a:prstGeom prst="line">
-              <a:avLst/>
-            </a:prstGeom>
-            <a:noFill/>
-            <a:ln w="25400">
-              <a:solidFill>
-                <a:schemeClr val="tx1"/>
-              </a:solidFill>
-              <a:round/>
-              <a:headEnd/>
-              <a:tailEnd/>
-            </a:ln>
-          </p:spPr>
-          <p:txBody>
-            <a:bodyPr>
-              <a:prstTxWarp prst="textNoShape">
-                <a:avLst/>
-              </a:prstTxWarp>
-            </a:bodyPr>
-            <a:lstStyle/>
-            <a:p>
-              <a:endParaRPr lang="en-US"/>
-            </a:p>
-          </p:txBody>
-        </p:sp>
-        <p:sp>
-          <p:nvSpPr>
-            <p:cNvPr id="89" name="Line 103">
-              <a:extLst>
-                <a:ext uri="{FF2B5EF4-FFF2-40B4-BE49-F238E27FC236}">
-                  <a16:creationId xmlns:a16="http://schemas.microsoft.com/office/drawing/2014/main" id="{CC8B616D-5995-AB4A-A0F0-A6C0EA1A7A8B}"/>
-                </a:ext>
-              </a:extLst>
-            </p:cNvPr>
-            <p:cNvSpPr>
-              <a:spLocks noChangeAspect="1" noChangeShapeType="1"/>
-            </p:cNvSpPr>
-            <p:nvPr/>
-          </p:nvSpPr>
-          <p:spPr bwMode="auto">
-            <a:xfrm>
-              <a:off x="4344" y="3288"/>
-              <a:ext cx="48" cy="0"/>
-            </a:xfrm>
-            <a:prstGeom prst="line">
-              <a:avLst/>
-            </a:prstGeom>
-            <a:noFill/>
-            <a:ln w="25400">
-              <a:solidFill>
-                <a:schemeClr val="tx1"/>
-              </a:solidFill>
-              <a:round/>
-              <a:headEnd/>
-              <a:tailEnd/>
-            </a:ln>
-          </p:spPr>
-          <p:txBody>
-            <a:bodyPr>
-              <a:prstTxWarp prst="textNoShape">
-                <a:avLst/>
-              </a:prstTxWarp>
-            </a:bodyPr>
-            <a:lstStyle/>
-            <a:p>
-              <a:endParaRPr lang="en-US"/>
-            </a:p>
-          </p:txBody>
-        </p:sp>
-        <p:sp>
-          <p:nvSpPr>
-            <p:cNvPr id="90" name="Line 104">
-              <a:extLst>
-                <a:ext uri="{FF2B5EF4-FFF2-40B4-BE49-F238E27FC236}">
-                  <a16:creationId xmlns:a16="http://schemas.microsoft.com/office/drawing/2014/main" id="{633EE715-5D57-F949-BF54-62735982A10B}"/>
-                </a:ext>
-              </a:extLst>
-            </p:cNvPr>
-            <p:cNvSpPr>
-              <a:spLocks noChangeAspect="1" noChangeShapeType="1"/>
-            </p:cNvSpPr>
-            <p:nvPr/>
-          </p:nvSpPr>
-          <p:spPr bwMode="auto">
-            <a:xfrm flipH="1">
-              <a:off x="4365" y="3312"/>
-              <a:ext cx="5" cy="0"/>
-            </a:xfrm>
-            <a:prstGeom prst="line">
-              <a:avLst/>
-            </a:prstGeom>
-            <a:noFill/>
-            <a:ln w="25400">
-              <a:solidFill>
-                <a:schemeClr val="tx1"/>
-              </a:solidFill>
-              <a:round/>
-              <a:headEnd/>
-              <a:tailEnd/>
-            </a:ln>
-          </p:spPr>
-          <p:txBody>
-            <a:bodyPr>
-              <a:prstTxWarp prst="textNoShape">
-                <a:avLst/>
-              </a:prstTxWarp>
-            </a:bodyPr>
-            <a:lstStyle/>
-            <a:p>
-              <a:endParaRPr lang="en-US"/>
-            </a:p>
-          </p:txBody>
-        </p:sp>
-      </p:grpSp>
-      <p:grpSp>
-        <p:nvGrpSpPr>
-          <p:cNvPr id="91" name="Group 222">
-            <a:extLst>
-              <a:ext uri="{FF2B5EF4-FFF2-40B4-BE49-F238E27FC236}">
-                <a16:creationId xmlns:a16="http://schemas.microsoft.com/office/drawing/2014/main" id="{ED5ADDA1-A382-BA4D-8FDF-015AC44EB86D}"/>
-              </a:ext>
-            </a:extLst>
-          </p:cNvPr>
-          <p:cNvGrpSpPr>
-            <a:grpSpLocks/>
-          </p:cNvGrpSpPr>
-          <p:nvPr/>
-        </p:nvGrpSpPr>
-        <p:grpSpPr bwMode="auto">
-          <a:xfrm>
-            <a:off x="920190" y="5975738"/>
-            <a:ext cx="304800" cy="381000"/>
-            <a:chOff x="4272" y="3072"/>
-            <a:chExt cx="192" cy="240"/>
-          </a:xfrm>
-        </p:grpSpPr>
-        <p:sp>
-          <p:nvSpPr>
-            <p:cNvPr id="92" name="Line 99">
-              <a:extLst>
-                <a:ext uri="{FF2B5EF4-FFF2-40B4-BE49-F238E27FC236}">
-                  <a16:creationId xmlns:a16="http://schemas.microsoft.com/office/drawing/2014/main" id="{43333F6C-BC4C-6742-88EF-C3BD200EA8D7}"/>
-                </a:ext>
-              </a:extLst>
-            </p:cNvPr>
-            <p:cNvSpPr>
-              <a:spLocks noChangeAspect="1" noChangeShapeType="1"/>
-            </p:cNvSpPr>
-            <p:nvPr/>
-          </p:nvSpPr>
-          <p:spPr bwMode="auto">
-            <a:xfrm>
-              <a:off x="4272" y="3216"/>
-              <a:ext cx="192" cy="0"/>
-            </a:xfrm>
-            <a:prstGeom prst="line">
-              <a:avLst/>
-            </a:prstGeom>
-            <a:noFill/>
-            <a:ln w="25400">
-              <a:solidFill>
-                <a:schemeClr val="tx1"/>
-              </a:solidFill>
-              <a:round/>
-              <a:headEnd/>
-              <a:tailEnd/>
-            </a:ln>
-          </p:spPr>
-          <p:txBody>
-            <a:bodyPr>
-              <a:prstTxWarp prst="textNoShape">
-                <a:avLst/>
-              </a:prstTxWarp>
-            </a:bodyPr>
-            <a:lstStyle/>
-            <a:p>
-              <a:endParaRPr lang="en-US"/>
-            </a:p>
-          </p:txBody>
-        </p:sp>
-        <p:sp>
-          <p:nvSpPr>
-            <p:cNvPr id="93" name="Line 100">
-              <a:extLst>
-                <a:ext uri="{FF2B5EF4-FFF2-40B4-BE49-F238E27FC236}">
-                  <a16:creationId xmlns:a16="http://schemas.microsoft.com/office/drawing/2014/main" id="{5B2F6494-DA9A-CB46-B870-AAD8E6213708}"/>
-                </a:ext>
-              </a:extLst>
-            </p:cNvPr>
-            <p:cNvSpPr>
-              <a:spLocks noChangeAspect="1" noChangeShapeType="1"/>
-            </p:cNvSpPr>
-            <p:nvPr/>
-          </p:nvSpPr>
-          <p:spPr bwMode="auto">
-            <a:xfrm>
-              <a:off x="4368" y="3072"/>
-              <a:ext cx="0" cy="144"/>
-            </a:xfrm>
-            <a:prstGeom prst="line">
-              <a:avLst/>
-            </a:prstGeom>
-            <a:noFill/>
-            <a:ln w="25400">
-              <a:solidFill>
-                <a:schemeClr val="tx1"/>
-              </a:solidFill>
-              <a:round/>
-              <a:headEnd/>
-              <a:tailEnd/>
-            </a:ln>
-          </p:spPr>
-          <p:txBody>
-            <a:bodyPr>
-              <a:prstTxWarp prst="textNoShape">
-                <a:avLst/>
-              </a:prstTxWarp>
-            </a:bodyPr>
-            <a:lstStyle/>
-            <a:p>
-              <a:endParaRPr lang="en-US"/>
-            </a:p>
-          </p:txBody>
-        </p:sp>
-        <p:sp>
-          <p:nvSpPr>
-            <p:cNvPr id="94" name="Line 101">
-              <a:extLst>
-                <a:ext uri="{FF2B5EF4-FFF2-40B4-BE49-F238E27FC236}">
-                  <a16:creationId xmlns:a16="http://schemas.microsoft.com/office/drawing/2014/main" id="{55A333AB-A09B-0F4E-9F18-6D87762D3BCD}"/>
-                </a:ext>
-              </a:extLst>
-            </p:cNvPr>
-            <p:cNvSpPr>
-              <a:spLocks noChangeAspect="1" noChangeShapeType="1"/>
-            </p:cNvSpPr>
-            <p:nvPr/>
-          </p:nvSpPr>
-          <p:spPr bwMode="auto">
-            <a:xfrm>
-              <a:off x="4296" y="3240"/>
-              <a:ext cx="144" cy="0"/>
-            </a:xfrm>
-            <a:prstGeom prst="line">
-              <a:avLst/>
-            </a:prstGeom>
-            <a:noFill/>
-            <a:ln w="25400">
-              <a:solidFill>
-                <a:schemeClr val="tx1"/>
-              </a:solidFill>
-              <a:round/>
-              <a:headEnd/>
-              <a:tailEnd/>
-            </a:ln>
-          </p:spPr>
-          <p:txBody>
-            <a:bodyPr>
-              <a:prstTxWarp prst="textNoShape">
-                <a:avLst/>
-              </a:prstTxWarp>
-            </a:bodyPr>
-            <a:lstStyle/>
-            <a:p>
-              <a:endParaRPr lang="en-US"/>
-            </a:p>
-          </p:txBody>
-        </p:sp>
-        <p:sp>
-          <p:nvSpPr>
-            <p:cNvPr id="95" name="Line 102">
-              <a:extLst>
-                <a:ext uri="{FF2B5EF4-FFF2-40B4-BE49-F238E27FC236}">
-                  <a16:creationId xmlns:a16="http://schemas.microsoft.com/office/drawing/2014/main" id="{FB0DDAF2-C57A-DA4A-BEF8-E20E80B3AE66}"/>
-                </a:ext>
-              </a:extLst>
-            </p:cNvPr>
-            <p:cNvSpPr>
-              <a:spLocks noChangeAspect="1" noChangeShapeType="1"/>
-            </p:cNvSpPr>
-            <p:nvPr/>
-          </p:nvSpPr>
-          <p:spPr bwMode="auto">
-            <a:xfrm>
-              <a:off x="4320" y="3264"/>
-              <a:ext cx="96" cy="0"/>
-            </a:xfrm>
-            <a:prstGeom prst="line">
-              <a:avLst/>
-            </a:prstGeom>
-            <a:noFill/>
-            <a:ln w="25400">
-              <a:solidFill>
-                <a:schemeClr val="tx1"/>
-              </a:solidFill>
-              <a:round/>
-              <a:headEnd/>
-              <a:tailEnd/>
-            </a:ln>
-          </p:spPr>
-          <p:txBody>
-            <a:bodyPr>
-              <a:prstTxWarp prst="textNoShape">
-                <a:avLst/>
-              </a:prstTxWarp>
-            </a:bodyPr>
-            <a:lstStyle/>
-            <a:p>
-              <a:endParaRPr lang="en-US"/>
-            </a:p>
-          </p:txBody>
-        </p:sp>
-        <p:sp>
-          <p:nvSpPr>
-            <p:cNvPr id="96" name="Line 103">
-              <a:extLst>
-                <a:ext uri="{FF2B5EF4-FFF2-40B4-BE49-F238E27FC236}">
-                  <a16:creationId xmlns:a16="http://schemas.microsoft.com/office/drawing/2014/main" id="{2F663B37-1A9C-0A4E-BB03-D04C11336E83}"/>
-                </a:ext>
-              </a:extLst>
-            </p:cNvPr>
-            <p:cNvSpPr>
-              <a:spLocks noChangeAspect="1" noChangeShapeType="1"/>
-            </p:cNvSpPr>
-            <p:nvPr/>
-          </p:nvSpPr>
-          <p:spPr bwMode="auto">
-            <a:xfrm>
-              <a:off x="4344" y="3288"/>
-              <a:ext cx="48" cy="0"/>
-            </a:xfrm>
-            <a:prstGeom prst="line">
-              <a:avLst/>
-            </a:prstGeom>
-            <a:noFill/>
-            <a:ln w="25400">
-              <a:solidFill>
-                <a:schemeClr val="tx1"/>
-              </a:solidFill>
-              <a:round/>
-              <a:headEnd/>
-              <a:tailEnd/>
-            </a:ln>
-          </p:spPr>
-          <p:txBody>
-            <a:bodyPr>
-              <a:prstTxWarp prst="textNoShape">
-                <a:avLst/>
-              </a:prstTxWarp>
-            </a:bodyPr>
-            <a:lstStyle/>
-            <a:p>
-              <a:endParaRPr lang="en-US"/>
-            </a:p>
-          </p:txBody>
-        </p:sp>
-        <p:sp>
-          <p:nvSpPr>
-            <p:cNvPr id="97" name="Line 104">
-              <a:extLst>
-                <a:ext uri="{FF2B5EF4-FFF2-40B4-BE49-F238E27FC236}">
-                  <a16:creationId xmlns:a16="http://schemas.microsoft.com/office/drawing/2014/main" id="{B3BF38C4-937C-DD4B-91A0-962653BD4232}"/>
-                </a:ext>
-              </a:extLst>
-            </p:cNvPr>
-            <p:cNvSpPr>
-              <a:spLocks noChangeAspect="1" noChangeShapeType="1"/>
-            </p:cNvSpPr>
-            <p:nvPr/>
-          </p:nvSpPr>
-          <p:spPr bwMode="auto">
-            <a:xfrm flipH="1">
-              <a:off x="4365" y="3312"/>
-              <a:ext cx="5" cy="0"/>
-            </a:xfrm>
-            <a:prstGeom prst="line">
-              <a:avLst/>
-            </a:prstGeom>
-            <a:noFill/>
-            <a:ln w="25400">
-              <a:solidFill>
-                <a:schemeClr val="tx1"/>
-              </a:solidFill>
-              <a:round/>
-              <a:headEnd/>
-              <a:tailEnd/>
-            </a:ln>
-          </p:spPr>
-          <p:txBody>
-            <a:bodyPr>
-              <a:prstTxWarp prst="textNoShape">
-                <a:avLst/>
-              </a:prstTxWarp>
-            </a:bodyPr>
-            <a:lstStyle/>
-            <a:p>
-              <a:endParaRPr lang="en-US"/>
-            </a:p>
-          </p:txBody>
-        </p:sp>
-      </p:grpSp>
-      <p:grpSp>
-        <p:nvGrpSpPr>
-          <p:cNvPr id="98" name="Group 210">
-            <a:extLst>
-              <a:ext uri="{FF2B5EF4-FFF2-40B4-BE49-F238E27FC236}">
-                <a16:creationId xmlns:a16="http://schemas.microsoft.com/office/drawing/2014/main" id="{06294C8D-50BD-814D-95F8-58458D89E671}"/>
-              </a:ext>
-            </a:extLst>
-          </p:cNvPr>
-          <p:cNvGrpSpPr>
-            <a:grpSpLocks/>
-          </p:cNvGrpSpPr>
-          <p:nvPr/>
-        </p:nvGrpSpPr>
-        <p:grpSpPr bwMode="auto">
-          <a:xfrm rot="5400000">
-            <a:off x="1815892" y="4676931"/>
-            <a:ext cx="274320" cy="548640"/>
-            <a:chOff x="3216" y="1728"/>
-            <a:chExt cx="192" cy="480"/>
-          </a:xfrm>
-        </p:grpSpPr>
-        <p:sp>
-          <p:nvSpPr>
-            <p:cNvPr id="99" name="Line 8">
-              <a:extLst>
-                <a:ext uri="{FF2B5EF4-FFF2-40B4-BE49-F238E27FC236}">
-                  <a16:creationId xmlns:a16="http://schemas.microsoft.com/office/drawing/2014/main" id="{CF9E6CD2-E167-7543-8ED5-BDF40010D6B4}"/>
-                </a:ext>
-              </a:extLst>
-            </p:cNvPr>
-            <p:cNvSpPr>
-              <a:spLocks noChangeAspect="1" noChangeShapeType="1"/>
-            </p:cNvSpPr>
-            <p:nvPr/>
-          </p:nvSpPr>
-          <p:spPr bwMode="auto">
-            <a:xfrm>
-              <a:off x="3312" y="1728"/>
-              <a:ext cx="0" cy="200"/>
-            </a:xfrm>
-            <a:prstGeom prst="line">
-              <a:avLst/>
-            </a:prstGeom>
-            <a:noFill/>
-            <a:ln w="25400">
-              <a:solidFill>
-                <a:schemeClr val="tx1"/>
-              </a:solidFill>
-              <a:round/>
-              <a:headEnd/>
-              <a:tailEnd/>
-            </a:ln>
-            <a:effectLst/>
-          </p:spPr>
-          <p:txBody>
-            <a:bodyPr>
-              <a:prstTxWarp prst="textNoShape">
-                <a:avLst/>
-              </a:prstTxWarp>
-            </a:bodyPr>
-            <a:lstStyle/>
-            <a:p>
-              <a:endParaRPr lang="en-US" sz="1200"/>
-            </a:p>
-          </p:txBody>
-        </p:sp>
-        <p:sp>
-          <p:nvSpPr>
-            <p:cNvPr id="100" name="Line 9">
-              <a:extLst>
-                <a:ext uri="{FF2B5EF4-FFF2-40B4-BE49-F238E27FC236}">
-                  <a16:creationId xmlns:a16="http://schemas.microsoft.com/office/drawing/2014/main" id="{B67A520B-EED3-854D-AEDF-EE502ACD5B8B}"/>
-                </a:ext>
-              </a:extLst>
-            </p:cNvPr>
-            <p:cNvSpPr>
-              <a:spLocks noChangeAspect="1" noChangeShapeType="1"/>
-            </p:cNvSpPr>
-            <p:nvPr/>
-          </p:nvSpPr>
-          <p:spPr bwMode="auto">
-            <a:xfrm>
-              <a:off x="3312" y="1992"/>
-              <a:ext cx="0" cy="216"/>
-            </a:xfrm>
-            <a:prstGeom prst="line">
-              <a:avLst/>
-            </a:prstGeom>
-            <a:noFill/>
-            <a:ln w="25400">
-              <a:solidFill>
-                <a:schemeClr val="tx1"/>
-              </a:solidFill>
-              <a:round/>
-              <a:headEnd/>
-              <a:tailEnd/>
-            </a:ln>
-            <a:effectLst/>
-          </p:spPr>
-          <p:txBody>
-            <a:bodyPr>
-              <a:prstTxWarp prst="textNoShape">
-                <a:avLst/>
-              </a:prstTxWarp>
-            </a:bodyPr>
-            <a:lstStyle/>
-            <a:p>
-              <a:endParaRPr lang="en-US" sz="1200"/>
-            </a:p>
-          </p:txBody>
-        </p:sp>
-        <p:sp>
-          <p:nvSpPr>
-            <p:cNvPr id="101" name="Line 10">
-              <a:extLst>
-                <a:ext uri="{FF2B5EF4-FFF2-40B4-BE49-F238E27FC236}">
-                  <a16:creationId xmlns:a16="http://schemas.microsoft.com/office/drawing/2014/main" id="{E8E66622-8EC7-4C49-8F9C-E04F1E424937}"/>
-                </a:ext>
-              </a:extLst>
-            </p:cNvPr>
-            <p:cNvSpPr>
-              <a:spLocks noChangeAspect="1" noChangeShapeType="1"/>
-            </p:cNvSpPr>
-            <p:nvPr/>
-          </p:nvSpPr>
-          <p:spPr bwMode="auto">
-            <a:xfrm>
-              <a:off x="3216" y="1944"/>
-              <a:ext cx="192" cy="0"/>
-            </a:xfrm>
-            <a:prstGeom prst="line">
-              <a:avLst/>
-            </a:prstGeom>
-            <a:noFill/>
-            <a:ln w="25400">
-              <a:solidFill>
-                <a:schemeClr val="tx1"/>
-              </a:solidFill>
-              <a:round/>
-              <a:headEnd/>
-              <a:tailEnd/>
-            </a:ln>
-            <a:effectLst/>
-          </p:spPr>
-          <p:txBody>
-            <a:bodyPr>
-              <a:prstTxWarp prst="textNoShape">
-                <a:avLst/>
-              </a:prstTxWarp>
-            </a:bodyPr>
-            <a:lstStyle/>
-            <a:p>
-              <a:endParaRPr lang="en-US" sz="1200"/>
-            </a:p>
-          </p:txBody>
-        </p:sp>
-        <p:sp>
-          <p:nvSpPr>
-            <p:cNvPr id="102" name="Line 11">
-              <a:extLst>
-                <a:ext uri="{FF2B5EF4-FFF2-40B4-BE49-F238E27FC236}">
-                  <a16:creationId xmlns:a16="http://schemas.microsoft.com/office/drawing/2014/main" id="{637E31D8-3060-4D43-8D94-65B67148425A}"/>
-                </a:ext>
-              </a:extLst>
-            </p:cNvPr>
-            <p:cNvSpPr>
-              <a:spLocks noChangeAspect="1" noChangeShapeType="1"/>
-            </p:cNvSpPr>
-            <p:nvPr/>
-          </p:nvSpPr>
-          <p:spPr bwMode="auto">
-            <a:xfrm>
-              <a:off x="3216" y="1992"/>
-              <a:ext cx="192" cy="0"/>
-            </a:xfrm>
-            <a:prstGeom prst="line">
-              <a:avLst/>
-            </a:prstGeom>
-            <a:noFill/>
-            <a:ln w="25400">
-              <a:solidFill>
-                <a:schemeClr val="tx1"/>
-              </a:solidFill>
-              <a:round/>
-              <a:headEnd/>
-              <a:tailEnd/>
-            </a:ln>
-            <a:effectLst/>
-          </p:spPr>
-          <p:txBody>
-            <a:bodyPr>
-              <a:prstTxWarp prst="textNoShape">
-                <a:avLst/>
-              </a:prstTxWarp>
-            </a:bodyPr>
-            <a:lstStyle/>
-            <a:p>
-              <a:endParaRPr lang="en-US" sz="1200"/>
-            </a:p>
-          </p:txBody>
-        </p:sp>
-      </p:grpSp>
-      <p:sp>
-        <p:nvSpPr>
-          <p:cNvPr id="103" name="TextBox 102">
-            <a:extLst>
-              <a:ext uri="{FF2B5EF4-FFF2-40B4-BE49-F238E27FC236}">
-                <a16:creationId xmlns:a16="http://schemas.microsoft.com/office/drawing/2014/main" id="{D40ABB14-92AB-4249-80D6-3CDFD0C50C72}"/>
-              </a:ext>
-            </a:extLst>
-          </p:cNvPr>
-          <p:cNvSpPr txBox="1"/>
-          <p:nvPr/>
-        </p:nvSpPr>
-        <p:spPr>
-          <a:xfrm>
-            <a:off x="1815933" y="4338006"/>
-            <a:ext cx="434883" cy="338554"/>
-          </a:xfrm>
-          <a:prstGeom prst="rect">
-            <a:avLst/>
-          </a:prstGeom>
-          <a:noFill/>
-        </p:spPr>
-        <p:txBody>
-          <a:bodyPr wrap="square" rtlCol="0">
-            <a:spAutoFit/>
-          </a:bodyPr>
-          <a:lstStyle/>
-          <a:p>
-            <a:r>
-              <a:rPr lang="en-US" sz="1600" dirty="0"/>
-              <a:t>R</a:t>
-            </a:r>
-            <a:r>
-              <a:rPr lang="en-US" sz="1600" baseline="-25000" dirty="0"/>
-              <a:t>D</a:t>
-            </a:r>
-          </a:p>
-        </p:txBody>
-      </p:sp>
-      <p:sp>
-        <p:nvSpPr>
-          <p:cNvPr id="104" name="TextBox 103">
-            <a:extLst>
-              <a:ext uri="{FF2B5EF4-FFF2-40B4-BE49-F238E27FC236}">
-                <a16:creationId xmlns:a16="http://schemas.microsoft.com/office/drawing/2014/main" id="{EABFA5B2-8560-8C40-8CD9-8CF216ABD836}"/>
-              </a:ext>
-            </a:extLst>
-          </p:cNvPr>
-          <p:cNvSpPr txBox="1"/>
-          <p:nvPr/>
-        </p:nvSpPr>
-        <p:spPr>
-          <a:xfrm>
-            <a:off x="1288112" y="5817401"/>
-            <a:ext cx="434883" cy="338554"/>
-          </a:xfrm>
-          <a:prstGeom prst="rect">
-            <a:avLst/>
-          </a:prstGeom>
-          <a:noFill/>
-        </p:spPr>
-        <p:txBody>
-          <a:bodyPr wrap="square" rtlCol="0">
-            <a:spAutoFit/>
-          </a:bodyPr>
-          <a:lstStyle/>
-          <a:p>
-            <a:r>
-              <a:rPr lang="en-US" sz="1600" dirty="0"/>
-              <a:t>R</a:t>
-            </a:r>
-            <a:r>
-              <a:rPr lang="en-US" sz="1600" baseline="-25000" dirty="0"/>
-              <a:t>S</a:t>
-            </a:r>
-          </a:p>
-        </p:txBody>
-      </p:sp>
-      <p:sp>
-        <p:nvSpPr>
-          <p:cNvPr id="105" name="TextBox 104">
-            <a:extLst>
-              <a:ext uri="{FF2B5EF4-FFF2-40B4-BE49-F238E27FC236}">
-                <a16:creationId xmlns:a16="http://schemas.microsoft.com/office/drawing/2014/main" id="{2613E364-96A8-194C-9A7C-F0AF33E219FD}"/>
-              </a:ext>
-            </a:extLst>
-          </p:cNvPr>
-          <p:cNvSpPr txBox="1"/>
-          <p:nvPr/>
-        </p:nvSpPr>
-        <p:spPr>
-          <a:xfrm>
-            <a:off x="671077" y="5624114"/>
-            <a:ext cx="434883" cy="338554"/>
-          </a:xfrm>
-          <a:prstGeom prst="rect">
-            <a:avLst/>
-          </a:prstGeom>
-          <a:noFill/>
-        </p:spPr>
-        <p:txBody>
-          <a:bodyPr wrap="square" rtlCol="0">
-            <a:spAutoFit/>
-          </a:bodyPr>
-          <a:lstStyle/>
-          <a:p>
-            <a:r>
-              <a:rPr lang="en-US" sz="1600" dirty="0"/>
-              <a:t>R</a:t>
-            </a:r>
-            <a:r>
-              <a:rPr lang="en-US" sz="1600" baseline="-25000" dirty="0"/>
-              <a:t>2</a:t>
-            </a:r>
-          </a:p>
-        </p:txBody>
-      </p:sp>
-      <p:sp>
-        <p:nvSpPr>
-          <p:cNvPr id="106" name="TextBox 105">
-            <a:extLst>
-              <a:ext uri="{FF2B5EF4-FFF2-40B4-BE49-F238E27FC236}">
-                <a16:creationId xmlns:a16="http://schemas.microsoft.com/office/drawing/2014/main" id="{F24DD31A-3DB1-ED42-9A18-C2E2679387FE}"/>
-              </a:ext>
-            </a:extLst>
-          </p:cNvPr>
-          <p:cNvSpPr txBox="1"/>
-          <p:nvPr/>
-        </p:nvSpPr>
-        <p:spPr>
-          <a:xfrm>
-            <a:off x="678513" y="4951328"/>
-            <a:ext cx="434883" cy="338554"/>
-          </a:xfrm>
-          <a:prstGeom prst="rect">
-            <a:avLst/>
-          </a:prstGeom>
-          <a:noFill/>
-        </p:spPr>
-        <p:txBody>
-          <a:bodyPr wrap="square" rtlCol="0">
-            <a:spAutoFit/>
-          </a:bodyPr>
-          <a:lstStyle/>
-          <a:p>
-            <a:r>
-              <a:rPr lang="en-US" sz="1600" dirty="0"/>
-              <a:t>R</a:t>
-            </a:r>
-            <a:r>
-              <a:rPr lang="en-US" sz="1600" baseline="-25000" dirty="0"/>
-              <a:t>1</a:t>
-            </a:r>
-          </a:p>
-        </p:txBody>
-      </p:sp>
-      <p:sp>
-        <p:nvSpPr>
-          <p:cNvPr id="107" name="TextBox 106">
-            <a:extLst>
-              <a:ext uri="{FF2B5EF4-FFF2-40B4-BE49-F238E27FC236}">
-                <a16:creationId xmlns:a16="http://schemas.microsoft.com/office/drawing/2014/main" id="{CCB49973-110D-E341-975B-D62312DE40B8}"/>
-              </a:ext>
-            </a:extLst>
-          </p:cNvPr>
-          <p:cNvSpPr txBox="1"/>
-          <p:nvPr/>
-        </p:nvSpPr>
-        <p:spPr>
-          <a:xfrm>
-            <a:off x="366278" y="4906720"/>
-            <a:ext cx="434883" cy="338554"/>
-          </a:xfrm>
-          <a:prstGeom prst="rect">
-            <a:avLst/>
-          </a:prstGeom>
-          <a:noFill/>
-        </p:spPr>
-        <p:txBody>
-          <a:bodyPr wrap="square" rtlCol="0">
-            <a:spAutoFit/>
-          </a:bodyPr>
-          <a:lstStyle/>
-          <a:p>
-            <a:r>
-              <a:rPr lang="en-US" sz="1600" dirty="0"/>
-              <a:t>C</a:t>
-            </a:r>
-            <a:r>
-              <a:rPr lang="en-US" sz="1600" baseline="-25000" dirty="0"/>
-              <a:t>i</a:t>
-            </a:r>
-          </a:p>
-        </p:txBody>
-      </p:sp>
-      <p:sp>
-        <p:nvSpPr>
-          <p:cNvPr id="108" name="TextBox 107">
-            <a:extLst>
-              <a:ext uri="{FF2B5EF4-FFF2-40B4-BE49-F238E27FC236}">
-                <a16:creationId xmlns:a16="http://schemas.microsoft.com/office/drawing/2014/main" id="{E41FC245-A42E-A148-BF26-3E34252287C1}"/>
-              </a:ext>
-            </a:extLst>
-          </p:cNvPr>
-          <p:cNvSpPr txBox="1"/>
-          <p:nvPr/>
-        </p:nvSpPr>
-        <p:spPr>
-          <a:xfrm>
-            <a:off x="1812218" y="5003365"/>
-            <a:ext cx="434883" cy="338554"/>
-          </a:xfrm>
-          <a:prstGeom prst="rect">
-            <a:avLst/>
-          </a:prstGeom>
-          <a:noFill/>
-        </p:spPr>
-        <p:txBody>
-          <a:bodyPr wrap="square" rtlCol="0">
-            <a:spAutoFit/>
-          </a:bodyPr>
-          <a:lstStyle/>
-          <a:p>
-            <a:r>
-              <a:rPr lang="en-US" sz="1600" dirty="0"/>
-              <a:t>C</a:t>
-            </a:r>
-            <a:r>
-              <a:rPr lang="en-US" sz="1600" baseline="-25000" dirty="0"/>
-              <a:t>o</a:t>
-            </a:r>
-          </a:p>
-        </p:txBody>
-      </p:sp>
-      <p:cxnSp>
-        <p:nvCxnSpPr>
-          <p:cNvPr id="109" name="Straight Connector 108">
-            <a:extLst>
-              <a:ext uri="{FF2B5EF4-FFF2-40B4-BE49-F238E27FC236}">
-                <a16:creationId xmlns:a16="http://schemas.microsoft.com/office/drawing/2014/main" id="{8F7AE90E-4DE7-0741-8B8D-2B21A0272187}"/>
-              </a:ext>
-            </a:extLst>
-          </p:cNvPr>
-          <p:cNvCxnSpPr>
-            <a:cxnSpLocks/>
-          </p:cNvCxnSpPr>
-          <p:nvPr/>
-        </p:nvCxnSpPr>
-        <p:spPr>
-          <a:xfrm>
-            <a:off x="1722592" y="5724755"/>
-            <a:ext cx="457200" cy="0"/>
-          </a:xfrm>
-          <a:prstGeom prst="line">
-            <a:avLst/>
-          </a:prstGeom>
-          <a:ln>
-            <a:solidFill>
-              <a:schemeClr val="tx1"/>
-            </a:solidFill>
-          </a:ln>
-        </p:spPr>
-        <p:style>
-          <a:lnRef idx="2">
-            <a:schemeClr val="accent1"/>
-          </a:lnRef>
-          <a:fillRef idx="0">
-            <a:schemeClr val="accent1"/>
-          </a:fillRef>
-          <a:effectRef idx="1">
-            <a:schemeClr val="accent1"/>
-          </a:effectRef>
-          <a:fontRef idx="minor">
-            <a:schemeClr val="tx1"/>
-          </a:fontRef>
-        </p:style>
-      </p:cxnSp>
-      <p:cxnSp>
-        <p:nvCxnSpPr>
-          <p:cNvPr id="110" name="Straight Connector 109">
-            <a:extLst>
-              <a:ext uri="{FF2B5EF4-FFF2-40B4-BE49-F238E27FC236}">
-                <a16:creationId xmlns:a16="http://schemas.microsoft.com/office/drawing/2014/main" id="{8C8E3DCD-AB82-1E4F-8561-24EDEEE6D5FB}"/>
-              </a:ext>
-            </a:extLst>
-          </p:cNvPr>
-          <p:cNvCxnSpPr>
-            <a:cxnSpLocks/>
-          </p:cNvCxnSpPr>
-          <p:nvPr/>
-        </p:nvCxnSpPr>
-        <p:spPr>
-          <a:xfrm>
-            <a:off x="1060037" y="4174581"/>
-            <a:ext cx="640080" cy="0"/>
-          </a:xfrm>
-          <a:prstGeom prst="line">
-            <a:avLst/>
-          </a:prstGeom>
-          <a:ln>
-            <a:solidFill>
-              <a:schemeClr val="tx1"/>
-            </a:solidFill>
-          </a:ln>
-        </p:spPr>
-        <p:style>
-          <a:lnRef idx="2">
-            <a:schemeClr val="accent1"/>
-          </a:lnRef>
-          <a:fillRef idx="0">
-            <a:schemeClr val="accent1"/>
-          </a:fillRef>
-          <a:effectRef idx="1">
-            <a:schemeClr val="accent1"/>
-          </a:effectRef>
-          <a:fontRef idx="minor">
-            <a:schemeClr val="tx1"/>
-          </a:fontRef>
-        </p:style>
-      </p:cxnSp>
-      <p:cxnSp>
-        <p:nvCxnSpPr>
-          <p:cNvPr id="111" name="Straight Connector 110">
-            <a:extLst>
-              <a:ext uri="{FF2B5EF4-FFF2-40B4-BE49-F238E27FC236}">
-                <a16:creationId xmlns:a16="http://schemas.microsoft.com/office/drawing/2014/main" id="{00D0E1E4-71E3-E148-95CE-81870DEBC950}"/>
-              </a:ext>
-            </a:extLst>
-          </p:cNvPr>
-          <p:cNvCxnSpPr>
-            <a:cxnSpLocks/>
-          </p:cNvCxnSpPr>
-          <p:nvPr/>
-        </p:nvCxnSpPr>
-        <p:spPr>
-          <a:xfrm>
-            <a:off x="1069073" y="4159524"/>
-            <a:ext cx="0" cy="755909"/>
-          </a:xfrm>
-          <a:prstGeom prst="line">
-            <a:avLst/>
-          </a:prstGeom>
-          <a:ln>
-            <a:solidFill>
-              <a:schemeClr val="tx1"/>
-            </a:solidFill>
-          </a:ln>
-        </p:spPr>
-        <p:style>
-          <a:lnRef idx="2">
-            <a:schemeClr val="accent1"/>
-          </a:lnRef>
-          <a:fillRef idx="0">
-            <a:schemeClr val="accent1"/>
-          </a:fillRef>
-          <a:effectRef idx="1">
-            <a:schemeClr val="accent1"/>
-          </a:effectRef>
-          <a:fontRef idx="minor">
-            <a:schemeClr val="tx1"/>
-          </a:fontRef>
-        </p:style>
-      </p:cxnSp>
-      <p:cxnSp>
-        <p:nvCxnSpPr>
-          <p:cNvPr id="113" name="Straight Connector 112">
-            <a:extLst>
-              <a:ext uri="{FF2B5EF4-FFF2-40B4-BE49-F238E27FC236}">
-                <a16:creationId xmlns:a16="http://schemas.microsoft.com/office/drawing/2014/main" id="{173976F4-0D1D-5049-B7B8-3DA55FD23D70}"/>
-              </a:ext>
-            </a:extLst>
-          </p:cNvPr>
-          <p:cNvCxnSpPr>
-            <a:cxnSpLocks/>
-          </p:cNvCxnSpPr>
-          <p:nvPr/>
-        </p:nvCxnSpPr>
-        <p:spPr>
-          <a:xfrm>
-            <a:off x="1366441" y="3933319"/>
-            <a:ext cx="0" cy="234984"/>
-          </a:xfrm>
-          <a:prstGeom prst="line">
-            <a:avLst/>
-          </a:prstGeom>
-          <a:ln>
-            <a:solidFill>
-              <a:schemeClr val="tx1"/>
-            </a:solidFill>
-          </a:ln>
-        </p:spPr>
-        <p:style>
-          <a:lnRef idx="2">
-            <a:schemeClr val="accent1"/>
-          </a:lnRef>
-          <a:fillRef idx="0">
-            <a:schemeClr val="accent1"/>
-          </a:fillRef>
-          <a:effectRef idx="1">
-            <a:schemeClr val="accent1"/>
-          </a:effectRef>
-          <a:fontRef idx="minor">
-            <a:schemeClr val="tx1"/>
-          </a:fontRef>
-        </p:style>
-      </p:cxnSp>
-      <p:sp>
-        <p:nvSpPr>
-          <p:cNvPr id="115" name="Oval 114">
-            <a:extLst>
-              <a:ext uri="{FF2B5EF4-FFF2-40B4-BE49-F238E27FC236}">
-                <a16:creationId xmlns:a16="http://schemas.microsoft.com/office/drawing/2014/main" id="{CDCD42E2-A3EE-C542-9696-B001669F4540}"/>
-              </a:ext>
-            </a:extLst>
-          </p:cNvPr>
-          <p:cNvSpPr/>
-          <p:nvPr/>
-        </p:nvSpPr>
-        <p:spPr>
-          <a:xfrm>
-            <a:off x="2177609" y="4903552"/>
-            <a:ext cx="91440" cy="91440"/>
-          </a:xfrm>
-          <a:prstGeom prst="ellipse">
-            <a:avLst/>
-          </a:prstGeom>
-          <a:solidFill>
-            <a:schemeClr val="tx1"/>
-          </a:solidFill>
-          <a:ln>
-            <a:solidFill>
-              <a:schemeClr val="tx1"/>
-            </a:solidFill>
-          </a:ln>
-        </p:spPr>
-        <p:style>
-          <a:lnRef idx="1">
-            <a:schemeClr val="accent1"/>
-          </a:lnRef>
-          <a:fillRef idx="3">
-            <a:schemeClr val="accent1"/>
-          </a:fillRef>
-          <a:effectRef idx="2">
-            <a:schemeClr val="accent1"/>
-          </a:effectRef>
-          <a:fontRef idx="minor">
-            <a:schemeClr val="lt1"/>
-          </a:fontRef>
-        </p:style>
-        <p:txBody>
-          <a:bodyPr rtlCol="0" anchor="ctr"/>
-          <a:lstStyle/>
-          <a:p>
-            <a:pPr algn="ctr"/>
-            <a:endParaRPr lang="en-US"/>
-          </a:p>
-        </p:txBody>
-      </p:sp>
-      <p:sp>
-        <p:nvSpPr>
-          <p:cNvPr id="116" name="Oval 115">
-            <a:extLst>
-              <a:ext uri="{FF2B5EF4-FFF2-40B4-BE49-F238E27FC236}">
-                <a16:creationId xmlns:a16="http://schemas.microsoft.com/office/drawing/2014/main" id="{22F4DE6B-C3E9-4E42-ADCE-4B4F4BBF9A74}"/>
-              </a:ext>
-            </a:extLst>
-          </p:cNvPr>
-          <p:cNvSpPr/>
-          <p:nvPr/>
-        </p:nvSpPr>
-        <p:spPr>
-          <a:xfrm>
-            <a:off x="1326401" y="3862773"/>
-            <a:ext cx="91440" cy="91440"/>
-          </a:xfrm>
-          <a:prstGeom prst="ellipse">
-            <a:avLst/>
-          </a:prstGeom>
-          <a:solidFill>
-            <a:schemeClr val="tx1"/>
-          </a:solidFill>
-          <a:ln>
-            <a:solidFill>
-              <a:schemeClr val="tx1"/>
-            </a:solidFill>
-          </a:ln>
-        </p:spPr>
-        <p:style>
-          <a:lnRef idx="1">
-            <a:schemeClr val="accent1"/>
-          </a:lnRef>
-          <a:fillRef idx="3">
-            <a:schemeClr val="accent1"/>
-          </a:fillRef>
-          <a:effectRef idx="2">
-            <a:schemeClr val="accent1"/>
-          </a:effectRef>
-          <a:fontRef idx="minor">
-            <a:schemeClr val="lt1"/>
-          </a:fontRef>
-        </p:style>
-        <p:txBody>
-          <a:bodyPr rtlCol="0" anchor="ctr"/>
-          <a:lstStyle/>
-          <a:p>
-            <a:pPr algn="ctr"/>
-            <a:endParaRPr lang="en-US"/>
-          </a:p>
-        </p:txBody>
-      </p:sp>
-      <p:sp>
-        <p:nvSpPr>
-          <p:cNvPr id="117" name="Oval 116">
-            <a:extLst>
-              <a:ext uri="{FF2B5EF4-FFF2-40B4-BE49-F238E27FC236}">
-                <a16:creationId xmlns:a16="http://schemas.microsoft.com/office/drawing/2014/main" id="{7CF80ACA-5708-4D47-9B37-FF8DB1977355}"/>
-              </a:ext>
-            </a:extLst>
-          </p:cNvPr>
-          <p:cNvSpPr/>
-          <p:nvPr/>
-        </p:nvSpPr>
-        <p:spPr>
-          <a:xfrm>
-            <a:off x="244730" y="5391005"/>
-            <a:ext cx="91440" cy="91440"/>
-          </a:xfrm>
-          <a:prstGeom prst="ellipse">
-            <a:avLst/>
-          </a:prstGeom>
-          <a:solidFill>
-            <a:schemeClr val="tx1"/>
-          </a:solidFill>
-          <a:ln>
-            <a:solidFill>
-              <a:schemeClr val="tx1"/>
-            </a:solidFill>
-          </a:ln>
-        </p:spPr>
-        <p:style>
-          <a:lnRef idx="1">
-            <a:schemeClr val="accent1"/>
-          </a:lnRef>
-          <a:fillRef idx="3">
-            <a:schemeClr val="accent1"/>
-          </a:fillRef>
-          <a:effectRef idx="2">
-            <a:schemeClr val="accent1"/>
-          </a:effectRef>
-          <a:fontRef idx="minor">
-            <a:schemeClr val="lt1"/>
-          </a:fontRef>
-        </p:style>
-        <p:txBody>
-          <a:bodyPr rtlCol="0" anchor="ctr"/>
-          <a:lstStyle/>
-          <a:p>
-            <a:pPr algn="ctr"/>
-            <a:endParaRPr lang="en-US"/>
-          </a:p>
-        </p:txBody>
-      </p:sp>
-      <mc:AlternateContent xmlns:mc="http://schemas.openxmlformats.org/markup-compatibility/2006" xmlns:a14="http://schemas.microsoft.com/office/drawing/2010/main">
-        <mc:Choice Requires="a14">
+      <mc:AlternateContent xmlns:mc="http://schemas.openxmlformats.org/markup-compatibility/2006">
+        <mc:Choice xmlns:a14="http://schemas.microsoft.com/office/drawing/2010/main" Requires="a14">
           <p:sp>
             <p:nvSpPr>
               <p:cNvPr id="15" name="TextBox 14">
@@ -7755,6 +4675,23 @@
                   <a:tabLst/>
                 </a:pPr>
                 <a:r>
+                  <a:rPr kumimoji="0" lang="en-US" sz="1800" b="0" i="0" u="none" strike="noStrike" cap="none" spc="0" normalizeH="0" baseline="0">
+                    <a:ln>
+                      <a:noFill/>
+                    </a:ln>
+                    <a:solidFill>
+                      <a:srgbClr val="000000"/>
+                    </a:solidFill>
+                    <a:effectLst/>
+                    <a:uFillTx/>
+                    <a:latin typeface="Calibri"/>
+                    <a:ea typeface="Calibri"/>
+                    <a:cs typeface="Calibri"/>
+                    <a:sym typeface="Calibri"/>
+                  </a:rPr>
+                  <a:t>Pick </a:t>
+                </a:r>
+                <a:r>
                   <a:rPr kumimoji="0" lang="en-US" sz="1800" b="0" i="0" u="none" strike="noStrike" cap="none" spc="0" normalizeH="0" baseline="0" dirty="0">
                     <a:ln>
                       <a:noFill/>
@@ -7769,7 +4706,7 @@
                     <a:cs typeface="Calibri"/>
                     <a:sym typeface="Calibri"/>
                   </a:rPr>
-                  <a:t> Pick power </a:t>
+                  <a:t>power </a:t>
                 </a:r>
                 <a14:m>
                   <m:oMath xmlns:m="http://schemas.openxmlformats.org/officeDocument/2006/math">
@@ -8147,7 +5084,7 @@
             </p:txBody>
           </p:sp>
         </mc:Choice>
-        <mc:Fallback xmlns="">
+        <mc:Fallback>
           <p:sp>
             <p:nvSpPr>
               <p:cNvPr id="15" name="TextBox 14">
@@ -8173,7 +5110,7 @@
               <a:blipFill>
                 <a:blip r:embed="rId3"/>
                 <a:stretch>
-                  <a:fillRect l="-2256" t="-1852" r="-1128"/>
+                  <a:fillRect l="-2256" t="-1852" r="-1504"/>
                 </a:stretch>
               </a:blipFill>
               <a:ln w="12700" cap="flat">
@@ -9663,83 +6600,3184 @@
           </p:sp>
         </mc:Fallback>
       </mc:AlternateContent>
-      <p:sp>
-        <p:nvSpPr>
-          <p:cNvPr id="120" name="TextBox 119">
+      <p:grpSp>
+        <p:nvGrpSpPr>
+          <p:cNvPr id="3" name="Group 2">
             <a:extLst>
               <a:ext uri="{FF2B5EF4-FFF2-40B4-BE49-F238E27FC236}">
-                <a16:creationId xmlns:a16="http://schemas.microsoft.com/office/drawing/2014/main" id="{E931C463-4A47-1740-8357-E09E14E6AA37}"/>
+                <a16:creationId xmlns:a16="http://schemas.microsoft.com/office/drawing/2014/main" id="{925ABFBD-7AA5-544A-A516-5E134F5740B2}"/>
               </a:ext>
             </a:extLst>
           </p:cNvPr>
-          <p:cNvSpPr txBox="1"/>
+          <p:cNvGrpSpPr/>
           <p:nvPr/>
-        </p:nvSpPr>
-        <p:spPr>
+        </p:nvGrpSpPr>
+        <p:grpSpPr>
           <a:xfrm>
-            <a:off x="1692621" y="5319803"/>
-            <a:ext cx="290464" cy="369332"/>
+            <a:off x="1380802" y="3617819"/>
+            <a:ext cx="2069357" cy="2891749"/>
+            <a:chOff x="244730" y="3780936"/>
+            <a:chExt cx="2069357" cy="2891749"/>
           </a:xfrm>
-          <a:prstGeom prst="rect">
-            <a:avLst/>
-          </a:prstGeom>
-          <a:noFill/>
-        </p:spPr>
-        <p:txBody>
-          <a:bodyPr wrap="none" rtlCol="0">
-            <a:spAutoFit/>
-          </a:bodyPr>
-          <a:lstStyle/>
-          <a:p>
-            <a:r>
-              <a:rPr lang="en-US" dirty="0"/>
-              <a:t>S</a:t>
-            </a:r>
-            <a:endParaRPr lang="en-US" baseline="-25000" dirty="0"/>
-          </a:p>
-        </p:txBody>
-      </p:sp>
-      <p:sp>
-        <p:nvSpPr>
-          <p:cNvPr id="121" name="TextBox 120">
-            <a:extLst>
-              <a:ext uri="{FF2B5EF4-FFF2-40B4-BE49-F238E27FC236}">
-                <a16:creationId xmlns:a16="http://schemas.microsoft.com/office/drawing/2014/main" id="{8568354D-EA9A-4145-830F-78F91F6CCEC6}"/>
-              </a:ext>
-            </a:extLst>
-          </p:cNvPr>
-          <p:cNvSpPr txBox="1"/>
-          <p:nvPr/>
-        </p:nvSpPr>
-        <p:spPr>
-          <a:xfrm>
-            <a:off x="599805" y="3780936"/>
-            <a:ext cx="505267" cy="369332"/>
-          </a:xfrm>
-          <a:prstGeom prst="rect">
-            <a:avLst/>
-          </a:prstGeom>
-          <a:noFill/>
-        </p:spPr>
-        <p:txBody>
-          <a:bodyPr wrap="none" rtlCol="0">
-            <a:spAutoFit/>
-          </a:bodyPr>
-          <a:lstStyle/>
-          <a:p>
-            <a:r>
-              <a:rPr lang="en-US" dirty="0"/>
-              <a:t>V</a:t>
-            </a:r>
-            <a:r>
-              <a:rPr lang="en-US" baseline="-25000" dirty="0"/>
-              <a:t>DD</a:t>
-            </a:r>
-          </a:p>
-        </p:txBody>
-      </p:sp>
-      <mc:AlternateContent xmlns:mc="http://schemas.openxmlformats.org/markup-compatibility/2006" xmlns:a14="http://schemas.microsoft.com/office/drawing/2010/main">
-        <mc:Choice Requires="a14">
+        </p:grpSpPr>
+        <p:grpSp>
+          <p:nvGrpSpPr>
+            <p:cNvPr id="11" name="Group 10">
+              <a:extLst>
+                <a:ext uri="{FF2B5EF4-FFF2-40B4-BE49-F238E27FC236}">
+                  <a16:creationId xmlns:a16="http://schemas.microsoft.com/office/drawing/2014/main" id="{94258EE4-B8DB-E045-8F4B-21159AC7A805}"/>
+                </a:ext>
+              </a:extLst>
+            </p:cNvPr>
+            <p:cNvGrpSpPr/>
+            <p:nvPr/>
+          </p:nvGrpSpPr>
+          <p:grpSpPr>
+            <a:xfrm>
+              <a:off x="1043809" y="4819166"/>
+              <a:ext cx="715494" cy="966152"/>
+              <a:chOff x="1155064" y="908720"/>
+              <a:chExt cx="715494" cy="966152"/>
+            </a:xfrm>
+          </p:grpSpPr>
+          <p:sp>
+            <p:nvSpPr>
+              <p:cNvPr id="2" name="Oval 1">
+                <a:extLst>
+                  <a:ext uri="{FF2B5EF4-FFF2-40B4-BE49-F238E27FC236}">
+                    <a16:creationId xmlns:a16="http://schemas.microsoft.com/office/drawing/2014/main" id="{1E4C5E72-18D4-ED4B-A2ED-9278F8C12E3D}"/>
+                  </a:ext>
+                </a:extLst>
+              </p:cNvPr>
+              <p:cNvSpPr/>
+              <p:nvPr/>
+            </p:nvSpPr>
+            <p:spPr>
+              <a:xfrm>
+                <a:off x="1321918" y="1169583"/>
+                <a:ext cx="548640" cy="548640"/>
+              </a:xfrm>
+              <a:prstGeom prst="ellipse">
+                <a:avLst/>
+              </a:prstGeom>
+              <a:solidFill>
+                <a:srgbClr val="FFFFFF"/>
+              </a:solidFill>
+              <a:ln w="25400" cap="flat">
+                <a:solidFill>
+                  <a:schemeClr val="tx1"/>
+                </a:solidFill>
+                <a:prstDash val="solid"/>
+                <a:bevel/>
+              </a:ln>
+              <a:effectLst>
+                <a:outerShdw blurRad="38100" dist="23000" dir="5400000" rotWithShape="0">
+                  <a:srgbClr val="000000">
+                    <a:alpha val="35000"/>
+                  </a:srgbClr>
+                </a:outerShdw>
+              </a:effectLst>
+            </p:spPr>
+            <p:style>
+              <a:lnRef idx="0">
+                <a:scrgbClr r="0" g="0" b="0"/>
+              </a:lnRef>
+              <a:fillRef idx="0">
+                <a:scrgbClr r="0" g="0" b="0"/>
+              </a:fillRef>
+              <a:effectRef idx="0">
+                <a:scrgbClr r="0" g="0" b="0"/>
+              </a:effectRef>
+              <a:fontRef idx="none"/>
+            </p:style>
+            <p:txBody>
+              <a:bodyPr rot="0" spcFirstLastPara="1" vertOverflow="overflow" horzOverflow="overflow" vert="horz" wrap="square" lIns="45719" tIns="45719" rIns="45719" bIns="45719" numCol="1" spcCol="38100" rtlCol="0" anchor="ctr">
+                <a:spAutoFit/>
+              </a:bodyPr>
+              <a:lstStyle/>
+              <a:p>
+                <a:pPr marL="0" marR="0" indent="0" algn="l" defTabSz="457200" rtl="0" fontAlgn="auto" latinLnBrk="1" hangingPunct="0">
+                  <a:lnSpc>
+                    <a:spcPct val="100000"/>
+                  </a:lnSpc>
+                  <a:spcBef>
+                    <a:spcPts val="0"/>
+                  </a:spcBef>
+                  <a:spcAft>
+                    <a:spcPts val="0"/>
+                  </a:spcAft>
+                  <a:buClrTx/>
+                  <a:buSzTx/>
+                  <a:buFontTx/>
+                  <a:buNone/>
+                  <a:tabLst/>
+                </a:pPr>
+                <a:endParaRPr kumimoji="0" lang="en-US" sz="1800" b="0" i="0" u="none" strike="noStrike" cap="none" spc="0" normalizeH="0" baseline="0">
+                  <a:ln>
+                    <a:noFill/>
+                  </a:ln>
+                  <a:solidFill>
+                    <a:srgbClr val="000000"/>
+                  </a:solidFill>
+                  <a:effectLst/>
+                  <a:uFillTx/>
+                  <a:latin typeface="Calibri"/>
+                  <a:ea typeface="Calibri"/>
+                  <a:cs typeface="Calibri"/>
+                  <a:sym typeface="Calibri"/>
+                </a:endParaRPr>
+              </a:p>
+            </p:txBody>
+          </p:sp>
+          <p:cxnSp>
+            <p:nvCxnSpPr>
+              <p:cNvPr id="4" name="Straight Arrow Connector 3">
+                <a:extLst>
+                  <a:ext uri="{FF2B5EF4-FFF2-40B4-BE49-F238E27FC236}">
+                    <a16:creationId xmlns:a16="http://schemas.microsoft.com/office/drawing/2014/main" id="{5197C6D8-1648-1542-800A-594462B26315}"/>
+                  </a:ext>
+                </a:extLst>
+              </p:cNvPr>
+              <p:cNvCxnSpPr>
+                <a:cxnSpLocks/>
+              </p:cNvCxnSpPr>
+              <p:nvPr/>
+            </p:nvCxnSpPr>
+            <p:spPr>
+              <a:xfrm flipH="1">
+                <a:off x="1669307" y="1441771"/>
+                <a:ext cx="137160" cy="0"/>
+              </a:xfrm>
+              <a:prstGeom prst="straightConnector1">
+                <a:avLst/>
+              </a:prstGeom>
+              <a:noFill/>
+              <a:ln w="25400" cap="flat">
+                <a:solidFill>
+                  <a:schemeClr val="tx1"/>
+                </a:solidFill>
+                <a:prstDash val="solid"/>
+                <a:bevel/>
+                <a:tailEnd type="triangle"/>
+              </a:ln>
+              <a:effectLst>
+                <a:outerShdw blurRad="38100" dist="20000" dir="5400000" rotWithShape="0">
+                  <a:srgbClr val="000000">
+                    <a:alpha val="38000"/>
+                  </a:srgbClr>
+                </a:outerShdw>
+              </a:effectLst>
+            </p:spPr>
+            <p:style>
+              <a:lnRef idx="0">
+                <a:scrgbClr r="0" g="0" b="0"/>
+              </a:lnRef>
+              <a:fillRef idx="0">
+                <a:scrgbClr r="0" g="0" b="0"/>
+              </a:fillRef>
+              <a:effectRef idx="0">
+                <a:scrgbClr r="0" g="0" b="0"/>
+              </a:effectRef>
+              <a:fontRef idx="none"/>
+            </p:style>
+          </p:cxnSp>
+          <p:cxnSp>
+            <p:nvCxnSpPr>
+              <p:cNvPr id="6" name="Straight Connector 5">
+                <a:extLst>
+                  <a:ext uri="{FF2B5EF4-FFF2-40B4-BE49-F238E27FC236}">
+                    <a16:creationId xmlns:a16="http://schemas.microsoft.com/office/drawing/2014/main" id="{44B111FB-139D-C34B-A8EA-F0E6C56913FA}"/>
+                  </a:ext>
+                </a:extLst>
+              </p:cNvPr>
+              <p:cNvCxnSpPr/>
+              <p:nvPr/>
+            </p:nvCxnSpPr>
+            <p:spPr>
+              <a:xfrm>
+                <a:off x="1806467" y="1436811"/>
+                <a:ext cx="0" cy="438061"/>
+              </a:xfrm>
+              <a:prstGeom prst="line">
+                <a:avLst/>
+              </a:prstGeom>
+              <a:noFill/>
+              <a:ln w="25400" cap="flat">
+                <a:solidFill>
+                  <a:schemeClr val="tx1"/>
+                </a:solidFill>
+                <a:prstDash val="solid"/>
+                <a:bevel/>
+              </a:ln>
+              <a:effectLst>
+                <a:outerShdw blurRad="38100" dist="20000" dir="5400000" rotWithShape="0">
+                  <a:srgbClr val="000000">
+                    <a:alpha val="38000"/>
+                  </a:srgbClr>
+                </a:outerShdw>
+              </a:effectLst>
+            </p:spPr>
+            <p:style>
+              <a:lnRef idx="0">
+                <a:scrgbClr r="0" g="0" b="0"/>
+              </a:lnRef>
+              <a:fillRef idx="0">
+                <a:scrgbClr r="0" g="0" b="0"/>
+              </a:fillRef>
+              <a:effectRef idx="0">
+                <a:scrgbClr r="0" g="0" b="0"/>
+              </a:effectRef>
+              <a:fontRef idx="none"/>
+            </p:style>
+          </p:cxnSp>
+          <p:cxnSp>
+            <p:nvCxnSpPr>
+              <p:cNvPr id="51" name="Straight Connector 50">
+                <a:extLst>
+                  <a:ext uri="{FF2B5EF4-FFF2-40B4-BE49-F238E27FC236}">
+                    <a16:creationId xmlns:a16="http://schemas.microsoft.com/office/drawing/2014/main" id="{09D7C65D-24C9-DE45-B236-0A1AEF2B7162}"/>
+                  </a:ext>
+                </a:extLst>
+              </p:cNvPr>
+              <p:cNvCxnSpPr/>
+              <p:nvPr/>
+            </p:nvCxnSpPr>
+            <p:spPr>
+              <a:xfrm>
+                <a:off x="1516567" y="1274844"/>
+                <a:ext cx="0" cy="274320"/>
+              </a:xfrm>
+              <a:prstGeom prst="line">
+                <a:avLst/>
+              </a:prstGeom>
+              <a:noFill/>
+              <a:ln w="25400" cap="flat">
+                <a:solidFill>
+                  <a:schemeClr val="tx1"/>
+                </a:solidFill>
+                <a:prstDash val="solid"/>
+                <a:bevel/>
+              </a:ln>
+              <a:effectLst>
+                <a:outerShdw blurRad="38100" dist="20000" dir="5400000" rotWithShape="0">
+                  <a:srgbClr val="000000">
+                    <a:alpha val="38000"/>
+                  </a:srgbClr>
+                </a:outerShdw>
+              </a:effectLst>
+            </p:spPr>
+            <p:style>
+              <a:lnRef idx="0">
+                <a:scrgbClr r="0" g="0" b="0"/>
+              </a:lnRef>
+              <a:fillRef idx="0">
+                <a:scrgbClr r="0" g="0" b="0"/>
+              </a:fillRef>
+              <a:effectRef idx="0">
+                <a:scrgbClr r="0" g="0" b="0"/>
+              </a:effectRef>
+              <a:fontRef idx="none"/>
+            </p:style>
+          </p:cxnSp>
+          <p:cxnSp>
+            <p:nvCxnSpPr>
+              <p:cNvPr id="52" name="Straight Connector 51">
+                <a:extLst>
+                  <a:ext uri="{FF2B5EF4-FFF2-40B4-BE49-F238E27FC236}">
+                    <a16:creationId xmlns:a16="http://schemas.microsoft.com/office/drawing/2014/main" id="{C00B16CB-6508-9E4F-A340-48F4FD3FC023}"/>
+                  </a:ext>
+                </a:extLst>
+              </p:cNvPr>
+              <p:cNvCxnSpPr/>
+              <p:nvPr/>
+            </p:nvCxnSpPr>
+            <p:spPr>
+              <a:xfrm>
+                <a:off x="1647701" y="1289018"/>
+                <a:ext cx="0" cy="274320"/>
+              </a:xfrm>
+              <a:prstGeom prst="line">
+                <a:avLst/>
+              </a:prstGeom>
+              <a:noFill/>
+              <a:ln w="25400" cap="flat">
+                <a:solidFill>
+                  <a:schemeClr val="tx1"/>
+                </a:solidFill>
+                <a:prstDash val="sysDash"/>
+                <a:bevel/>
+              </a:ln>
+              <a:effectLst>
+                <a:outerShdw blurRad="38100" dist="20000" dir="5400000" rotWithShape="0">
+                  <a:srgbClr val="000000">
+                    <a:alpha val="38000"/>
+                  </a:srgbClr>
+                </a:outerShdw>
+              </a:effectLst>
+            </p:spPr>
+            <p:style>
+              <a:lnRef idx="0">
+                <a:scrgbClr r="0" g="0" b="0"/>
+              </a:lnRef>
+              <a:fillRef idx="0">
+                <a:scrgbClr r="0" g="0" b="0"/>
+              </a:fillRef>
+              <a:effectRef idx="0">
+                <a:scrgbClr r="0" g="0" b="0"/>
+              </a:effectRef>
+              <a:fontRef idx="none"/>
+            </p:style>
+          </p:cxnSp>
+          <p:cxnSp>
+            <p:nvCxnSpPr>
+              <p:cNvPr id="54" name="Straight Connector 53">
+                <a:extLst>
+                  <a:ext uri="{FF2B5EF4-FFF2-40B4-BE49-F238E27FC236}">
+                    <a16:creationId xmlns:a16="http://schemas.microsoft.com/office/drawing/2014/main" id="{A8A162C7-3FEC-7A40-A994-DD92682383FB}"/>
+                  </a:ext>
+                </a:extLst>
+              </p:cNvPr>
+              <p:cNvCxnSpPr/>
+              <p:nvPr/>
+            </p:nvCxnSpPr>
+            <p:spPr>
+              <a:xfrm>
+                <a:off x="1155064" y="1538531"/>
+                <a:ext cx="365760" cy="0"/>
+              </a:xfrm>
+              <a:prstGeom prst="line">
+                <a:avLst/>
+              </a:prstGeom>
+              <a:noFill/>
+              <a:ln w="25400" cap="flat">
+                <a:solidFill>
+                  <a:schemeClr val="tx1"/>
+                </a:solidFill>
+                <a:prstDash val="solid"/>
+                <a:bevel/>
+              </a:ln>
+              <a:effectLst>
+                <a:outerShdw blurRad="38100" dist="20000" dir="5400000" rotWithShape="0">
+                  <a:srgbClr val="000000">
+                    <a:alpha val="38000"/>
+                  </a:srgbClr>
+                </a:outerShdw>
+              </a:effectLst>
+            </p:spPr>
+            <p:style>
+              <a:lnRef idx="0">
+                <a:scrgbClr r="0" g="0" b="0"/>
+              </a:lnRef>
+              <a:fillRef idx="0">
+                <a:scrgbClr r="0" g="0" b="0"/>
+              </a:fillRef>
+              <a:effectRef idx="0">
+                <a:scrgbClr r="0" g="0" b="0"/>
+              </a:effectRef>
+              <a:fontRef idx="none"/>
+            </p:style>
+          </p:cxnSp>
+          <p:cxnSp>
+            <p:nvCxnSpPr>
+              <p:cNvPr id="55" name="Straight Arrow Connector 54">
+                <a:extLst>
+                  <a:ext uri="{FF2B5EF4-FFF2-40B4-BE49-F238E27FC236}">
+                    <a16:creationId xmlns:a16="http://schemas.microsoft.com/office/drawing/2014/main" id="{FAF362B1-9E94-D849-9594-3C3890FFD888}"/>
+                  </a:ext>
+                </a:extLst>
+              </p:cNvPr>
+              <p:cNvCxnSpPr>
+                <a:cxnSpLocks/>
+              </p:cNvCxnSpPr>
+              <p:nvPr/>
+            </p:nvCxnSpPr>
+            <p:spPr>
+              <a:xfrm flipH="1">
+                <a:off x="1662216" y="1338987"/>
+                <a:ext cx="137160" cy="0"/>
+              </a:xfrm>
+              <a:prstGeom prst="straightConnector1">
+                <a:avLst/>
+              </a:prstGeom>
+              <a:noFill/>
+              <a:ln w="25400" cap="flat">
+                <a:solidFill>
+                  <a:schemeClr val="tx1"/>
+                </a:solidFill>
+                <a:prstDash val="solid"/>
+                <a:bevel/>
+                <a:headEnd type="none"/>
+                <a:tailEnd type="none"/>
+              </a:ln>
+              <a:effectLst>
+                <a:outerShdw blurRad="38100" dist="20000" dir="5400000" rotWithShape="0">
+                  <a:srgbClr val="000000">
+                    <a:alpha val="38000"/>
+                  </a:srgbClr>
+                </a:outerShdw>
+              </a:effectLst>
+            </p:spPr>
+            <p:style>
+              <a:lnRef idx="0">
+                <a:scrgbClr r="0" g="0" b="0"/>
+              </a:lnRef>
+              <a:fillRef idx="0">
+                <a:scrgbClr r="0" g="0" b="0"/>
+              </a:fillRef>
+              <a:effectRef idx="0">
+                <a:scrgbClr r="0" g="0" b="0"/>
+              </a:effectRef>
+              <a:fontRef idx="none"/>
+            </p:style>
+          </p:cxnSp>
+          <p:cxnSp>
+            <p:nvCxnSpPr>
+              <p:cNvPr id="56" name="Straight Arrow Connector 55">
+                <a:extLst>
+                  <a:ext uri="{FF2B5EF4-FFF2-40B4-BE49-F238E27FC236}">
+                    <a16:creationId xmlns:a16="http://schemas.microsoft.com/office/drawing/2014/main" id="{234A8F57-A36E-2543-90A0-1507B5B34892}"/>
+                  </a:ext>
+                </a:extLst>
+              </p:cNvPr>
+              <p:cNvCxnSpPr>
+                <a:cxnSpLocks/>
+              </p:cNvCxnSpPr>
+              <p:nvPr/>
+            </p:nvCxnSpPr>
+            <p:spPr>
+              <a:xfrm flipH="1">
+                <a:off x="1644494" y="1533919"/>
+                <a:ext cx="137160" cy="0"/>
+              </a:xfrm>
+              <a:prstGeom prst="straightConnector1">
+                <a:avLst/>
+              </a:prstGeom>
+              <a:noFill/>
+              <a:ln w="25400" cap="flat">
+                <a:solidFill>
+                  <a:schemeClr val="tx1"/>
+                </a:solidFill>
+                <a:prstDash val="solid"/>
+                <a:bevel/>
+                <a:headEnd type="none"/>
+                <a:tailEnd type="none"/>
+              </a:ln>
+              <a:effectLst>
+                <a:outerShdw blurRad="38100" dist="20000" dir="5400000" rotWithShape="0">
+                  <a:srgbClr val="000000">
+                    <a:alpha val="38000"/>
+                  </a:srgbClr>
+                </a:outerShdw>
+              </a:effectLst>
+            </p:spPr>
+            <p:style>
+              <a:lnRef idx="0">
+                <a:scrgbClr r="0" g="0" b="0"/>
+              </a:lnRef>
+              <a:fillRef idx="0">
+                <a:scrgbClr r="0" g="0" b="0"/>
+              </a:fillRef>
+              <a:effectRef idx="0">
+                <a:scrgbClr r="0" g="0" b="0"/>
+              </a:effectRef>
+              <a:fontRef idx="none"/>
+            </p:style>
+          </p:cxnSp>
+          <p:cxnSp>
+            <p:nvCxnSpPr>
+              <p:cNvPr id="57" name="Straight Connector 56">
+                <a:extLst>
+                  <a:ext uri="{FF2B5EF4-FFF2-40B4-BE49-F238E27FC236}">
+                    <a16:creationId xmlns:a16="http://schemas.microsoft.com/office/drawing/2014/main" id="{08D7F040-3DC5-5148-8AB4-BF25C590050E}"/>
+                  </a:ext>
+                </a:extLst>
+              </p:cNvPr>
+              <p:cNvCxnSpPr/>
+              <p:nvPr/>
+            </p:nvCxnSpPr>
+            <p:spPr>
+              <a:xfrm>
+                <a:off x="1799375" y="908720"/>
+                <a:ext cx="0" cy="438061"/>
+              </a:xfrm>
+              <a:prstGeom prst="line">
+                <a:avLst/>
+              </a:prstGeom>
+              <a:noFill/>
+              <a:ln w="25400" cap="flat">
+                <a:solidFill>
+                  <a:schemeClr val="tx1"/>
+                </a:solidFill>
+                <a:prstDash val="solid"/>
+                <a:bevel/>
+              </a:ln>
+              <a:effectLst>
+                <a:outerShdw blurRad="38100" dist="20000" dir="5400000" rotWithShape="0">
+                  <a:srgbClr val="000000">
+                    <a:alpha val="38000"/>
+                  </a:srgbClr>
+                </a:outerShdw>
+              </a:effectLst>
+            </p:spPr>
+            <p:style>
+              <a:lnRef idx="0">
+                <a:scrgbClr r="0" g="0" b="0"/>
+              </a:lnRef>
+              <a:fillRef idx="0">
+                <a:scrgbClr r="0" g="0" b="0"/>
+              </a:fillRef>
+              <a:effectRef idx="0">
+                <a:scrgbClr r="0" g="0" b="0"/>
+              </a:effectRef>
+              <a:fontRef idx="none"/>
+            </p:style>
+          </p:cxnSp>
+        </p:grpSp>
+        <p:sp>
+          <p:nvSpPr>
+            <p:cNvPr id="59" name="Freeform 12">
+              <a:extLst>
+                <a:ext uri="{FF2B5EF4-FFF2-40B4-BE49-F238E27FC236}">
+                  <a16:creationId xmlns:a16="http://schemas.microsoft.com/office/drawing/2014/main" id="{3C6178BD-FC5A-2543-B856-10E5A2A92AB4}"/>
+                </a:ext>
+              </a:extLst>
+            </p:cNvPr>
+            <p:cNvSpPr>
+              <a:spLocks/>
+            </p:cNvSpPr>
+            <p:nvPr/>
+          </p:nvSpPr>
+          <p:spPr bwMode="auto">
+            <a:xfrm flipH="1">
+              <a:off x="980576" y="5457053"/>
+              <a:ext cx="182880" cy="548640"/>
+            </a:xfrm>
+            <a:custGeom>
+              <a:avLst/>
+              <a:gdLst/>
+              <a:ahLst/>
+              <a:cxnLst>
+                <a:cxn ang="0">
+                  <a:pos x="96" y="0"/>
+                </a:cxn>
+                <a:cxn ang="0">
+                  <a:pos x="96" y="192"/>
+                </a:cxn>
+                <a:cxn ang="0">
+                  <a:pos x="192" y="240"/>
+                </a:cxn>
+                <a:cxn ang="0">
+                  <a:pos x="0" y="336"/>
+                </a:cxn>
+                <a:cxn ang="0">
+                  <a:pos x="192" y="432"/>
+                </a:cxn>
+                <a:cxn ang="0">
+                  <a:pos x="0" y="528"/>
+                </a:cxn>
+                <a:cxn ang="0">
+                  <a:pos x="192" y="624"/>
+                </a:cxn>
+                <a:cxn ang="0">
+                  <a:pos x="0" y="720"/>
+                </a:cxn>
+                <a:cxn ang="0">
+                  <a:pos x="96" y="768"/>
+                </a:cxn>
+                <a:cxn ang="0">
+                  <a:pos x="96" y="960"/>
+                </a:cxn>
+              </a:cxnLst>
+              <a:rect l="0" t="0" r="r" b="b"/>
+              <a:pathLst>
+                <a:path w="192" h="960">
+                  <a:moveTo>
+                    <a:pt x="96" y="0"/>
+                  </a:moveTo>
+                  <a:lnTo>
+                    <a:pt x="96" y="192"/>
+                  </a:lnTo>
+                  <a:lnTo>
+                    <a:pt x="192" y="240"/>
+                  </a:lnTo>
+                  <a:lnTo>
+                    <a:pt x="0" y="336"/>
+                  </a:lnTo>
+                  <a:lnTo>
+                    <a:pt x="192" y="432"/>
+                  </a:lnTo>
+                  <a:lnTo>
+                    <a:pt x="0" y="528"/>
+                  </a:lnTo>
+                  <a:lnTo>
+                    <a:pt x="192" y="624"/>
+                  </a:lnTo>
+                  <a:lnTo>
+                    <a:pt x="0" y="720"/>
+                  </a:lnTo>
+                  <a:lnTo>
+                    <a:pt x="96" y="768"/>
+                  </a:lnTo>
+                  <a:lnTo>
+                    <a:pt x="96" y="960"/>
+                  </a:lnTo>
+                </a:path>
+              </a:pathLst>
+            </a:custGeom>
+            <a:noFill/>
+            <a:ln w="25400" cmpd="sng">
+              <a:solidFill>
+                <a:schemeClr val="tx1"/>
+              </a:solidFill>
+              <a:round/>
+              <a:headEnd/>
+              <a:tailEnd/>
+            </a:ln>
+            <a:effectLst/>
+          </p:spPr>
+          <p:txBody>
+            <a:bodyPr>
+              <a:prstTxWarp prst="textNoShape">
+                <a:avLst/>
+              </a:prstTxWarp>
+            </a:bodyPr>
+            <a:lstStyle/>
+            <a:p>
+              <a:endParaRPr lang="en-US" sz="1200"/>
+            </a:p>
+          </p:txBody>
+        </p:sp>
+        <p:sp>
+          <p:nvSpPr>
+            <p:cNvPr id="60" name="Freeform 12">
+              <a:extLst>
+                <a:ext uri="{FF2B5EF4-FFF2-40B4-BE49-F238E27FC236}">
+                  <a16:creationId xmlns:a16="http://schemas.microsoft.com/office/drawing/2014/main" id="{F026CE8D-7CC0-6946-BA83-B803EB0E7C81}"/>
+                </a:ext>
+              </a:extLst>
+            </p:cNvPr>
+            <p:cNvSpPr>
+              <a:spLocks/>
+            </p:cNvSpPr>
+            <p:nvPr/>
+          </p:nvSpPr>
+          <p:spPr bwMode="auto">
+            <a:xfrm flipH="1">
+              <a:off x="980576" y="4918573"/>
+              <a:ext cx="182880" cy="548640"/>
+            </a:xfrm>
+            <a:custGeom>
+              <a:avLst/>
+              <a:gdLst/>
+              <a:ahLst/>
+              <a:cxnLst>
+                <a:cxn ang="0">
+                  <a:pos x="96" y="0"/>
+                </a:cxn>
+                <a:cxn ang="0">
+                  <a:pos x="96" y="192"/>
+                </a:cxn>
+                <a:cxn ang="0">
+                  <a:pos x="192" y="240"/>
+                </a:cxn>
+                <a:cxn ang="0">
+                  <a:pos x="0" y="336"/>
+                </a:cxn>
+                <a:cxn ang="0">
+                  <a:pos x="192" y="432"/>
+                </a:cxn>
+                <a:cxn ang="0">
+                  <a:pos x="0" y="528"/>
+                </a:cxn>
+                <a:cxn ang="0">
+                  <a:pos x="192" y="624"/>
+                </a:cxn>
+                <a:cxn ang="0">
+                  <a:pos x="0" y="720"/>
+                </a:cxn>
+                <a:cxn ang="0">
+                  <a:pos x="96" y="768"/>
+                </a:cxn>
+                <a:cxn ang="0">
+                  <a:pos x="96" y="960"/>
+                </a:cxn>
+              </a:cxnLst>
+              <a:rect l="0" t="0" r="r" b="b"/>
+              <a:pathLst>
+                <a:path w="192" h="960">
+                  <a:moveTo>
+                    <a:pt x="96" y="0"/>
+                  </a:moveTo>
+                  <a:lnTo>
+                    <a:pt x="96" y="192"/>
+                  </a:lnTo>
+                  <a:lnTo>
+                    <a:pt x="192" y="240"/>
+                  </a:lnTo>
+                  <a:lnTo>
+                    <a:pt x="0" y="336"/>
+                  </a:lnTo>
+                  <a:lnTo>
+                    <a:pt x="192" y="432"/>
+                  </a:lnTo>
+                  <a:lnTo>
+                    <a:pt x="0" y="528"/>
+                  </a:lnTo>
+                  <a:lnTo>
+                    <a:pt x="192" y="624"/>
+                  </a:lnTo>
+                  <a:lnTo>
+                    <a:pt x="0" y="720"/>
+                  </a:lnTo>
+                  <a:lnTo>
+                    <a:pt x="96" y="768"/>
+                  </a:lnTo>
+                  <a:lnTo>
+                    <a:pt x="96" y="960"/>
+                  </a:lnTo>
+                </a:path>
+              </a:pathLst>
+            </a:custGeom>
+            <a:noFill/>
+            <a:ln w="25400" cmpd="sng">
+              <a:solidFill>
+                <a:schemeClr val="tx1"/>
+              </a:solidFill>
+              <a:round/>
+              <a:headEnd/>
+              <a:tailEnd/>
+            </a:ln>
+            <a:effectLst/>
+          </p:spPr>
+          <p:txBody>
+            <a:bodyPr>
+              <a:prstTxWarp prst="textNoShape">
+                <a:avLst/>
+              </a:prstTxWarp>
+            </a:bodyPr>
+            <a:lstStyle/>
+            <a:p>
+              <a:endParaRPr lang="en-US" sz="1200"/>
+            </a:p>
+          </p:txBody>
+        </p:sp>
+        <p:cxnSp>
+          <p:nvCxnSpPr>
+            <p:cNvPr id="61" name="Straight Connector 60">
+              <a:extLst>
+                <a:ext uri="{FF2B5EF4-FFF2-40B4-BE49-F238E27FC236}">
+                  <a16:creationId xmlns:a16="http://schemas.microsoft.com/office/drawing/2014/main" id="{A59241FD-9002-B748-987F-4F2F0A89520A}"/>
+                </a:ext>
+              </a:extLst>
+            </p:cNvPr>
+            <p:cNvCxnSpPr>
+              <a:cxnSpLocks/>
+            </p:cNvCxnSpPr>
+            <p:nvPr/>
+          </p:nvCxnSpPr>
+          <p:spPr>
+            <a:xfrm>
+              <a:off x="633429" y="5448806"/>
+              <a:ext cx="457200" cy="0"/>
+            </a:xfrm>
+            <a:prstGeom prst="line">
+              <a:avLst/>
+            </a:prstGeom>
+            <a:ln>
+              <a:solidFill>
+                <a:schemeClr val="tx1"/>
+              </a:solidFill>
+            </a:ln>
+          </p:spPr>
+          <p:style>
+            <a:lnRef idx="2">
+              <a:schemeClr val="accent1"/>
+            </a:lnRef>
+            <a:fillRef idx="0">
+              <a:schemeClr val="accent1"/>
+            </a:fillRef>
+            <a:effectRef idx="1">
+              <a:schemeClr val="accent1"/>
+            </a:effectRef>
+            <a:fontRef idx="minor">
+              <a:schemeClr val="tx1"/>
+            </a:fontRef>
+          </p:style>
+        </p:cxnSp>
+        <p:grpSp>
+          <p:nvGrpSpPr>
+            <p:cNvPr id="63" name="Group 210">
+              <a:extLst>
+                <a:ext uri="{FF2B5EF4-FFF2-40B4-BE49-F238E27FC236}">
+                  <a16:creationId xmlns:a16="http://schemas.microsoft.com/office/drawing/2014/main" id="{CE7C7E9B-F0B2-B146-A63F-85160E213384}"/>
+                </a:ext>
+              </a:extLst>
+            </p:cNvPr>
+            <p:cNvGrpSpPr>
+              <a:grpSpLocks/>
+            </p:cNvGrpSpPr>
+            <p:nvPr/>
+          </p:nvGrpSpPr>
+          <p:grpSpPr bwMode="auto">
+            <a:xfrm>
+              <a:off x="2024173" y="5721460"/>
+              <a:ext cx="274320" cy="548640"/>
+              <a:chOff x="3216" y="1728"/>
+              <a:chExt cx="192" cy="480"/>
+            </a:xfrm>
+          </p:grpSpPr>
+          <p:sp>
+            <p:nvSpPr>
+              <p:cNvPr id="64" name="Line 8">
+                <a:extLst>
+                  <a:ext uri="{FF2B5EF4-FFF2-40B4-BE49-F238E27FC236}">
+                    <a16:creationId xmlns:a16="http://schemas.microsoft.com/office/drawing/2014/main" id="{AB05D286-D416-3F4F-9908-67663F2553AD}"/>
+                  </a:ext>
+                </a:extLst>
+              </p:cNvPr>
+              <p:cNvSpPr>
+                <a:spLocks noChangeAspect="1" noChangeShapeType="1"/>
+              </p:cNvSpPr>
+              <p:nvPr/>
+            </p:nvSpPr>
+            <p:spPr bwMode="auto">
+              <a:xfrm>
+                <a:off x="3312" y="1728"/>
+                <a:ext cx="0" cy="216"/>
+              </a:xfrm>
+              <a:prstGeom prst="line">
+                <a:avLst/>
+              </a:prstGeom>
+              <a:noFill/>
+              <a:ln w="25400">
+                <a:solidFill>
+                  <a:schemeClr val="tx1"/>
+                </a:solidFill>
+                <a:round/>
+                <a:headEnd/>
+                <a:tailEnd/>
+              </a:ln>
+              <a:effectLst/>
+            </p:spPr>
+            <p:txBody>
+              <a:bodyPr>
+                <a:prstTxWarp prst="textNoShape">
+                  <a:avLst/>
+                </a:prstTxWarp>
+              </a:bodyPr>
+              <a:lstStyle/>
+              <a:p>
+                <a:endParaRPr lang="en-US" sz="1200"/>
+              </a:p>
+            </p:txBody>
+          </p:sp>
+          <p:sp>
+            <p:nvSpPr>
+              <p:cNvPr id="65" name="Line 9">
+                <a:extLst>
+                  <a:ext uri="{FF2B5EF4-FFF2-40B4-BE49-F238E27FC236}">
+                    <a16:creationId xmlns:a16="http://schemas.microsoft.com/office/drawing/2014/main" id="{20E371DC-631F-4B44-BB2F-6E0FAC04F7F2}"/>
+                  </a:ext>
+                </a:extLst>
+              </p:cNvPr>
+              <p:cNvSpPr>
+                <a:spLocks noChangeAspect="1" noChangeShapeType="1"/>
+              </p:cNvSpPr>
+              <p:nvPr/>
+            </p:nvSpPr>
+            <p:spPr bwMode="auto">
+              <a:xfrm>
+                <a:off x="3312" y="1992"/>
+                <a:ext cx="0" cy="216"/>
+              </a:xfrm>
+              <a:prstGeom prst="line">
+                <a:avLst/>
+              </a:prstGeom>
+              <a:noFill/>
+              <a:ln w="25400">
+                <a:solidFill>
+                  <a:schemeClr val="tx1"/>
+                </a:solidFill>
+                <a:round/>
+                <a:headEnd/>
+                <a:tailEnd/>
+              </a:ln>
+              <a:effectLst/>
+            </p:spPr>
+            <p:txBody>
+              <a:bodyPr>
+                <a:prstTxWarp prst="textNoShape">
+                  <a:avLst/>
+                </a:prstTxWarp>
+              </a:bodyPr>
+              <a:lstStyle/>
+              <a:p>
+                <a:endParaRPr lang="en-US" sz="1200"/>
+              </a:p>
+            </p:txBody>
+          </p:sp>
+          <p:sp>
+            <p:nvSpPr>
+              <p:cNvPr id="66" name="Line 10">
+                <a:extLst>
+                  <a:ext uri="{FF2B5EF4-FFF2-40B4-BE49-F238E27FC236}">
+                    <a16:creationId xmlns:a16="http://schemas.microsoft.com/office/drawing/2014/main" id="{75480980-C7C1-C545-8467-FD20AE98CB48}"/>
+                  </a:ext>
+                </a:extLst>
+              </p:cNvPr>
+              <p:cNvSpPr>
+                <a:spLocks noChangeAspect="1" noChangeShapeType="1"/>
+              </p:cNvSpPr>
+              <p:nvPr/>
+            </p:nvSpPr>
+            <p:spPr bwMode="auto">
+              <a:xfrm>
+                <a:off x="3216" y="1944"/>
+                <a:ext cx="192" cy="0"/>
+              </a:xfrm>
+              <a:prstGeom prst="line">
+                <a:avLst/>
+              </a:prstGeom>
+              <a:noFill/>
+              <a:ln w="25400">
+                <a:solidFill>
+                  <a:schemeClr val="tx1"/>
+                </a:solidFill>
+                <a:round/>
+                <a:headEnd/>
+                <a:tailEnd/>
+              </a:ln>
+              <a:effectLst/>
+            </p:spPr>
+            <p:txBody>
+              <a:bodyPr>
+                <a:prstTxWarp prst="textNoShape">
+                  <a:avLst/>
+                </a:prstTxWarp>
+              </a:bodyPr>
+              <a:lstStyle/>
+              <a:p>
+                <a:endParaRPr lang="en-US" sz="1200"/>
+              </a:p>
+            </p:txBody>
+          </p:sp>
+          <p:sp>
+            <p:nvSpPr>
+              <p:cNvPr id="67" name="Line 11">
+                <a:extLst>
+                  <a:ext uri="{FF2B5EF4-FFF2-40B4-BE49-F238E27FC236}">
+                    <a16:creationId xmlns:a16="http://schemas.microsoft.com/office/drawing/2014/main" id="{6CAC20C8-9584-0B40-900A-667F2EB1FAC6}"/>
+                  </a:ext>
+                </a:extLst>
+              </p:cNvPr>
+              <p:cNvSpPr>
+                <a:spLocks noChangeAspect="1" noChangeShapeType="1"/>
+              </p:cNvSpPr>
+              <p:nvPr/>
+            </p:nvSpPr>
+            <p:spPr bwMode="auto">
+              <a:xfrm>
+                <a:off x="3216" y="1992"/>
+                <a:ext cx="192" cy="0"/>
+              </a:xfrm>
+              <a:prstGeom prst="line">
+                <a:avLst/>
+              </a:prstGeom>
+              <a:noFill/>
+              <a:ln w="25400">
+                <a:solidFill>
+                  <a:schemeClr val="tx1"/>
+                </a:solidFill>
+                <a:round/>
+                <a:headEnd/>
+                <a:tailEnd/>
+              </a:ln>
+              <a:effectLst/>
+            </p:spPr>
+            <p:txBody>
+              <a:bodyPr>
+                <a:prstTxWarp prst="textNoShape">
+                  <a:avLst/>
+                </a:prstTxWarp>
+              </a:bodyPr>
+              <a:lstStyle/>
+              <a:p>
+                <a:endParaRPr lang="en-US" sz="1200"/>
+              </a:p>
+            </p:txBody>
+          </p:sp>
+        </p:grpSp>
+        <p:grpSp>
+          <p:nvGrpSpPr>
+            <p:cNvPr id="68" name="Group 210">
+              <a:extLst>
+                <a:ext uri="{FF2B5EF4-FFF2-40B4-BE49-F238E27FC236}">
+                  <a16:creationId xmlns:a16="http://schemas.microsoft.com/office/drawing/2014/main" id="{C82FBEF4-497F-4448-B7CF-0B9B88771BF3}"/>
+                </a:ext>
+              </a:extLst>
+            </p:cNvPr>
+            <p:cNvGrpSpPr>
+              <a:grpSpLocks/>
+            </p:cNvGrpSpPr>
+            <p:nvPr/>
+          </p:nvGrpSpPr>
+          <p:grpSpPr bwMode="auto">
+            <a:xfrm rot="5400000">
+              <a:off x="459160" y="5171821"/>
+              <a:ext cx="274320" cy="548640"/>
+              <a:chOff x="3216" y="1728"/>
+              <a:chExt cx="192" cy="480"/>
+            </a:xfrm>
+          </p:grpSpPr>
+          <p:sp>
+            <p:nvSpPr>
+              <p:cNvPr id="69" name="Line 8">
+                <a:extLst>
+                  <a:ext uri="{FF2B5EF4-FFF2-40B4-BE49-F238E27FC236}">
+                    <a16:creationId xmlns:a16="http://schemas.microsoft.com/office/drawing/2014/main" id="{9E3DEB7F-079E-6A48-B43D-04C5661C8BEF}"/>
+                  </a:ext>
+                </a:extLst>
+              </p:cNvPr>
+              <p:cNvSpPr>
+                <a:spLocks noChangeAspect="1" noChangeShapeType="1"/>
+              </p:cNvSpPr>
+              <p:nvPr/>
+            </p:nvSpPr>
+            <p:spPr bwMode="auto">
+              <a:xfrm>
+                <a:off x="3312" y="1728"/>
+                <a:ext cx="0" cy="200"/>
+              </a:xfrm>
+              <a:prstGeom prst="line">
+                <a:avLst/>
+              </a:prstGeom>
+              <a:noFill/>
+              <a:ln w="25400">
+                <a:solidFill>
+                  <a:schemeClr val="tx1"/>
+                </a:solidFill>
+                <a:round/>
+                <a:headEnd/>
+                <a:tailEnd/>
+              </a:ln>
+              <a:effectLst/>
+            </p:spPr>
+            <p:txBody>
+              <a:bodyPr>
+                <a:prstTxWarp prst="textNoShape">
+                  <a:avLst/>
+                </a:prstTxWarp>
+              </a:bodyPr>
+              <a:lstStyle/>
+              <a:p>
+                <a:endParaRPr lang="en-US" sz="1200"/>
+              </a:p>
+            </p:txBody>
+          </p:sp>
+          <p:sp>
+            <p:nvSpPr>
+              <p:cNvPr id="70" name="Line 9">
+                <a:extLst>
+                  <a:ext uri="{FF2B5EF4-FFF2-40B4-BE49-F238E27FC236}">
+                    <a16:creationId xmlns:a16="http://schemas.microsoft.com/office/drawing/2014/main" id="{63AA36F2-0518-6947-A5B1-73026AFDEA31}"/>
+                  </a:ext>
+                </a:extLst>
+              </p:cNvPr>
+              <p:cNvSpPr>
+                <a:spLocks noChangeAspect="1" noChangeShapeType="1"/>
+              </p:cNvSpPr>
+              <p:nvPr/>
+            </p:nvSpPr>
+            <p:spPr bwMode="auto">
+              <a:xfrm>
+                <a:off x="3312" y="1992"/>
+                <a:ext cx="0" cy="216"/>
+              </a:xfrm>
+              <a:prstGeom prst="line">
+                <a:avLst/>
+              </a:prstGeom>
+              <a:noFill/>
+              <a:ln w="25400">
+                <a:solidFill>
+                  <a:schemeClr val="tx1"/>
+                </a:solidFill>
+                <a:round/>
+                <a:headEnd/>
+                <a:tailEnd/>
+              </a:ln>
+              <a:effectLst/>
+            </p:spPr>
+            <p:txBody>
+              <a:bodyPr>
+                <a:prstTxWarp prst="textNoShape">
+                  <a:avLst/>
+                </a:prstTxWarp>
+              </a:bodyPr>
+              <a:lstStyle/>
+              <a:p>
+                <a:endParaRPr lang="en-US" sz="1200"/>
+              </a:p>
+            </p:txBody>
+          </p:sp>
+          <p:sp>
+            <p:nvSpPr>
+              <p:cNvPr id="71" name="Line 10">
+                <a:extLst>
+                  <a:ext uri="{FF2B5EF4-FFF2-40B4-BE49-F238E27FC236}">
+                    <a16:creationId xmlns:a16="http://schemas.microsoft.com/office/drawing/2014/main" id="{1C7984D6-BBAB-974D-801C-D719BB95FEA3}"/>
+                  </a:ext>
+                </a:extLst>
+              </p:cNvPr>
+              <p:cNvSpPr>
+                <a:spLocks noChangeAspect="1" noChangeShapeType="1"/>
+              </p:cNvSpPr>
+              <p:nvPr/>
+            </p:nvSpPr>
+            <p:spPr bwMode="auto">
+              <a:xfrm>
+                <a:off x="3216" y="1944"/>
+                <a:ext cx="192" cy="0"/>
+              </a:xfrm>
+              <a:prstGeom prst="line">
+                <a:avLst/>
+              </a:prstGeom>
+              <a:noFill/>
+              <a:ln w="25400">
+                <a:solidFill>
+                  <a:schemeClr val="tx1"/>
+                </a:solidFill>
+                <a:round/>
+                <a:headEnd/>
+                <a:tailEnd/>
+              </a:ln>
+              <a:effectLst/>
+            </p:spPr>
+            <p:txBody>
+              <a:bodyPr>
+                <a:prstTxWarp prst="textNoShape">
+                  <a:avLst/>
+                </a:prstTxWarp>
+              </a:bodyPr>
+              <a:lstStyle/>
+              <a:p>
+                <a:endParaRPr lang="en-US" sz="1200"/>
+              </a:p>
+            </p:txBody>
+          </p:sp>
+          <p:sp>
+            <p:nvSpPr>
+              <p:cNvPr id="72" name="Line 11">
+                <a:extLst>
+                  <a:ext uri="{FF2B5EF4-FFF2-40B4-BE49-F238E27FC236}">
+                    <a16:creationId xmlns:a16="http://schemas.microsoft.com/office/drawing/2014/main" id="{A1DE5BBD-8BD1-C74C-869C-30089FD4A8FC}"/>
+                  </a:ext>
+                </a:extLst>
+              </p:cNvPr>
+              <p:cNvSpPr>
+                <a:spLocks noChangeAspect="1" noChangeShapeType="1"/>
+              </p:cNvSpPr>
+              <p:nvPr/>
+            </p:nvSpPr>
+            <p:spPr bwMode="auto">
+              <a:xfrm>
+                <a:off x="3216" y="1992"/>
+                <a:ext cx="192" cy="0"/>
+              </a:xfrm>
+              <a:prstGeom prst="line">
+                <a:avLst/>
+              </a:prstGeom>
+              <a:noFill/>
+              <a:ln w="25400">
+                <a:solidFill>
+                  <a:schemeClr val="tx1"/>
+                </a:solidFill>
+                <a:round/>
+                <a:headEnd/>
+                <a:tailEnd/>
+              </a:ln>
+              <a:effectLst/>
+            </p:spPr>
+            <p:txBody>
+              <a:bodyPr>
+                <a:prstTxWarp prst="textNoShape">
+                  <a:avLst/>
+                </a:prstTxWarp>
+              </a:bodyPr>
+              <a:lstStyle/>
+              <a:p>
+                <a:endParaRPr lang="en-US" sz="1200"/>
+              </a:p>
+            </p:txBody>
+          </p:sp>
+        </p:grpSp>
+        <p:sp>
+          <p:nvSpPr>
+            <p:cNvPr id="73" name="TextBox 72">
+              <a:extLst>
+                <a:ext uri="{FF2B5EF4-FFF2-40B4-BE49-F238E27FC236}">
+                  <a16:creationId xmlns:a16="http://schemas.microsoft.com/office/drawing/2014/main" id="{8A84E96A-D990-A64B-A960-D299923C09E9}"/>
+                </a:ext>
+              </a:extLst>
+            </p:cNvPr>
+            <p:cNvSpPr txBox="1"/>
+            <p:nvPr/>
+          </p:nvSpPr>
+          <p:spPr>
+            <a:xfrm>
+              <a:off x="1395258" y="4699053"/>
+              <a:ext cx="327334" cy="369332"/>
+            </a:xfrm>
+            <a:prstGeom prst="rect">
+              <a:avLst/>
+            </a:prstGeom>
+            <a:noFill/>
+          </p:spPr>
+          <p:txBody>
+            <a:bodyPr wrap="none" rtlCol="0">
+              <a:spAutoFit/>
+            </a:bodyPr>
+            <a:lstStyle/>
+            <a:p>
+              <a:r>
+                <a:rPr lang="en-US" dirty="0"/>
+                <a:t>D</a:t>
+              </a:r>
+              <a:endParaRPr lang="en-US" baseline="-25000" dirty="0"/>
+            </a:p>
+          </p:txBody>
+        </p:sp>
+        <p:sp>
+          <p:nvSpPr>
+            <p:cNvPr id="74" name="Freeform 12">
+              <a:extLst>
+                <a:ext uri="{FF2B5EF4-FFF2-40B4-BE49-F238E27FC236}">
+                  <a16:creationId xmlns:a16="http://schemas.microsoft.com/office/drawing/2014/main" id="{9D200DF7-86CF-454B-898A-94E8C5DE1398}"/>
+                </a:ext>
+              </a:extLst>
+            </p:cNvPr>
+            <p:cNvSpPr>
+              <a:spLocks/>
+            </p:cNvSpPr>
+            <p:nvPr/>
+          </p:nvSpPr>
+          <p:spPr bwMode="auto">
+            <a:xfrm flipH="1">
+              <a:off x="1599769" y="4159198"/>
+              <a:ext cx="182880" cy="731520"/>
+            </a:xfrm>
+            <a:custGeom>
+              <a:avLst/>
+              <a:gdLst/>
+              <a:ahLst/>
+              <a:cxnLst>
+                <a:cxn ang="0">
+                  <a:pos x="96" y="0"/>
+                </a:cxn>
+                <a:cxn ang="0">
+                  <a:pos x="96" y="192"/>
+                </a:cxn>
+                <a:cxn ang="0">
+                  <a:pos x="192" y="240"/>
+                </a:cxn>
+                <a:cxn ang="0">
+                  <a:pos x="0" y="336"/>
+                </a:cxn>
+                <a:cxn ang="0">
+                  <a:pos x="192" y="432"/>
+                </a:cxn>
+                <a:cxn ang="0">
+                  <a:pos x="0" y="528"/>
+                </a:cxn>
+                <a:cxn ang="0">
+                  <a:pos x="192" y="624"/>
+                </a:cxn>
+                <a:cxn ang="0">
+                  <a:pos x="0" y="720"/>
+                </a:cxn>
+                <a:cxn ang="0">
+                  <a:pos x="96" y="768"/>
+                </a:cxn>
+                <a:cxn ang="0">
+                  <a:pos x="96" y="960"/>
+                </a:cxn>
+              </a:cxnLst>
+              <a:rect l="0" t="0" r="r" b="b"/>
+              <a:pathLst>
+                <a:path w="192" h="960">
+                  <a:moveTo>
+                    <a:pt x="96" y="0"/>
+                  </a:moveTo>
+                  <a:lnTo>
+                    <a:pt x="96" y="192"/>
+                  </a:lnTo>
+                  <a:lnTo>
+                    <a:pt x="192" y="240"/>
+                  </a:lnTo>
+                  <a:lnTo>
+                    <a:pt x="0" y="336"/>
+                  </a:lnTo>
+                  <a:lnTo>
+                    <a:pt x="192" y="432"/>
+                  </a:lnTo>
+                  <a:lnTo>
+                    <a:pt x="0" y="528"/>
+                  </a:lnTo>
+                  <a:lnTo>
+                    <a:pt x="192" y="624"/>
+                  </a:lnTo>
+                  <a:lnTo>
+                    <a:pt x="0" y="720"/>
+                  </a:lnTo>
+                  <a:lnTo>
+                    <a:pt x="96" y="768"/>
+                  </a:lnTo>
+                  <a:lnTo>
+                    <a:pt x="96" y="960"/>
+                  </a:lnTo>
+                </a:path>
+              </a:pathLst>
+            </a:custGeom>
+            <a:noFill/>
+            <a:ln w="25400" cmpd="sng">
+              <a:solidFill>
+                <a:schemeClr val="tx1"/>
+              </a:solidFill>
+              <a:round/>
+              <a:headEnd/>
+              <a:tailEnd/>
+            </a:ln>
+            <a:effectLst/>
+          </p:spPr>
+          <p:txBody>
+            <a:bodyPr>
+              <a:prstTxWarp prst="textNoShape">
+                <a:avLst/>
+              </a:prstTxWarp>
+            </a:bodyPr>
+            <a:lstStyle/>
+            <a:p>
+              <a:endParaRPr lang="en-US"/>
+            </a:p>
+          </p:txBody>
+        </p:sp>
+        <p:sp>
+          <p:nvSpPr>
+            <p:cNvPr id="76" name="Freeform 12">
+              <a:extLst>
+                <a:ext uri="{FF2B5EF4-FFF2-40B4-BE49-F238E27FC236}">
+                  <a16:creationId xmlns:a16="http://schemas.microsoft.com/office/drawing/2014/main" id="{761CDD6B-F3D5-E048-B2C4-3DC8EA5492FD}"/>
+                </a:ext>
+              </a:extLst>
+            </p:cNvPr>
+            <p:cNvSpPr>
+              <a:spLocks/>
+            </p:cNvSpPr>
+            <p:nvPr/>
+          </p:nvSpPr>
+          <p:spPr bwMode="auto">
+            <a:xfrm flipH="1">
+              <a:off x="1607724" y="5672045"/>
+              <a:ext cx="182880" cy="731520"/>
+            </a:xfrm>
+            <a:custGeom>
+              <a:avLst/>
+              <a:gdLst/>
+              <a:ahLst/>
+              <a:cxnLst>
+                <a:cxn ang="0">
+                  <a:pos x="96" y="0"/>
+                </a:cxn>
+                <a:cxn ang="0">
+                  <a:pos x="96" y="192"/>
+                </a:cxn>
+                <a:cxn ang="0">
+                  <a:pos x="192" y="240"/>
+                </a:cxn>
+                <a:cxn ang="0">
+                  <a:pos x="0" y="336"/>
+                </a:cxn>
+                <a:cxn ang="0">
+                  <a:pos x="192" y="432"/>
+                </a:cxn>
+                <a:cxn ang="0">
+                  <a:pos x="0" y="528"/>
+                </a:cxn>
+                <a:cxn ang="0">
+                  <a:pos x="192" y="624"/>
+                </a:cxn>
+                <a:cxn ang="0">
+                  <a:pos x="0" y="720"/>
+                </a:cxn>
+                <a:cxn ang="0">
+                  <a:pos x="96" y="768"/>
+                </a:cxn>
+                <a:cxn ang="0">
+                  <a:pos x="96" y="960"/>
+                </a:cxn>
+              </a:cxnLst>
+              <a:rect l="0" t="0" r="r" b="b"/>
+              <a:pathLst>
+                <a:path w="192" h="960">
+                  <a:moveTo>
+                    <a:pt x="96" y="0"/>
+                  </a:moveTo>
+                  <a:lnTo>
+                    <a:pt x="96" y="192"/>
+                  </a:lnTo>
+                  <a:lnTo>
+                    <a:pt x="192" y="240"/>
+                  </a:lnTo>
+                  <a:lnTo>
+                    <a:pt x="0" y="336"/>
+                  </a:lnTo>
+                  <a:lnTo>
+                    <a:pt x="192" y="432"/>
+                  </a:lnTo>
+                  <a:lnTo>
+                    <a:pt x="0" y="528"/>
+                  </a:lnTo>
+                  <a:lnTo>
+                    <a:pt x="192" y="624"/>
+                  </a:lnTo>
+                  <a:lnTo>
+                    <a:pt x="0" y="720"/>
+                  </a:lnTo>
+                  <a:lnTo>
+                    <a:pt x="96" y="768"/>
+                  </a:lnTo>
+                  <a:lnTo>
+                    <a:pt x="96" y="960"/>
+                  </a:lnTo>
+                </a:path>
+              </a:pathLst>
+            </a:custGeom>
+            <a:noFill/>
+            <a:ln w="25400" cmpd="sng">
+              <a:solidFill>
+                <a:schemeClr val="tx1"/>
+              </a:solidFill>
+              <a:round/>
+              <a:headEnd/>
+              <a:tailEnd/>
+            </a:ln>
+            <a:effectLst/>
+          </p:spPr>
+          <p:txBody>
+            <a:bodyPr>
+              <a:prstTxWarp prst="textNoShape">
+                <a:avLst/>
+              </a:prstTxWarp>
+            </a:bodyPr>
+            <a:lstStyle/>
+            <a:p>
+              <a:endParaRPr lang="en-US"/>
+            </a:p>
+          </p:txBody>
+        </p:sp>
+        <p:grpSp>
+          <p:nvGrpSpPr>
+            <p:cNvPr id="77" name="Group 222">
+              <a:extLst>
+                <a:ext uri="{FF2B5EF4-FFF2-40B4-BE49-F238E27FC236}">
+                  <a16:creationId xmlns:a16="http://schemas.microsoft.com/office/drawing/2014/main" id="{DE598383-0C97-ED4A-ACB5-06BBE300E3CB}"/>
+                </a:ext>
+              </a:extLst>
+            </p:cNvPr>
+            <p:cNvGrpSpPr>
+              <a:grpSpLocks/>
+            </p:cNvGrpSpPr>
+            <p:nvPr/>
+          </p:nvGrpSpPr>
+          <p:grpSpPr bwMode="auto">
+            <a:xfrm>
+              <a:off x="2009287" y="6139285"/>
+              <a:ext cx="304800" cy="381000"/>
+              <a:chOff x="4272" y="3072"/>
+              <a:chExt cx="192" cy="240"/>
+            </a:xfrm>
+          </p:grpSpPr>
+          <p:sp>
+            <p:nvSpPr>
+              <p:cNvPr id="78" name="Line 99">
+                <a:extLst>
+                  <a:ext uri="{FF2B5EF4-FFF2-40B4-BE49-F238E27FC236}">
+                    <a16:creationId xmlns:a16="http://schemas.microsoft.com/office/drawing/2014/main" id="{FB655679-B3CD-0446-B741-3C9484EFFB2D}"/>
+                  </a:ext>
+                </a:extLst>
+              </p:cNvPr>
+              <p:cNvSpPr>
+                <a:spLocks noChangeAspect="1" noChangeShapeType="1"/>
+              </p:cNvSpPr>
+              <p:nvPr/>
+            </p:nvSpPr>
+            <p:spPr bwMode="auto">
+              <a:xfrm>
+                <a:off x="4272" y="3216"/>
+                <a:ext cx="192" cy="0"/>
+              </a:xfrm>
+              <a:prstGeom prst="line">
+                <a:avLst/>
+              </a:prstGeom>
+              <a:noFill/>
+              <a:ln w="25400">
+                <a:solidFill>
+                  <a:schemeClr val="tx1"/>
+                </a:solidFill>
+                <a:round/>
+                <a:headEnd/>
+                <a:tailEnd/>
+              </a:ln>
+            </p:spPr>
+            <p:txBody>
+              <a:bodyPr>
+                <a:prstTxWarp prst="textNoShape">
+                  <a:avLst/>
+                </a:prstTxWarp>
+              </a:bodyPr>
+              <a:lstStyle/>
+              <a:p>
+                <a:endParaRPr lang="en-US"/>
+              </a:p>
+            </p:txBody>
+          </p:sp>
+          <p:sp>
+            <p:nvSpPr>
+              <p:cNvPr id="79" name="Line 100">
+                <a:extLst>
+                  <a:ext uri="{FF2B5EF4-FFF2-40B4-BE49-F238E27FC236}">
+                    <a16:creationId xmlns:a16="http://schemas.microsoft.com/office/drawing/2014/main" id="{C7458B6D-CEA7-0E40-A47D-CA9FF165B9B7}"/>
+                  </a:ext>
+                </a:extLst>
+              </p:cNvPr>
+              <p:cNvSpPr>
+                <a:spLocks noChangeAspect="1" noChangeShapeType="1"/>
+              </p:cNvSpPr>
+              <p:nvPr/>
+            </p:nvSpPr>
+            <p:spPr bwMode="auto">
+              <a:xfrm>
+                <a:off x="4368" y="3072"/>
+                <a:ext cx="0" cy="144"/>
+              </a:xfrm>
+              <a:prstGeom prst="line">
+                <a:avLst/>
+              </a:prstGeom>
+              <a:noFill/>
+              <a:ln w="25400">
+                <a:solidFill>
+                  <a:schemeClr val="tx1"/>
+                </a:solidFill>
+                <a:round/>
+                <a:headEnd/>
+                <a:tailEnd/>
+              </a:ln>
+            </p:spPr>
+            <p:txBody>
+              <a:bodyPr>
+                <a:prstTxWarp prst="textNoShape">
+                  <a:avLst/>
+                </a:prstTxWarp>
+              </a:bodyPr>
+              <a:lstStyle/>
+              <a:p>
+                <a:endParaRPr lang="en-US"/>
+              </a:p>
+            </p:txBody>
+          </p:sp>
+          <p:sp>
+            <p:nvSpPr>
+              <p:cNvPr id="80" name="Line 101">
+                <a:extLst>
+                  <a:ext uri="{FF2B5EF4-FFF2-40B4-BE49-F238E27FC236}">
+                    <a16:creationId xmlns:a16="http://schemas.microsoft.com/office/drawing/2014/main" id="{01BDF25F-D7B3-CD4F-983F-3C01DF734C87}"/>
+                  </a:ext>
+                </a:extLst>
+              </p:cNvPr>
+              <p:cNvSpPr>
+                <a:spLocks noChangeAspect="1" noChangeShapeType="1"/>
+              </p:cNvSpPr>
+              <p:nvPr/>
+            </p:nvSpPr>
+            <p:spPr bwMode="auto">
+              <a:xfrm>
+                <a:off x="4296" y="3240"/>
+                <a:ext cx="144" cy="0"/>
+              </a:xfrm>
+              <a:prstGeom prst="line">
+                <a:avLst/>
+              </a:prstGeom>
+              <a:noFill/>
+              <a:ln w="25400">
+                <a:solidFill>
+                  <a:schemeClr val="tx1"/>
+                </a:solidFill>
+                <a:round/>
+                <a:headEnd/>
+                <a:tailEnd/>
+              </a:ln>
+            </p:spPr>
+            <p:txBody>
+              <a:bodyPr>
+                <a:prstTxWarp prst="textNoShape">
+                  <a:avLst/>
+                </a:prstTxWarp>
+              </a:bodyPr>
+              <a:lstStyle/>
+              <a:p>
+                <a:endParaRPr lang="en-US"/>
+              </a:p>
+            </p:txBody>
+          </p:sp>
+          <p:sp>
+            <p:nvSpPr>
+              <p:cNvPr id="81" name="Line 102">
+                <a:extLst>
+                  <a:ext uri="{FF2B5EF4-FFF2-40B4-BE49-F238E27FC236}">
+                    <a16:creationId xmlns:a16="http://schemas.microsoft.com/office/drawing/2014/main" id="{0A01FDE3-DCA4-C041-B811-488F75CDA8DF}"/>
+                  </a:ext>
+                </a:extLst>
+              </p:cNvPr>
+              <p:cNvSpPr>
+                <a:spLocks noChangeAspect="1" noChangeShapeType="1"/>
+              </p:cNvSpPr>
+              <p:nvPr/>
+            </p:nvSpPr>
+            <p:spPr bwMode="auto">
+              <a:xfrm>
+                <a:off x="4320" y="3264"/>
+                <a:ext cx="96" cy="0"/>
+              </a:xfrm>
+              <a:prstGeom prst="line">
+                <a:avLst/>
+              </a:prstGeom>
+              <a:noFill/>
+              <a:ln w="25400">
+                <a:solidFill>
+                  <a:schemeClr val="tx1"/>
+                </a:solidFill>
+                <a:round/>
+                <a:headEnd/>
+                <a:tailEnd/>
+              </a:ln>
+            </p:spPr>
+            <p:txBody>
+              <a:bodyPr>
+                <a:prstTxWarp prst="textNoShape">
+                  <a:avLst/>
+                </a:prstTxWarp>
+              </a:bodyPr>
+              <a:lstStyle/>
+              <a:p>
+                <a:endParaRPr lang="en-US"/>
+              </a:p>
+            </p:txBody>
+          </p:sp>
+          <p:sp>
+            <p:nvSpPr>
+              <p:cNvPr id="82" name="Line 103">
+                <a:extLst>
+                  <a:ext uri="{FF2B5EF4-FFF2-40B4-BE49-F238E27FC236}">
+                    <a16:creationId xmlns:a16="http://schemas.microsoft.com/office/drawing/2014/main" id="{40875CC5-36D1-7640-9A4A-BA1F5F1BFFE8}"/>
+                  </a:ext>
+                </a:extLst>
+              </p:cNvPr>
+              <p:cNvSpPr>
+                <a:spLocks noChangeAspect="1" noChangeShapeType="1"/>
+              </p:cNvSpPr>
+              <p:nvPr/>
+            </p:nvSpPr>
+            <p:spPr bwMode="auto">
+              <a:xfrm>
+                <a:off x="4344" y="3288"/>
+                <a:ext cx="48" cy="0"/>
+              </a:xfrm>
+              <a:prstGeom prst="line">
+                <a:avLst/>
+              </a:prstGeom>
+              <a:noFill/>
+              <a:ln w="25400">
+                <a:solidFill>
+                  <a:schemeClr val="tx1"/>
+                </a:solidFill>
+                <a:round/>
+                <a:headEnd/>
+                <a:tailEnd/>
+              </a:ln>
+            </p:spPr>
+            <p:txBody>
+              <a:bodyPr>
+                <a:prstTxWarp prst="textNoShape">
+                  <a:avLst/>
+                </a:prstTxWarp>
+              </a:bodyPr>
+              <a:lstStyle/>
+              <a:p>
+                <a:endParaRPr lang="en-US"/>
+              </a:p>
+            </p:txBody>
+          </p:sp>
+          <p:sp>
+            <p:nvSpPr>
+              <p:cNvPr id="83" name="Line 104">
+                <a:extLst>
+                  <a:ext uri="{FF2B5EF4-FFF2-40B4-BE49-F238E27FC236}">
+                    <a16:creationId xmlns:a16="http://schemas.microsoft.com/office/drawing/2014/main" id="{C501C4AC-3234-DB48-A637-BDF1D9211427}"/>
+                  </a:ext>
+                </a:extLst>
+              </p:cNvPr>
+              <p:cNvSpPr>
+                <a:spLocks noChangeAspect="1" noChangeShapeType="1"/>
+              </p:cNvSpPr>
+              <p:nvPr/>
+            </p:nvSpPr>
+            <p:spPr bwMode="auto">
+              <a:xfrm flipH="1">
+                <a:off x="4365" y="3312"/>
+                <a:ext cx="5" cy="0"/>
+              </a:xfrm>
+              <a:prstGeom prst="line">
+                <a:avLst/>
+              </a:prstGeom>
+              <a:noFill/>
+              <a:ln w="25400">
+                <a:solidFill>
+                  <a:schemeClr val="tx1"/>
+                </a:solidFill>
+                <a:round/>
+                <a:headEnd/>
+                <a:tailEnd/>
+              </a:ln>
+            </p:spPr>
+            <p:txBody>
+              <a:bodyPr>
+                <a:prstTxWarp prst="textNoShape">
+                  <a:avLst/>
+                </a:prstTxWarp>
+              </a:bodyPr>
+              <a:lstStyle/>
+              <a:p>
+                <a:endParaRPr lang="en-US"/>
+              </a:p>
+            </p:txBody>
+          </p:sp>
+        </p:grpSp>
+        <p:grpSp>
+          <p:nvGrpSpPr>
+            <p:cNvPr id="84" name="Group 222">
+              <a:extLst>
+                <a:ext uri="{FF2B5EF4-FFF2-40B4-BE49-F238E27FC236}">
+                  <a16:creationId xmlns:a16="http://schemas.microsoft.com/office/drawing/2014/main" id="{5A339066-107E-334C-975A-177362CF9785}"/>
+                </a:ext>
+              </a:extLst>
+            </p:cNvPr>
+            <p:cNvGrpSpPr>
+              <a:grpSpLocks/>
+            </p:cNvGrpSpPr>
+            <p:nvPr/>
+          </p:nvGrpSpPr>
+          <p:grpSpPr bwMode="auto">
+            <a:xfrm>
+              <a:off x="1548372" y="6291685"/>
+              <a:ext cx="304800" cy="381000"/>
+              <a:chOff x="4272" y="3072"/>
+              <a:chExt cx="192" cy="240"/>
+            </a:xfrm>
+          </p:grpSpPr>
+          <p:sp>
+            <p:nvSpPr>
+              <p:cNvPr id="85" name="Line 99">
+                <a:extLst>
+                  <a:ext uri="{FF2B5EF4-FFF2-40B4-BE49-F238E27FC236}">
+                    <a16:creationId xmlns:a16="http://schemas.microsoft.com/office/drawing/2014/main" id="{7E3E362E-066E-4B4E-80B9-4BD4F7EA905C}"/>
+                  </a:ext>
+                </a:extLst>
+              </p:cNvPr>
+              <p:cNvSpPr>
+                <a:spLocks noChangeAspect="1" noChangeShapeType="1"/>
+              </p:cNvSpPr>
+              <p:nvPr/>
+            </p:nvSpPr>
+            <p:spPr bwMode="auto">
+              <a:xfrm>
+                <a:off x="4272" y="3216"/>
+                <a:ext cx="192" cy="0"/>
+              </a:xfrm>
+              <a:prstGeom prst="line">
+                <a:avLst/>
+              </a:prstGeom>
+              <a:noFill/>
+              <a:ln w="25400">
+                <a:solidFill>
+                  <a:schemeClr val="tx1"/>
+                </a:solidFill>
+                <a:round/>
+                <a:headEnd/>
+                <a:tailEnd/>
+              </a:ln>
+            </p:spPr>
+            <p:txBody>
+              <a:bodyPr>
+                <a:prstTxWarp prst="textNoShape">
+                  <a:avLst/>
+                </a:prstTxWarp>
+              </a:bodyPr>
+              <a:lstStyle/>
+              <a:p>
+                <a:endParaRPr lang="en-US"/>
+              </a:p>
+            </p:txBody>
+          </p:sp>
+          <p:sp>
+            <p:nvSpPr>
+              <p:cNvPr id="86" name="Line 100">
+                <a:extLst>
+                  <a:ext uri="{FF2B5EF4-FFF2-40B4-BE49-F238E27FC236}">
+                    <a16:creationId xmlns:a16="http://schemas.microsoft.com/office/drawing/2014/main" id="{65BC2ACE-F79C-454D-90E2-99A539D4574E}"/>
+                  </a:ext>
+                </a:extLst>
+              </p:cNvPr>
+              <p:cNvSpPr>
+                <a:spLocks noChangeAspect="1" noChangeShapeType="1"/>
+              </p:cNvSpPr>
+              <p:nvPr/>
+            </p:nvSpPr>
+            <p:spPr bwMode="auto">
+              <a:xfrm>
+                <a:off x="4368" y="3072"/>
+                <a:ext cx="0" cy="144"/>
+              </a:xfrm>
+              <a:prstGeom prst="line">
+                <a:avLst/>
+              </a:prstGeom>
+              <a:noFill/>
+              <a:ln w="25400">
+                <a:solidFill>
+                  <a:schemeClr val="tx1"/>
+                </a:solidFill>
+                <a:round/>
+                <a:headEnd/>
+                <a:tailEnd/>
+              </a:ln>
+            </p:spPr>
+            <p:txBody>
+              <a:bodyPr>
+                <a:prstTxWarp prst="textNoShape">
+                  <a:avLst/>
+                </a:prstTxWarp>
+              </a:bodyPr>
+              <a:lstStyle/>
+              <a:p>
+                <a:endParaRPr lang="en-US"/>
+              </a:p>
+            </p:txBody>
+          </p:sp>
+          <p:sp>
+            <p:nvSpPr>
+              <p:cNvPr id="87" name="Line 101">
+                <a:extLst>
+                  <a:ext uri="{FF2B5EF4-FFF2-40B4-BE49-F238E27FC236}">
+                    <a16:creationId xmlns:a16="http://schemas.microsoft.com/office/drawing/2014/main" id="{4CC49B99-E474-0E41-9B8E-704088898FA0}"/>
+                  </a:ext>
+                </a:extLst>
+              </p:cNvPr>
+              <p:cNvSpPr>
+                <a:spLocks noChangeAspect="1" noChangeShapeType="1"/>
+              </p:cNvSpPr>
+              <p:nvPr/>
+            </p:nvSpPr>
+            <p:spPr bwMode="auto">
+              <a:xfrm>
+                <a:off x="4296" y="3240"/>
+                <a:ext cx="144" cy="0"/>
+              </a:xfrm>
+              <a:prstGeom prst="line">
+                <a:avLst/>
+              </a:prstGeom>
+              <a:noFill/>
+              <a:ln w="25400">
+                <a:solidFill>
+                  <a:schemeClr val="tx1"/>
+                </a:solidFill>
+                <a:round/>
+                <a:headEnd/>
+                <a:tailEnd/>
+              </a:ln>
+            </p:spPr>
+            <p:txBody>
+              <a:bodyPr>
+                <a:prstTxWarp prst="textNoShape">
+                  <a:avLst/>
+                </a:prstTxWarp>
+              </a:bodyPr>
+              <a:lstStyle/>
+              <a:p>
+                <a:endParaRPr lang="en-US"/>
+              </a:p>
+            </p:txBody>
+          </p:sp>
+          <p:sp>
+            <p:nvSpPr>
+              <p:cNvPr id="88" name="Line 102">
+                <a:extLst>
+                  <a:ext uri="{FF2B5EF4-FFF2-40B4-BE49-F238E27FC236}">
+                    <a16:creationId xmlns:a16="http://schemas.microsoft.com/office/drawing/2014/main" id="{CF16907C-05B7-D74A-B9F7-E39CF5D2942B}"/>
+                  </a:ext>
+                </a:extLst>
+              </p:cNvPr>
+              <p:cNvSpPr>
+                <a:spLocks noChangeAspect="1" noChangeShapeType="1"/>
+              </p:cNvSpPr>
+              <p:nvPr/>
+            </p:nvSpPr>
+            <p:spPr bwMode="auto">
+              <a:xfrm>
+                <a:off x="4320" y="3264"/>
+                <a:ext cx="96" cy="0"/>
+              </a:xfrm>
+              <a:prstGeom prst="line">
+                <a:avLst/>
+              </a:prstGeom>
+              <a:noFill/>
+              <a:ln w="25400">
+                <a:solidFill>
+                  <a:schemeClr val="tx1"/>
+                </a:solidFill>
+                <a:round/>
+                <a:headEnd/>
+                <a:tailEnd/>
+              </a:ln>
+            </p:spPr>
+            <p:txBody>
+              <a:bodyPr>
+                <a:prstTxWarp prst="textNoShape">
+                  <a:avLst/>
+                </a:prstTxWarp>
+              </a:bodyPr>
+              <a:lstStyle/>
+              <a:p>
+                <a:endParaRPr lang="en-US"/>
+              </a:p>
+            </p:txBody>
+          </p:sp>
+          <p:sp>
+            <p:nvSpPr>
+              <p:cNvPr id="89" name="Line 103">
+                <a:extLst>
+                  <a:ext uri="{FF2B5EF4-FFF2-40B4-BE49-F238E27FC236}">
+                    <a16:creationId xmlns:a16="http://schemas.microsoft.com/office/drawing/2014/main" id="{CC8B616D-5995-AB4A-A0F0-A6C0EA1A7A8B}"/>
+                  </a:ext>
+                </a:extLst>
+              </p:cNvPr>
+              <p:cNvSpPr>
+                <a:spLocks noChangeAspect="1" noChangeShapeType="1"/>
+              </p:cNvSpPr>
+              <p:nvPr/>
+            </p:nvSpPr>
+            <p:spPr bwMode="auto">
+              <a:xfrm>
+                <a:off x="4344" y="3288"/>
+                <a:ext cx="48" cy="0"/>
+              </a:xfrm>
+              <a:prstGeom prst="line">
+                <a:avLst/>
+              </a:prstGeom>
+              <a:noFill/>
+              <a:ln w="25400">
+                <a:solidFill>
+                  <a:schemeClr val="tx1"/>
+                </a:solidFill>
+                <a:round/>
+                <a:headEnd/>
+                <a:tailEnd/>
+              </a:ln>
+            </p:spPr>
+            <p:txBody>
+              <a:bodyPr>
+                <a:prstTxWarp prst="textNoShape">
+                  <a:avLst/>
+                </a:prstTxWarp>
+              </a:bodyPr>
+              <a:lstStyle/>
+              <a:p>
+                <a:endParaRPr lang="en-US"/>
+              </a:p>
+            </p:txBody>
+          </p:sp>
+          <p:sp>
+            <p:nvSpPr>
+              <p:cNvPr id="90" name="Line 104">
+                <a:extLst>
+                  <a:ext uri="{FF2B5EF4-FFF2-40B4-BE49-F238E27FC236}">
+                    <a16:creationId xmlns:a16="http://schemas.microsoft.com/office/drawing/2014/main" id="{633EE715-5D57-F949-BF54-62735982A10B}"/>
+                  </a:ext>
+                </a:extLst>
+              </p:cNvPr>
+              <p:cNvSpPr>
+                <a:spLocks noChangeAspect="1" noChangeShapeType="1"/>
+              </p:cNvSpPr>
+              <p:nvPr/>
+            </p:nvSpPr>
+            <p:spPr bwMode="auto">
+              <a:xfrm flipH="1">
+                <a:off x="4365" y="3312"/>
+                <a:ext cx="5" cy="0"/>
+              </a:xfrm>
+              <a:prstGeom prst="line">
+                <a:avLst/>
+              </a:prstGeom>
+              <a:noFill/>
+              <a:ln w="25400">
+                <a:solidFill>
+                  <a:schemeClr val="tx1"/>
+                </a:solidFill>
+                <a:round/>
+                <a:headEnd/>
+                <a:tailEnd/>
+              </a:ln>
+            </p:spPr>
+            <p:txBody>
+              <a:bodyPr>
+                <a:prstTxWarp prst="textNoShape">
+                  <a:avLst/>
+                </a:prstTxWarp>
+              </a:bodyPr>
+              <a:lstStyle/>
+              <a:p>
+                <a:endParaRPr lang="en-US"/>
+              </a:p>
+            </p:txBody>
+          </p:sp>
+        </p:grpSp>
+        <p:grpSp>
+          <p:nvGrpSpPr>
+            <p:cNvPr id="91" name="Group 222">
+              <a:extLst>
+                <a:ext uri="{FF2B5EF4-FFF2-40B4-BE49-F238E27FC236}">
+                  <a16:creationId xmlns:a16="http://schemas.microsoft.com/office/drawing/2014/main" id="{ED5ADDA1-A382-BA4D-8FDF-015AC44EB86D}"/>
+                </a:ext>
+              </a:extLst>
+            </p:cNvPr>
+            <p:cNvGrpSpPr>
+              <a:grpSpLocks/>
+            </p:cNvGrpSpPr>
+            <p:nvPr/>
+          </p:nvGrpSpPr>
+          <p:grpSpPr bwMode="auto">
+            <a:xfrm>
+              <a:off x="920190" y="5975738"/>
+              <a:ext cx="304800" cy="381000"/>
+              <a:chOff x="4272" y="3072"/>
+              <a:chExt cx="192" cy="240"/>
+            </a:xfrm>
+          </p:grpSpPr>
+          <p:sp>
+            <p:nvSpPr>
+              <p:cNvPr id="92" name="Line 99">
+                <a:extLst>
+                  <a:ext uri="{FF2B5EF4-FFF2-40B4-BE49-F238E27FC236}">
+                    <a16:creationId xmlns:a16="http://schemas.microsoft.com/office/drawing/2014/main" id="{43333F6C-BC4C-6742-88EF-C3BD200EA8D7}"/>
+                  </a:ext>
+                </a:extLst>
+              </p:cNvPr>
+              <p:cNvSpPr>
+                <a:spLocks noChangeAspect="1" noChangeShapeType="1"/>
+              </p:cNvSpPr>
+              <p:nvPr/>
+            </p:nvSpPr>
+            <p:spPr bwMode="auto">
+              <a:xfrm>
+                <a:off x="4272" y="3216"/>
+                <a:ext cx="192" cy="0"/>
+              </a:xfrm>
+              <a:prstGeom prst="line">
+                <a:avLst/>
+              </a:prstGeom>
+              <a:noFill/>
+              <a:ln w="25400">
+                <a:solidFill>
+                  <a:schemeClr val="tx1"/>
+                </a:solidFill>
+                <a:round/>
+                <a:headEnd/>
+                <a:tailEnd/>
+              </a:ln>
+            </p:spPr>
+            <p:txBody>
+              <a:bodyPr>
+                <a:prstTxWarp prst="textNoShape">
+                  <a:avLst/>
+                </a:prstTxWarp>
+              </a:bodyPr>
+              <a:lstStyle/>
+              <a:p>
+                <a:endParaRPr lang="en-US"/>
+              </a:p>
+            </p:txBody>
+          </p:sp>
+          <p:sp>
+            <p:nvSpPr>
+              <p:cNvPr id="93" name="Line 100">
+                <a:extLst>
+                  <a:ext uri="{FF2B5EF4-FFF2-40B4-BE49-F238E27FC236}">
+                    <a16:creationId xmlns:a16="http://schemas.microsoft.com/office/drawing/2014/main" id="{5B2F6494-DA9A-CB46-B870-AAD8E6213708}"/>
+                  </a:ext>
+                </a:extLst>
+              </p:cNvPr>
+              <p:cNvSpPr>
+                <a:spLocks noChangeAspect="1" noChangeShapeType="1"/>
+              </p:cNvSpPr>
+              <p:nvPr/>
+            </p:nvSpPr>
+            <p:spPr bwMode="auto">
+              <a:xfrm>
+                <a:off x="4368" y="3072"/>
+                <a:ext cx="0" cy="144"/>
+              </a:xfrm>
+              <a:prstGeom prst="line">
+                <a:avLst/>
+              </a:prstGeom>
+              <a:noFill/>
+              <a:ln w="25400">
+                <a:solidFill>
+                  <a:schemeClr val="tx1"/>
+                </a:solidFill>
+                <a:round/>
+                <a:headEnd/>
+                <a:tailEnd/>
+              </a:ln>
+            </p:spPr>
+            <p:txBody>
+              <a:bodyPr>
+                <a:prstTxWarp prst="textNoShape">
+                  <a:avLst/>
+                </a:prstTxWarp>
+              </a:bodyPr>
+              <a:lstStyle/>
+              <a:p>
+                <a:endParaRPr lang="en-US"/>
+              </a:p>
+            </p:txBody>
+          </p:sp>
+          <p:sp>
+            <p:nvSpPr>
+              <p:cNvPr id="94" name="Line 101">
+                <a:extLst>
+                  <a:ext uri="{FF2B5EF4-FFF2-40B4-BE49-F238E27FC236}">
+                    <a16:creationId xmlns:a16="http://schemas.microsoft.com/office/drawing/2014/main" id="{55A333AB-A09B-0F4E-9F18-6D87762D3BCD}"/>
+                  </a:ext>
+                </a:extLst>
+              </p:cNvPr>
+              <p:cNvSpPr>
+                <a:spLocks noChangeAspect="1" noChangeShapeType="1"/>
+              </p:cNvSpPr>
+              <p:nvPr/>
+            </p:nvSpPr>
+            <p:spPr bwMode="auto">
+              <a:xfrm>
+                <a:off x="4296" y="3240"/>
+                <a:ext cx="144" cy="0"/>
+              </a:xfrm>
+              <a:prstGeom prst="line">
+                <a:avLst/>
+              </a:prstGeom>
+              <a:noFill/>
+              <a:ln w="25400">
+                <a:solidFill>
+                  <a:schemeClr val="tx1"/>
+                </a:solidFill>
+                <a:round/>
+                <a:headEnd/>
+                <a:tailEnd/>
+              </a:ln>
+            </p:spPr>
+            <p:txBody>
+              <a:bodyPr>
+                <a:prstTxWarp prst="textNoShape">
+                  <a:avLst/>
+                </a:prstTxWarp>
+              </a:bodyPr>
+              <a:lstStyle/>
+              <a:p>
+                <a:endParaRPr lang="en-US"/>
+              </a:p>
+            </p:txBody>
+          </p:sp>
+          <p:sp>
+            <p:nvSpPr>
+              <p:cNvPr id="95" name="Line 102">
+                <a:extLst>
+                  <a:ext uri="{FF2B5EF4-FFF2-40B4-BE49-F238E27FC236}">
+                    <a16:creationId xmlns:a16="http://schemas.microsoft.com/office/drawing/2014/main" id="{FB0DDAF2-C57A-DA4A-BEF8-E20E80B3AE66}"/>
+                  </a:ext>
+                </a:extLst>
+              </p:cNvPr>
+              <p:cNvSpPr>
+                <a:spLocks noChangeAspect="1" noChangeShapeType="1"/>
+              </p:cNvSpPr>
+              <p:nvPr/>
+            </p:nvSpPr>
+            <p:spPr bwMode="auto">
+              <a:xfrm>
+                <a:off x="4320" y="3264"/>
+                <a:ext cx="96" cy="0"/>
+              </a:xfrm>
+              <a:prstGeom prst="line">
+                <a:avLst/>
+              </a:prstGeom>
+              <a:noFill/>
+              <a:ln w="25400">
+                <a:solidFill>
+                  <a:schemeClr val="tx1"/>
+                </a:solidFill>
+                <a:round/>
+                <a:headEnd/>
+                <a:tailEnd/>
+              </a:ln>
+            </p:spPr>
+            <p:txBody>
+              <a:bodyPr>
+                <a:prstTxWarp prst="textNoShape">
+                  <a:avLst/>
+                </a:prstTxWarp>
+              </a:bodyPr>
+              <a:lstStyle/>
+              <a:p>
+                <a:endParaRPr lang="en-US"/>
+              </a:p>
+            </p:txBody>
+          </p:sp>
+          <p:sp>
+            <p:nvSpPr>
+              <p:cNvPr id="96" name="Line 103">
+                <a:extLst>
+                  <a:ext uri="{FF2B5EF4-FFF2-40B4-BE49-F238E27FC236}">
+                    <a16:creationId xmlns:a16="http://schemas.microsoft.com/office/drawing/2014/main" id="{2F663B37-1A9C-0A4E-BB03-D04C11336E83}"/>
+                  </a:ext>
+                </a:extLst>
+              </p:cNvPr>
+              <p:cNvSpPr>
+                <a:spLocks noChangeAspect="1" noChangeShapeType="1"/>
+              </p:cNvSpPr>
+              <p:nvPr/>
+            </p:nvSpPr>
+            <p:spPr bwMode="auto">
+              <a:xfrm>
+                <a:off x="4344" y="3288"/>
+                <a:ext cx="48" cy="0"/>
+              </a:xfrm>
+              <a:prstGeom prst="line">
+                <a:avLst/>
+              </a:prstGeom>
+              <a:noFill/>
+              <a:ln w="25400">
+                <a:solidFill>
+                  <a:schemeClr val="tx1"/>
+                </a:solidFill>
+                <a:round/>
+                <a:headEnd/>
+                <a:tailEnd/>
+              </a:ln>
+            </p:spPr>
+            <p:txBody>
+              <a:bodyPr>
+                <a:prstTxWarp prst="textNoShape">
+                  <a:avLst/>
+                </a:prstTxWarp>
+              </a:bodyPr>
+              <a:lstStyle/>
+              <a:p>
+                <a:endParaRPr lang="en-US"/>
+              </a:p>
+            </p:txBody>
+          </p:sp>
+          <p:sp>
+            <p:nvSpPr>
+              <p:cNvPr id="97" name="Line 104">
+                <a:extLst>
+                  <a:ext uri="{FF2B5EF4-FFF2-40B4-BE49-F238E27FC236}">
+                    <a16:creationId xmlns:a16="http://schemas.microsoft.com/office/drawing/2014/main" id="{B3BF38C4-937C-DD4B-91A0-962653BD4232}"/>
+                  </a:ext>
+                </a:extLst>
+              </p:cNvPr>
+              <p:cNvSpPr>
+                <a:spLocks noChangeAspect="1" noChangeShapeType="1"/>
+              </p:cNvSpPr>
+              <p:nvPr/>
+            </p:nvSpPr>
+            <p:spPr bwMode="auto">
+              <a:xfrm flipH="1">
+                <a:off x="4365" y="3312"/>
+                <a:ext cx="5" cy="0"/>
+              </a:xfrm>
+              <a:prstGeom prst="line">
+                <a:avLst/>
+              </a:prstGeom>
+              <a:noFill/>
+              <a:ln w="25400">
+                <a:solidFill>
+                  <a:schemeClr val="tx1"/>
+                </a:solidFill>
+                <a:round/>
+                <a:headEnd/>
+                <a:tailEnd/>
+              </a:ln>
+            </p:spPr>
+            <p:txBody>
+              <a:bodyPr>
+                <a:prstTxWarp prst="textNoShape">
+                  <a:avLst/>
+                </a:prstTxWarp>
+              </a:bodyPr>
+              <a:lstStyle/>
+              <a:p>
+                <a:endParaRPr lang="en-US"/>
+              </a:p>
+            </p:txBody>
+          </p:sp>
+        </p:grpSp>
+        <p:grpSp>
+          <p:nvGrpSpPr>
+            <p:cNvPr id="98" name="Group 210">
+              <a:extLst>
+                <a:ext uri="{FF2B5EF4-FFF2-40B4-BE49-F238E27FC236}">
+                  <a16:creationId xmlns:a16="http://schemas.microsoft.com/office/drawing/2014/main" id="{06294C8D-50BD-814D-95F8-58458D89E671}"/>
+                </a:ext>
+              </a:extLst>
+            </p:cNvPr>
+            <p:cNvGrpSpPr>
+              <a:grpSpLocks/>
+            </p:cNvGrpSpPr>
+            <p:nvPr/>
+          </p:nvGrpSpPr>
+          <p:grpSpPr bwMode="auto">
+            <a:xfrm rot="5400000">
+              <a:off x="1815892" y="4676931"/>
+              <a:ext cx="274320" cy="548640"/>
+              <a:chOff x="3216" y="1728"/>
+              <a:chExt cx="192" cy="480"/>
+            </a:xfrm>
+          </p:grpSpPr>
+          <p:sp>
+            <p:nvSpPr>
+              <p:cNvPr id="99" name="Line 8">
+                <a:extLst>
+                  <a:ext uri="{FF2B5EF4-FFF2-40B4-BE49-F238E27FC236}">
+                    <a16:creationId xmlns:a16="http://schemas.microsoft.com/office/drawing/2014/main" id="{CF9E6CD2-E167-7543-8ED5-BDF40010D6B4}"/>
+                  </a:ext>
+                </a:extLst>
+              </p:cNvPr>
+              <p:cNvSpPr>
+                <a:spLocks noChangeAspect="1" noChangeShapeType="1"/>
+              </p:cNvSpPr>
+              <p:nvPr/>
+            </p:nvSpPr>
+            <p:spPr bwMode="auto">
+              <a:xfrm>
+                <a:off x="3312" y="1728"/>
+                <a:ext cx="0" cy="200"/>
+              </a:xfrm>
+              <a:prstGeom prst="line">
+                <a:avLst/>
+              </a:prstGeom>
+              <a:noFill/>
+              <a:ln w="25400">
+                <a:solidFill>
+                  <a:schemeClr val="tx1"/>
+                </a:solidFill>
+                <a:round/>
+                <a:headEnd/>
+                <a:tailEnd/>
+              </a:ln>
+              <a:effectLst/>
+            </p:spPr>
+            <p:txBody>
+              <a:bodyPr>
+                <a:prstTxWarp prst="textNoShape">
+                  <a:avLst/>
+                </a:prstTxWarp>
+              </a:bodyPr>
+              <a:lstStyle/>
+              <a:p>
+                <a:endParaRPr lang="en-US" sz="1200"/>
+              </a:p>
+            </p:txBody>
+          </p:sp>
+          <p:sp>
+            <p:nvSpPr>
+              <p:cNvPr id="100" name="Line 9">
+                <a:extLst>
+                  <a:ext uri="{FF2B5EF4-FFF2-40B4-BE49-F238E27FC236}">
+                    <a16:creationId xmlns:a16="http://schemas.microsoft.com/office/drawing/2014/main" id="{B67A520B-EED3-854D-AEDF-EE502ACD5B8B}"/>
+                  </a:ext>
+                </a:extLst>
+              </p:cNvPr>
+              <p:cNvSpPr>
+                <a:spLocks noChangeAspect="1" noChangeShapeType="1"/>
+              </p:cNvSpPr>
+              <p:nvPr/>
+            </p:nvSpPr>
+            <p:spPr bwMode="auto">
+              <a:xfrm>
+                <a:off x="3312" y="1992"/>
+                <a:ext cx="0" cy="216"/>
+              </a:xfrm>
+              <a:prstGeom prst="line">
+                <a:avLst/>
+              </a:prstGeom>
+              <a:noFill/>
+              <a:ln w="25400">
+                <a:solidFill>
+                  <a:schemeClr val="tx1"/>
+                </a:solidFill>
+                <a:round/>
+                <a:headEnd/>
+                <a:tailEnd/>
+              </a:ln>
+              <a:effectLst/>
+            </p:spPr>
+            <p:txBody>
+              <a:bodyPr>
+                <a:prstTxWarp prst="textNoShape">
+                  <a:avLst/>
+                </a:prstTxWarp>
+              </a:bodyPr>
+              <a:lstStyle/>
+              <a:p>
+                <a:endParaRPr lang="en-US" sz="1200"/>
+              </a:p>
+            </p:txBody>
+          </p:sp>
+          <p:sp>
+            <p:nvSpPr>
+              <p:cNvPr id="101" name="Line 10">
+                <a:extLst>
+                  <a:ext uri="{FF2B5EF4-FFF2-40B4-BE49-F238E27FC236}">
+                    <a16:creationId xmlns:a16="http://schemas.microsoft.com/office/drawing/2014/main" id="{E8E66622-8EC7-4C49-8F9C-E04F1E424937}"/>
+                  </a:ext>
+                </a:extLst>
+              </p:cNvPr>
+              <p:cNvSpPr>
+                <a:spLocks noChangeAspect="1" noChangeShapeType="1"/>
+              </p:cNvSpPr>
+              <p:nvPr/>
+            </p:nvSpPr>
+            <p:spPr bwMode="auto">
+              <a:xfrm>
+                <a:off x="3216" y="1944"/>
+                <a:ext cx="192" cy="0"/>
+              </a:xfrm>
+              <a:prstGeom prst="line">
+                <a:avLst/>
+              </a:prstGeom>
+              <a:noFill/>
+              <a:ln w="25400">
+                <a:solidFill>
+                  <a:schemeClr val="tx1"/>
+                </a:solidFill>
+                <a:round/>
+                <a:headEnd/>
+                <a:tailEnd/>
+              </a:ln>
+              <a:effectLst/>
+            </p:spPr>
+            <p:txBody>
+              <a:bodyPr>
+                <a:prstTxWarp prst="textNoShape">
+                  <a:avLst/>
+                </a:prstTxWarp>
+              </a:bodyPr>
+              <a:lstStyle/>
+              <a:p>
+                <a:endParaRPr lang="en-US" sz="1200"/>
+              </a:p>
+            </p:txBody>
+          </p:sp>
+          <p:sp>
+            <p:nvSpPr>
+              <p:cNvPr id="102" name="Line 11">
+                <a:extLst>
+                  <a:ext uri="{FF2B5EF4-FFF2-40B4-BE49-F238E27FC236}">
+                    <a16:creationId xmlns:a16="http://schemas.microsoft.com/office/drawing/2014/main" id="{637E31D8-3060-4D43-8D94-65B67148425A}"/>
+                  </a:ext>
+                </a:extLst>
+              </p:cNvPr>
+              <p:cNvSpPr>
+                <a:spLocks noChangeAspect="1" noChangeShapeType="1"/>
+              </p:cNvSpPr>
+              <p:nvPr/>
+            </p:nvSpPr>
+            <p:spPr bwMode="auto">
+              <a:xfrm>
+                <a:off x="3216" y="1992"/>
+                <a:ext cx="192" cy="0"/>
+              </a:xfrm>
+              <a:prstGeom prst="line">
+                <a:avLst/>
+              </a:prstGeom>
+              <a:noFill/>
+              <a:ln w="25400">
+                <a:solidFill>
+                  <a:schemeClr val="tx1"/>
+                </a:solidFill>
+                <a:round/>
+                <a:headEnd/>
+                <a:tailEnd/>
+              </a:ln>
+              <a:effectLst/>
+            </p:spPr>
+            <p:txBody>
+              <a:bodyPr>
+                <a:prstTxWarp prst="textNoShape">
+                  <a:avLst/>
+                </a:prstTxWarp>
+              </a:bodyPr>
+              <a:lstStyle/>
+              <a:p>
+                <a:endParaRPr lang="en-US" sz="1200"/>
+              </a:p>
+            </p:txBody>
+          </p:sp>
+        </p:grpSp>
+        <p:sp>
+          <p:nvSpPr>
+            <p:cNvPr id="103" name="TextBox 102">
+              <a:extLst>
+                <a:ext uri="{FF2B5EF4-FFF2-40B4-BE49-F238E27FC236}">
+                  <a16:creationId xmlns:a16="http://schemas.microsoft.com/office/drawing/2014/main" id="{D40ABB14-92AB-4249-80D6-3CDFD0C50C72}"/>
+                </a:ext>
+              </a:extLst>
+            </p:cNvPr>
+            <p:cNvSpPr txBox="1"/>
+            <p:nvPr/>
+          </p:nvSpPr>
+          <p:spPr>
+            <a:xfrm>
+              <a:off x="1815933" y="4338006"/>
+              <a:ext cx="434883" cy="338554"/>
+            </a:xfrm>
+            <a:prstGeom prst="rect">
+              <a:avLst/>
+            </a:prstGeom>
+            <a:noFill/>
+          </p:spPr>
+          <p:txBody>
+            <a:bodyPr wrap="square" rtlCol="0">
+              <a:spAutoFit/>
+            </a:bodyPr>
+            <a:lstStyle/>
+            <a:p>
+              <a:r>
+                <a:rPr lang="en-US" sz="1600" dirty="0"/>
+                <a:t>R</a:t>
+              </a:r>
+              <a:r>
+                <a:rPr lang="en-US" sz="1600" baseline="-25000" dirty="0"/>
+                <a:t>D</a:t>
+              </a:r>
+            </a:p>
+          </p:txBody>
+        </p:sp>
+        <p:sp>
+          <p:nvSpPr>
+            <p:cNvPr id="104" name="TextBox 103">
+              <a:extLst>
+                <a:ext uri="{FF2B5EF4-FFF2-40B4-BE49-F238E27FC236}">
+                  <a16:creationId xmlns:a16="http://schemas.microsoft.com/office/drawing/2014/main" id="{EABFA5B2-8560-8C40-8CD9-8CF216ABD836}"/>
+                </a:ext>
+              </a:extLst>
+            </p:cNvPr>
+            <p:cNvSpPr txBox="1"/>
+            <p:nvPr/>
+          </p:nvSpPr>
+          <p:spPr>
+            <a:xfrm>
+              <a:off x="1288112" y="5817401"/>
+              <a:ext cx="434883" cy="338554"/>
+            </a:xfrm>
+            <a:prstGeom prst="rect">
+              <a:avLst/>
+            </a:prstGeom>
+            <a:noFill/>
+          </p:spPr>
+          <p:txBody>
+            <a:bodyPr wrap="square" rtlCol="0">
+              <a:spAutoFit/>
+            </a:bodyPr>
+            <a:lstStyle/>
+            <a:p>
+              <a:r>
+                <a:rPr lang="en-US" sz="1600" dirty="0"/>
+                <a:t>R</a:t>
+              </a:r>
+              <a:r>
+                <a:rPr lang="en-US" sz="1600" baseline="-25000" dirty="0"/>
+                <a:t>S</a:t>
+              </a:r>
+            </a:p>
+          </p:txBody>
+        </p:sp>
+        <p:sp>
+          <p:nvSpPr>
+            <p:cNvPr id="105" name="TextBox 104">
+              <a:extLst>
+                <a:ext uri="{FF2B5EF4-FFF2-40B4-BE49-F238E27FC236}">
+                  <a16:creationId xmlns:a16="http://schemas.microsoft.com/office/drawing/2014/main" id="{2613E364-96A8-194C-9A7C-F0AF33E219FD}"/>
+                </a:ext>
+              </a:extLst>
+            </p:cNvPr>
+            <p:cNvSpPr txBox="1"/>
+            <p:nvPr/>
+          </p:nvSpPr>
+          <p:spPr>
+            <a:xfrm>
+              <a:off x="671077" y="5624114"/>
+              <a:ext cx="434883" cy="338554"/>
+            </a:xfrm>
+            <a:prstGeom prst="rect">
+              <a:avLst/>
+            </a:prstGeom>
+            <a:noFill/>
+          </p:spPr>
+          <p:txBody>
+            <a:bodyPr wrap="square" rtlCol="0">
+              <a:spAutoFit/>
+            </a:bodyPr>
+            <a:lstStyle/>
+            <a:p>
+              <a:r>
+                <a:rPr lang="en-US" sz="1600" dirty="0"/>
+                <a:t>R</a:t>
+              </a:r>
+              <a:r>
+                <a:rPr lang="en-US" sz="1600" baseline="-25000" dirty="0"/>
+                <a:t>2</a:t>
+              </a:r>
+            </a:p>
+          </p:txBody>
+        </p:sp>
+        <p:sp>
+          <p:nvSpPr>
+            <p:cNvPr id="106" name="TextBox 105">
+              <a:extLst>
+                <a:ext uri="{FF2B5EF4-FFF2-40B4-BE49-F238E27FC236}">
+                  <a16:creationId xmlns:a16="http://schemas.microsoft.com/office/drawing/2014/main" id="{F24DD31A-3DB1-ED42-9A18-C2E2679387FE}"/>
+                </a:ext>
+              </a:extLst>
+            </p:cNvPr>
+            <p:cNvSpPr txBox="1"/>
+            <p:nvPr/>
+          </p:nvSpPr>
+          <p:spPr>
+            <a:xfrm>
+              <a:off x="678513" y="4951328"/>
+              <a:ext cx="434883" cy="338554"/>
+            </a:xfrm>
+            <a:prstGeom prst="rect">
+              <a:avLst/>
+            </a:prstGeom>
+            <a:noFill/>
+          </p:spPr>
+          <p:txBody>
+            <a:bodyPr wrap="square" rtlCol="0">
+              <a:spAutoFit/>
+            </a:bodyPr>
+            <a:lstStyle/>
+            <a:p>
+              <a:r>
+                <a:rPr lang="en-US" sz="1600" dirty="0"/>
+                <a:t>R</a:t>
+              </a:r>
+              <a:r>
+                <a:rPr lang="en-US" sz="1600" baseline="-25000" dirty="0"/>
+                <a:t>1</a:t>
+              </a:r>
+            </a:p>
+          </p:txBody>
+        </p:sp>
+        <p:sp>
+          <p:nvSpPr>
+            <p:cNvPr id="107" name="TextBox 106">
+              <a:extLst>
+                <a:ext uri="{FF2B5EF4-FFF2-40B4-BE49-F238E27FC236}">
+                  <a16:creationId xmlns:a16="http://schemas.microsoft.com/office/drawing/2014/main" id="{CCB49973-110D-E341-975B-D62312DE40B8}"/>
+                </a:ext>
+              </a:extLst>
+            </p:cNvPr>
+            <p:cNvSpPr txBox="1"/>
+            <p:nvPr/>
+          </p:nvSpPr>
+          <p:spPr>
+            <a:xfrm>
+              <a:off x="366278" y="4906720"/>
+              <a:ext cx="434883" cy="338554"/>
+            </a:xfrm>
+            <a:prstGeom prst="rect">
+              <a:avLst/>
+            </a:prstGeom>
+            <a:noFill/>
+          </p:spPr>
+          <p:txBody>
+            <a:bodyPr wrap="square" rtlCol="0">
+              <a:spAutoFit/>
+            </a:bodyPr>
+            <a:lstStyle/>
+            <a:p>
+              <a:r>
+                <a:rPr lang="en-US" sz="1600" dirty="0"/>
+                <a:t>C</a:t>
+              </a:r>
+              <a:r>
+                <a:rPr lang="en-US" sz="1600" baseline="-25000" dirty="0"/>
+                <a:t>i</a:t>
+              </a:r>
+            </a:p>
+          </p:txBody>
+        </p:sp>
+        <p:sp>
+          <p:nvSpPr>
+            <p:cNvPr id="108" name="TextBox 107">
+              <a:extLst>
+                <a:ext uri="{FF2B5EF4-FFF2-40B4-BE49-F238E27FC236}">
+                  <a16:creationId xmlns:a16="http://schemas.microsoft.com/office/drawing/2014/main" id="{E41FC245-A42E-A148-BF26-3E34252287C1}"/>
+                </a:ext>
+              </a:extLst>
+            </p:cNvPr>
+            <p:cNvSpPr txBox="1"/>
+            <p:nvPr/>
+          </p:nvSpPr>
+          <p:spPr>
+            <a:xfrm>
+              <a:off x="1812218" y="5003365"/>
+              <a:ext cx="434883" cy="338554"/>
+            </a:xfrm>
+            <a:prstGeom prst="rect">
+              <a:avLst/>
+            </a:prstGeom>
+            <a:noFill/>
+          </p:spPr>
+          <p:txBody>
+            <a:bodyPr wrap="square" rtlCol="0">
+              <a:spAutoFit/>
+            </a:bodyPr>
+            <a:lstStyle/>
+            <a:p>
+              <a:r>
+                <a:rPr lang="en-US" sz="1600" dirty="0"/>
+                <a:t>C</a:t>
+              </a:r>
+              <a:r>
+                <a:rPr lang="en-US" sz="1600" baseline="-25000" dirty="0"/>
+                <a:t>o</a:t>
+              </a:r>
+            </a:p>
+          </p:txBody>
+        </p:sp>
+        <p:cxnSp>
+          <p:nvCxnSpPr>
+            <p:cNvPr id="109" name="Straight Connector 108">
+              <a:extLst>
+                <a:ext uri="{FF2B5EF4-FFF2-40B4-BE49-F238E27FC236}">
+                  <a16:creationId xmlns:a16="http://schemas.microsoft.com/office/drawing/2014/main" id="{8F7AE90E-4DE7-0741-8B8D-2B21A0272187}"/>
+                </a:ext>
+              </a:extLst>
+            </p:cNvPr>
+            <p:cNvCxnSpPr>
+              <a:cxnSpLocks/>
+            </p:cNvCxnSpPr>
+            <p:nvPr/>
+          </p:nvCxnSpPr>
+          <p:spPr>
+            <a:xfrm>
+              <a:off x="1722592" y="5724755"/>
+              <a:ext cx="457200" cy="0"/>
+            </a:xfrm>
+            <a:prstGeom prst="line">
+              <a:avLst/>
+            </a:prstGeom>
+            <a:ln>
+              <a:solidFill>
+                <a:schemeClr val="tx1"/>
+              </a:solidFill>
+            </a:ln>
+          </p:spPr>
+          <p:style>
+            <a:lnRef idx="2">
+              <a:schemeClr val="accent1"/>
+            </a:lnRef>
+            <a:fillRef idx="0">
+              <a:schemeClr val="accent1"/>
+            </a:fillRef>
+            <a:effectRef idx="1">
+              <a:schemeClr val="accent1"/>
+            </a:effectRef>
+            <a:fontRef idx="minor">
+              <a:schemeClr val="tx1"/>
+            </a:fontRef>
+          </p:style>
+        </p:cxnSp>
+        <p:cxnSp>
+          <p:nvCxnSpPr>
+            <p:cNvPr id="110" name="Straight Connector 109">
+              <a:extLst>
+                <a:ext uri="{FF2B5EF4-FFF2-40B4-BE49-F238E27FC236}">
+                  <a16:creationId xmlns:a16="http://schemas.microsoft.com/office/drawing/2014/main" id="{8C8E3DCD-AB82-1E4F-8561-24EDEEE6D5FB}"/>
+                </a:ext>
+              </a:extLst>
+            </p:cNvPr>
+            <p:cNvCxnSpPr>
+              <a:cxnSpLocks/>
+            </p:cNvCxnSpPr>
+            <p:nvPr/>
+          </p:nvCxnSpPr>
+          <p:spPr>
+            <a:xfrm>
+              <a:off x="1060037" y="4174581"/>
+              <a:ext cx="640080" cy="0"/>
+            </a:xfrm>
+            <a:prstGeom prst="line">
+              <a:avLst/>
+            </a:prstGeom>
+            <a:ln>
+              <a:solidFill>
+                <a:schemeClr val="tx1"/>
+              </a:solidFill>
+            </a:ln>
+          </p:spPr>
+          <p:style>
+            <a:lnRef idx="2">
+              <a:schemeClr val="accent1"/>
+            </a:lnRef>
+            <a:fillRef idx="0">
+              <a:schemeClr val="accent1"/>
+            </a:fillRef>
+            <a:effectRef idx="1">
+              <a:schemeClr val="accent1"/>
+            </a:effectRef>
+            <a:fontRef idx="minor">
+              <a:schemeClr val="tx1"/>
+            </a:fontRef>
+          </p:style>
+        </p:cxnSp>
+        <p:cxnSp>
+          <p:nvCxnSpPr>
+            <p:cNvPr id="111" name="Straight Connector 110">
+              <a:extLst>
+                <a:ext uri="{FF2B5EF4-FFF2-40B4-BE49-F238E27FC236}">
+                  <a16:creationId xmlns:a16="http://schemas.microsoft.com/office/drawing/2014/main" id="{00D0E1E4-71E3-E148-95CE-81870DEBC950}"/>
+                </a:ext>
+              </a:extLst>
+            </p:cNvPr>
+            <p:cNvCxnSpPr>
+              <a:cxnSpLocks/>
+            </p:cNvCxnSpPr>
+            <p:nvPr/>
+          </p:nvCxnSpPr>
+          <p:spPr>
+            <a:xfrm>
+              <a:off x="1069073" y="4159524"/>
+              <a:ext cx="0" cy="755909"/>
+            </a:xfrm>
+            <a:prstGeom prst="line">
+              <a:avLst/>
+            </a:prstGeom>
+            <a:ln>
+              <a:solidFill>
+                <a:schemeClr val="tx1"/>
+              </a:solidFill>
+            </a:ln>
+          </p:spPr>
+          <p:style>
+            <a:lnRef idx="2">
+              <a:schemeClr val="accent1"/>
+            </a:lnRef>
+            <a:fillRef idx="0">
+              <a:schemeClr val="accent1"/>
+            </a:fillRef>
+            <a:effectRef idx="1">
+              <a:schemeClr val="accent1"/>
+            </a:effectRef>
+            <a:fontRef idx="minor">
+              <a:schemeClr val="tx1"/>
+            </a:fontRef>
+          </p:style>
+        </p:cxnSp>
+        <p:cxnSp>
+          <p:nvCxnSpPr>
+            <p:cNvPr id="113" name="Straight Connector 112">
+              <a:extLst>
+                <a:ext uri="{FF2B5EF4-FFF2-40B4-BE49-F238E27FC236}">
+                  <a16:creationId xmlns:a16="http://schemas.microsoft.com/office/drawing/2014/main" id="{173976F4-0D1D-5049-B7B8-3DA55FD23D70}"/>
+                </a:ext>
+              </a:extLst>
+            </p:cNvPr>
+            <p:cNvCxnSpPr>
+              <a:cxnSpLocks/>
+            </p:cNvCxnSpPr>
+            <p:nvPr/>
+          </p:nvCxnSpPr>
+          <p:spPr>
+            <a:xfrm>
+              <a:off x="1366441" y="3933319"/>
+              <a:ext cx="0" cy="234984"/>
+            </a:xfrm>
+            <a:prstGeom prst="line">
+              <a:avLst/>
+            </a:prstGeom>
+            <a:ln>
+              <a:solidFill>
+                <a:schemeClr val="tx1"/>
+              </a:solidFill>
+            </a:ln>
+          </p:spPr>
+          <p:style>
+            <a:lnRef idx="2">
+              <a:schemeClr val="accent1"/>
+            </a:lnRef>
+            <a:fillRef idx="0">
+              <a:schemeClr val="accent1"/>
+            </a:fillRef>
+            <a:effectRef idx="1">
+              <a:schemeClr val="accent1"/>
+            </a:effectRef>
+            <a:fontRef idx="minor">
+              <a:schemeClr val="tx1"/>
+            </a:fontRef>
+          </p:style>
+        </p:cxnSp>
+        <p:sp>
+          <p:nvSpPr>
+            <p:cNvPr id="115" name="Oval 114">
+              <a:extLst>
+                <a:ext uri="{FF2B5EF4-FFF2-40B4-BE49-F238E27FC236}">
+                  <a16:creationId xmlns:a16="http://schemas.microsoft.com/office/drawing/2014/main" id="{CDCD42E2-A3EE-C542-9696-B001669F4540}"/>
+                </a:ext>
+              </a:extLst>
+            </p:cNvPr>
+            <p:cNvSpPr/>
+            <p:nvPr/>
+          </p:nvSpPr>
+          <p:spPr>
+            <a:xfrm>
+              <a:off x="2177609" y="4903552"/>
+              <a:ext cx="91440" cy="91440"/>
+            </a:xfrm>
+            <a:prstGeom prst="ellipse">
+              <a:avLst/>
+            </a:prstGeom>
+            <a:solidFill>
+              <a:schemeClr val="tx1"/>
+            </a:solidFill>
+            <a:ln>
+              <a:solidFill>
+                <a:schemeClr val="tx1"/>
+              </a:solidFill>
+            </a:ln>
+          </p:spPr>
+          <p:style>
+            <a:lnRef idx="1">
+              <a:schemeClr val="accent1"/>
+            </a:lnRef>
+            <a:fillRef idx="3">
+              <a:schemeClr val="accent1"/>
+            </a:fillRef>
+            <a:effectRef idx="2">
+              <a:schemeClr val="accent1"/>
+            </a:effectRef>
+            <a:fontRef idx="minor">
+              <a:schemeClr val="lt1"/>
+            </a:fontRef>
+          </p:style>
+          <p:txBody>
+            <a:bodyPr rtlCol="0" anchor="ctr"/>
+            <a:lstStyle/>
+            <a:p>
+              <a:pPr algn="ctr"/>
+              <a:endParaRPr lang="en-US"/>
+            </a:p>
+          </p:txBody>
+        </p:sp>
+        <p:sp>
+          <p:nvSpPr>
+            <p:cNvPr id="116" name="Oval 115">
+              <a:extLst>
+                <a:ext uri="{FF2B5EF4-FFF2-40B4-BE49-F238E27FC236}">
+                  <a16:creationId xmlns:a16="http://schemas.microsoft.com/office/drawing/2014/main" id="{22F4DE6B-C3E9-4E42-ADCE-4B4F4BBF9A74}"/>
+                </a:ext>
+              </a:extLst>
+            </p:cNvPr>
+            <p:cNvSpPr/>
+            <p:nvPr/>
+          </p:nvSpPr>
+          <p:spPr>
+            <a:xfrm>
+              <a:off x="1326401" y="3862773"/>
+              <a:ext cx="91440" cy="91440"/>
+            </a:xfrm>
+            <a:prstGeom prst="ellipse">
+              <a:avLst/>
+            </a:prstGeom>
+            <a:solidFill>
+              <a:schemeClr val="tx1"/>
+            </a:solidFill>
+            <a:ln>
+              <a:solidFill>
+                <a:schemeClr val="tx1"/>
+              </a:solidFill>
+            </a:ln>
+          </p:spPr>
+          <p:style>
+            <a:lnRef idx="1">
+              <a:schemeClr val="accent1"/>
+            </a:lnRef>
+            <a:fillRef idx="3">
+              <a:schemeClr val="accent1"/>
+            </a:fillRef>
+            <a:effectRef idx="2">
+              <a:schemeClr val="accent1"/>
+            </a:effectRef>
+            <a:fontRef idx="minor">
+              <a:schemeClr val="lt1"/>
+            </a:fontRef>
+          </p:style>
+          <p:txBody>
+            <a:bodyPr rtlCol="0" anchor="ctr"/>
+            <a:lstStyle/>
+            <a:p>
+              <a:pPr algn="ctr"/>
+              <a:endParaRPr lang="en-US"/>
+            </a:p>
+          </p:txBody>
+        </p:sp>
+        <p:sp>
+          <p:nvSpPr>
+            <p:cNvPr id="117" name="Oval 116">
+              <a:extLst>
+                <a:ext uri="{FF2B5EF4-FFF2-40B4-BE49-F238E27FC236}">
+                  <a16:creationId xmlns:a16="http://schemas.microsoft.com/office/drawing/2014/main" id="{7CF80ACA-5708-4D47-9B37-FF8DB1977355}"/>
+                </a:ext>
+              </a:extLst>
+            </p:cNvPr>
+            <p:cNvSpPr/>
+            <p:nvPr/>
+          </p:nvSpPr>
+          <p:spPr>
+            <a:xfrm>
+              <a:off x="244730" y="5391005"/>
+              <a:ext cx="91440" cy="91440"/>
+            </a:xfrm>
+            <a:prstGeom prst="ellipse">
+              <a:avLst/>
+            </a:prstGeom>
+            <a:solidFill>
+              <a:schemeClr val="tx1"/>
+            </a:solidFill>
+            <a:ln>
+              <a:solidFill>
+                <a:schemeClr val="tx1"/>
+              </a:solidFill>
+            </a:ln>
+          </p:spPr>
+          <p:style>
+            <a:lnRef idx="1">
+              <a:schemeClr val="accent1"/>
+            </a:lnRef>
+            <a:fillRef idx="3">
+              <a:schemeClr val="accent1"/>
+            </a:fillRef>
+            <a:effectRef idx="2">
+              <a:schemeClr val="accent1"/>
+            </a:effectRef>
+            <a:fontRef idx="minor">
+              <a:schemeClr val="lt1"/>
+            </a:fontRef>
+          </p:style>
+          <p:txBody>
+            <a:bodyPr rtlCol="0" anchor="ctr"/>
+            <a:lstStyle/>
+            <a:p>
+              <a:pPr algn="ctr"/>
+              <a:endParaRPr lang="en-US"/>
+            </a:p>
+          </p:txBody>
+        </p:sp>
+        <p:sp>
+          <p:nvSpPr>
+            <p:cNvPr id="120" name="TextBox 119">
+              <a:extLst>
+                <a:ext uri="{FF2B5EF4-FFF2-40B4-BE49-F238E27FC236}">
+                  <a16:creationId xmlns:a16="http://schemas.microsoft.com/office/drawing/2014/main" id="{E931C463-4A47-1740-8357-E09E14E6AA37}"/>
+                </a:ext>
+              </a:extLst>
+            </p:cNvPr>
+            <p:cNvSpPr txBox="1"/>
+            <p:nvPr/>
+          </p:nvSpPr>
+          <p:spPr>
+            <a:xfrm>
+              <a:off x="1692621" y="5319803"/>
+              <a:ext cx="290464" cy="369332"/>
+            </a:xfrm>
+            <a:prstGeom prst="rect">
+              <a:avLst/>
+            </a:prstGeom>
+            <a:noFill/>
+          </p:spPr>
+          <p:txBody>
+            <a:bodyPr wrap="none" rtlCol="0">
+              <a:spAutoFit/>
+            </a:bodyPr>
+            <a:lstStyle/>
+            <a:p>
+              <a:r>
+                <a:rPr lang="en-US" dirty="0"/>
+                <a:t>S</a:t>
+              </a:r>
+              <a:endParaRPr lang="en-US" baseline="-25000" dirty="0"/>
+            </a:p>
+          </p:txBody>
+        </p:sp>
+        <p:sp>
+          <p:nvSpPr>
+            <p:cNvPr id="121" name="TextBox 120">
+              <a:extLst>
+                <a:ext uri="{FF2B5EF4-FFF2-40B4-BE49-F238E27FC236}">
+                  <a16:creationId xmlns:a16="http://schemas.microsoft.com/office/drawing/2014/main" id="{8568354D-EA9A-4145-830F-78F91F6CCEC6}"/>
+                </a:ext>
+              </a:extLst>
+            </p:cNvPr>
+            <p:cNvSpPr txBox="1"/>
+            <p:nvPr/>
+          </p:nvSpPr>
+          <p:spPr>
+            <a:xfrm>
+              <a:off x="599805" y="3780936"/>
+              <a:ext cx="505267" cy="369332"/>
+            </a:xfrm>
+            <a:prstGeom prst="rect">
+              <a:avLst/>
+            </a:prstGeom>
+            <a:noFill/>
+          </p:spPr>
+          <p:txBody>
+            <a:bodyPr wrap="none" rtlCol="0">
+              <a:spAutoFit/>
+            </a:bodyPr>
+            <a:lstStyle/>
+            <a:p>
+              <a:r>
+                <a:rPr lang="en-US" dirty="0"/>
+                <a:t>V</a:t>
+              </a:r>
+              <a:r>
+                <a:rPr lang="en-US" baseline="-25000" dirty="0"/>
+                <a:t>DD</a:t>
+              </a:r>
+            </a:p>
+          </p:txBody>
+        </p:sp>
+      </p:grpSp>
+      <mc:AlternateContent xmlns:mc="http://schemas.openxmlformats.org/markup-compatibility/2006">
+        <mc:Choice xmlns:a14="http://schemas.microsoft.com/office/drawing/2010/main" Requires="a14">
           <p:sp>
             <p:nvSpPr>
               <p:cNvPr id="16" name="TextBox 15">
@@ -9754,7 +9792,7 @@
             </p:nvSpPr>
             <p:spPr>
               <a:xfrm>
-                <a:off x="3245005" y="1028878"/>
+                <a:off x="5681669" y="5325617"/>
                 <a:ext cx="2735938" cy="878636"/>
               </a:xfrm>
               <a:prstGeom prst="rect">
@@ -10486,7 +10524,7 @@
             </p:txBody>
           </p:sp>
         </mc:Choice>
-        <mc:Fallback xmlns="">
+        <mc:Fallback>
           <p:sp>
             <p:nvSpPr>
               <p:cNvPr id="16" name="TextBox 15">
@@ -10503,7 +10541,7 @@
             </p:nvSpPr>
             <p:spPr>
               <a:xfrm>
-                <a:off x="3245005" y="1028878"/>
+                <a:off x="5681669" y="5325617"/>
                 <a:ext cx="2735938" cy="878636"/>
               </a:xfrm>
               <a:prstGeom prst="rect">
@@ -10512,7 +10550,7 @@
               <a:blipFill>
                 <a:blip r:embed="rId5"/>
                 <a:stretch>
-                  <a:fillRect l="-3241" t="-2857"/>
+                  <a:fillRect l="-3241" t="-2857" b="-1429"/>
                 </a:stretch>
               </a:blipFill>
               <a:ln w="12700" cap="flat">
